--- a/Data Science & analysis.pptx
+++ b/Data Science & analysis.pptx
@@ -5,7 +5,7 @@
     <p:sldMasterId id="2147483665" r:id="rId1"/>
   </p:sldMasterIdLst>
   <p:notesMasterIdLst>
-    <p:notesMasterId r:id="rId12"/>
+    <p:notesMasterId r:id="rId18"/>
   </p:notesMasterIdLst>
   <p:sldIdLst>
     <p:sldId id="256" r:id="rId2"/>
@@ -18,6 +18,12 @@
     <p:sldId id="264" r:id="rId9"/>
     <p:sldId id="265" r:id="rId10"/>
     <p:sldId id="266" r:id="rId11"/>
+    <p:sldId id="267" r:id="rId12"/>
+    <p:sldId id="268" r:id="rId13"/>
+    <p:sldId id="271" r:id="rId14"/>
+    <p:sldId id="273" r:id="rId15"/>
+    <p:sldId id="270" r:id="rId16"/>
+    <p:sldId id="272" r:id="rId17"/>
   </p:sldIdLst>
   <p:sldSz cx="12192000" cy="6858000"/>
   <p:notesSz cx="6858000" cy="9144000"/>
@@ -869,6 +875,91 @@
 </p:notes>
 </file>
 
+<file path=ppt/notesSlides/notesSlide3.xml><?xml version="1.0" encoding="utf-8"?>
+<p:notes xmlns:a="http://schemas.openxmlformats.org/drawingml/2006/main" xmlns:r="http://schemas.openxmlformats.org/officeDocument/2006/relationships" xmlns:p="http://schemas.openxmlformats.org/presentationml/2006/main">
+  <p:cSld>
+    <p:spTree>
+      <p:nvGrpSpPr>
+        <p:cNvPr id="1" name=""/>
+        <p:cNvGrpSpPr/>
+        <p:nvPr/>
+      </p:nvGrpSpPr>
+      <p:grpSpPr>
+        <a:xfrm>
+          <a:off x="0" y="0"/>
+          <a:ext cx="0" cy="0"/>
+          <a:chOff x="0" y="0"/>
+          <a:chExt cx="0" cy="0"/>
+        </a:xfrm>
+      </p:grpSpPr>
+      <p:sp>
+        <p:nvSpPr>
+          <p:cNvPr id="2" name="Slide Image Placeholder 1"/>
+          <p:cNvSpPr>
+            <a:spLocks noGrp="1" noRot="1" noChangeAspect="1"/>
+          </p:cNvSpPr>
+          <p:nvPr>
+            <p:ph type="sldImg"/>
+          </p:nvPr>
+        </p:nvSpPr>
+        <p:spPr>
+          <a:xfrm>
+            <a:off x="381000" y="685800"/>
+            <a:ext cx="6096000" cy="3429000"/>
+          </a:xfrm>
+        </p:spPr>
+      </p:sp>
+      <p:sp>
+        <p:nvSpPr>
+          <p:cNvPr id="3" name="Notes Placeholder 2"/>
+          <p:cNvSpPr>
+            <a:spLocks noGrp="1"/>
+          </p:cNvSpPr>
+          <p:nvPr>
+            <p:ph type="body" idx="1"/>
+          </p:nvPr>
+        </p:nvSpPr>
+        <p:spPr/>
+        <p:txBody>
+          <a:bodyPr/>
+          <a:lstStyle/>
+          <a:p>
+            <a:r>
+              <a:rPr lang="en-US" dirty="0"/>
+              <a:t>Human error: incorrectly entered data, errant key strokes, misspellings</a:t>
+            </a:r>
+          </a:p>
+          <a:p>
+            <a:r>
+              <a:rPr lang="en-US" dirty="0" err="1"/>
+              <a:t>Variaiton</a:t>
+            </a:r>
+            <a:r>
+              <a:rPr lang="en-US" dirty="0"/>
+              <a:t> on process: systems can measure values on different scales </a:t>
+            </a:r>
+          </a:p>
+          <a:p>
+            <a:r>
+              <a:rPr lang="en-US" dirty="0"/>
+              <a:t>Varying formats: dates stored as strings or numbers</a:t>
+            </a:r>
+          </a:p>
+        </p:txBody>
+      </p:sp>
+    </p:spTree>
+    <p:extLst>
+      <p:ext uri="{BB962C8B-B14F-4D97-AF65-F5344CB8AC3E}">
+        <p14:creationId xmlns:p14="http://schemas.microsoft.com/office/powerpoint/2010/main" val="3632396602"/>
+      </p:ext>
+    </p:extLst>
+  </p:cSld>
+  <p:clrMapOvr>
+    <a:masterClrMapping/>
+  </p:clrMapOvr>
+</p:notes>
+</file>
+
 <file path=ppt/slideLayouts/slideLayout1.xml><?xml version="1.0" encoding="utf-8"?>
 <p:sldLayout xmlns:a="http://schemas.openxmlformats.org/drawingml/2006/main" xmlns:r="http://schemas.openxmlformats.org/officeDocument/2006/relationships" xmlns:p="http://schemas.openxmlformats.org/presentationml/2006/main" matchingName="Title Slide">
   <p:cSld name="Title Slide">
@@ -1718,1474 +1809,6 @@
 </file>
 
 <file path=ppt/slideLayouts/slideLayout10.xml><?xml version="1.0" encoding="utf-8"?>
-<p:sldLayout xmlns:a="http://schemas.openxmlformats.org/drawingml/2006/main" xmlns:r="http://schemas.openxmlformats.org/officeDocument/2006/relationships" xmlns:p="http://schemas.openxmlformats.org/presentationml/2006/main" matchingName="Circle 2">
-  <p:cSld name="Circle 2">
-    <p:spTree>
-      <p:nvGrpSpPr>
-        <p:cNvPr id="1" name="Shape 125"/>
-        <p:cNvGrpSpPr/>
-        <p:nvPr/>
-      </p:nvGrpSpPr>
-      <p:grpSpPr>
-        <a:xfrm>
-          <a:off x="0" y="0"/>
-          <a:ext cx="0" cy="0"/>
-          <a:chOff x="0" y="0"/>
-          <a:chExt cx="0" cy="0"/>
-        </a:xfrm>
-      </p:grpSpPr>
-      <p:sp>
-        <p:nvSpPr>
-          <p:cNvPr id="126" name="Google Shape;126;p11"/>
-          <p:cNvSpPr txBox="1">
-            <a:spLocks noGrp="1"/>
-          </p:cNvSpPr>
-          <p:nvPr>
-            <p:ph type="dt" idx="10"/>
-          </p:nvPr>
-        </p:nvSpPr>
-        <p:spPr>
-          <a:xfrm>
-            <a:off x="838200" y="6356350"/>
-            <a:ext cx="2743200" cy="365125"/>
-          </a:xfrm>
-          <a:prstGeom prst="rect">
-            <a:avLst/>
-          </a:prstGeom>
-          <a:noFill/>
-          <a:ln>
-            <a:noFill/>
-          </a:ln>
-        </p:spPr>
-        <p:txBody>
-          <a:bodyPr spcFirstLastPara="1" wrap="square" lIns="91425" tIns="45700" rIns="91425" bIns="45700" anchor="ctr" anchorCtr="0">
-            <a:noAutofit/>
-          </a:bodyPr>
-          <a:lstStyle>
-            <a:lvl1pPr lvl="0" algn="l">
-              <a:spcBef>
-                <a:spcPts val="0"/>
-              </a:spcBef>
-              <a:spcAft>
-                <a:spcPts val="0"/>
-              </a:spcAft>
-              <a:buSzPts val="1400"/>
-              <a:buNone/>
-              <a:defRPr b="0" i="0">
-                <a:latin typeface="Arial"/>
-                <a:ea typeface="Arial"/>
-                <a:cs typeface="Arial"/>
-                <a:sym typeface="Arial"/>
-              </a:defRPr>
-            </a:lvl1pPr>
-            <a:lvl2pPr lvl="1" algn="l">
-              <a:spcBef>
-                <a:spcPts val="0"/>
-              </a:spcBef>
-              <a:spcAft>
-                <a:spcPts val="0"/>
-              </a:spcAft>
-              <a:buSzPts val="1400"/>
-              <a:buNone/>
-              <a:defRPr/>
-            </a:lvl2pPr>
-            <a:lvl3pPr lvl="2" algn="l">
-              <a:spcBef>
-                <a:spcPts val="0"/>
-              </a:spcBef>
-              <a:spcAft>
-                <a:spcPts val="0"/>
-              </a:spcAft>
-              <a:buSzPts val="1400"/>
-              <a:buNone/>
-              <a:defRPr/>
-            </a:lvl3pPr>
-            <a:lvl4pPr lvl="3" algn="l">
-              <a:spcBef>
-                <a:spcPts val="0"/>
-              </a:spcBef>
-              <a:spcAft>
-                <a:spcPts val="0"/>
-              </a:spcAft>
-              <a:buSzPts val="1400"/>
-              <a:buNone/>
-              <a:defRPr/>
-            </a:lvl4pPr>
-            <a:lvl5pPr lvl="4" algn="l">
-              <a:spcBef>
-                <a:spcPts val="0"/>
-              </a:spcBef>
-              <a:spcAft>
-                <a:spcPts val="0"/>
-              </a:spcAft>
-              <a:buSzPts val="1400"/>
-              <a:buNone/>
-              <a:defRPr/>
-            </a:lvl5pPr>
-            <a:lvl6pPr lvl="5" algn="l">
-              <a:spcBef>
-                <a:spcPts val="0"/>
-              </a:spcBef>
-              <a:spcAft>
-                <a:spcPts val="0"/>
-              </a:spcAft>
-              <a:buSzPts val="1400"/>
-              <a:buNone/>
-              <a:defRPr/>
-            </a:lvl6pPr>
-            <a:lvl7pPr lvl="6" algn="l">
-              <a:spcBef>
-                <a:spcPts val="0"/>
-              </a:spcBef>
-              <a:spcAft>
-                <a:spcPts val="0"/>
-              </a:spcAft>
-              <a:buSzPts val="1400"/>
-              <a:buNone/>
-              <a:defRPr/>
-            </a:lvl7pPr>
-            <a:lvl8pPr lvl="7" algn="l">
-              <a:spcBef>
-                <a:spcPts val="0"/>
-              </a:spcBef>
-              <a:spcAft>
-                <a:spcPts val="0"/>
-              </a:spcAft>
-              <a:buSzPts val="1400"/>
-              <a:buNone/>
-              <a:defRPr/>
-            </a:lvl8pPr>
-            <a:lvl9pPr lvl="8" algn="l">
-              <a:spcBef>
-                <a:spcPts val="0"/>
-              </a:spcBef>
-              <a:spcAft>
-                <a:spcPts val="0"/>
-              </a:spcAft>
-              <a:buSzPts val="1400"/>
-              <a:buNone/>
-              <a:defRPr/>
-            </a:lvl9pPr>
-          </a:lstStyle>
-          <a:p>
-            <a:endParaRPr/>
-          </a:p>
-        </p:txBody>
-      </p:sp>
-      <p:sp>
-        <p:nvSpPr>
-          <p:cNvPr id="127" name="Google Shape;127;p11"/>
-          <p:cNvSpPr txBox="1">
-            <a:spLocks noGrp="1"/>
-          </p:cNvSpPr>
-          <p:nvPr>
-            <p:ph type="ftr" idx="11"/>
-          </p:nvPr>
-        </p:nvSpPr>
-        <p:spPr>
-          <a:xfrm>
-            <a:off x="4038600" y="6356350"/>
-            <a:ext cx="4114800" cy="365125"/>
-          </a:xfrm>
-          <a:prstGeom prst="rect">
-            <a:avLst/>
-          </a:prstGeom>
-          <a:noFill/>
-          <a:ln>
-            <a:noFill/>
-          </a:ln>
-        </p:spPr>
-        <p:txBody>
-          <a:bodyPr spcFirstLastPara="1" wrap="square" lIns="91425" tIns="45700" rIns="91425" bIns="45700" anchor="ctr" anchorCtr="0">
-            <a:noAutofit/>
-          </a:bodyPr>
-          <a:lstStyle>
-            <a:lvl1pPr lvl="0" algn="ctr">
-              <a:spcBef>
-                <a:spcPts val="0"/>
-              </a:spcBef>
-              <a:spcAft>
-                <a:spcPts val="0"/>
-              </a:spcAft>
-              <a:buSzPts val="1400"/>
-              <a:buNone/>
-              <a:defRPr b="0" i="0">
-                <a:latin typeface="Arial"/>
-                <a:ea typeface="Arial"/>
-                <a:cs typeface="Arial"/>
-                <a:sym typeface="Arial"/>
-              </a:defRPr>
-            </a:lvl1pPr>
-            <a:lvl2pPr lvl="1" algn="l">
-              <a:spcBef>
-                <a:spcPts val="0"/>
-              </a:spcBef>
-              <a:spcAft>
-                <a:spcPts val="0"/>
-              </a:spcAft>
-              <a:buSzPts val="1400"/>
-              <a:buNone/>
-              <a:defRPr/>
-            </a:lvl2pPr>
-            <a:lvl3pPr lvl="2" algn="l">
-              <a:spcBef>
-                <a:spcPts val="0"/>
-              </a:spcBef>
-              <a:spcAft>
-                <a:spcPts val="0"/>
-              </a:spcAft>
-              <a:buSzPts val="1400"/>
-              <a:buNone/>
-              <a:defRPr/>
-            </a:lvl3pPr>
-            <a:lvl4pPr lvl="3" algn="l">
-              <a:spcBef>
-                <a:spcPts val="0"/>
-              </a:spcBef>
-              <a:spcAft>
-                <a:spcPts val="0"/>
-              </a:spcAft>
-              <a:buSzPts val="1400"/>
-              <a:buNone/>
-              <a:defRPr/>
-            </a:lvl4pPr>
-            <a:lvl5pPr lvl="4" algn="l">
-              <a:spcBef>
-                <a:spcPts val="0"/>
-              </a:spcBef>
-              <a:spcAft>
-                <a:spcPts val="0"/>
-              </a:spcAft>
-              <a:buSzPts val="1400"/>
-              <a:buNone/>
-              <a:defRPr/>
-            </a:lvl5pPr>
-            <a:lvl6pPr lvl="5" algn="l">
-              <a:spcBef>
-                <a:spcPts val="0"/>
-              </a:spcBef>
-              <a:spcAft>
-                <a:spcPts val="0"/>
-              </a:spcAft>
-              <a:buSzPts val="1400"/>
-              <a:buNone/>
-              <a:defRPr/>
-            </a:lvl6pPr>
-            <a:lvl7pPr lvl="6" algn="l">
-              <a:spcBef>
-                <a:spcPts val="0"/>
-              </a:spcBef>
-              <a:spcAft>
-                <a:spcPts val="0"/>
-              </a:spcAft>
-              <a:buSzPts val="1400"/>
-              <a:buNone/>
-              <a:defRPr/>
-            </a:lvl7pPr>
-            <a:lvl8pPr lvl="7" algn="l">
-              <a:spcBef>
-                <a:spcPts val="0"/>
-              </a:spcBef>
-              <a:spcAft>
-                <a:spcPts val="0"/>
-              </a:spcAft>
-              <a:buSzPts val="1400"/>
-              <a:buNone/>
-              <a:defRPr/>
-            </a:lvl8pPr>
-            <a:lvl9pPr lvl="8" algn="l">
-              <a:spcBef>
-                <a:spcPts val="0"/>
-              </a:spcBef>
-              <a:spcAft>
-                <a:spcPts val="0"/>
-              </a:spcAft>
-              <a:buSzPts val="1400"/>
-              <a:buNone/>
-              <a:defRPr/>
-            </a:lvl9pPr>
-          </a:lstStyle>
-          <a:p>
-            <a:endParaRPr/>
-          </a:p>
-        </p:txBody>
-      </p:sp>
-      <p:sp>
-        <p:nvSpPr>
-          <p:cNvPr id="128" name="Google Shape;128;p11"/>
-          <p:cNvSpPr txBox="1">
-            <a:spLocks noGrp="1"/>
-          </p:cNvSpPr>
-          <p:nvPr>
-            <p:ph type="sldNum" idx="12"/>
-          </p:nvPr>
-        </p:nvSpPr>
-        <p:spPr>
-          <a:xfrm>
-            <a:off x="8610600" y="6356350"/>
-            <a:ext cx="2743200" cy="365125"/>
-          </a:xfrm>
-          <a:prstGeom prst="rect">
-            <a:avLst/>
-          </a:prstGeom>
-          <a:noFill/>
-          <a:ln>
-            <a:noFill/>
-          </a:ln>
-        </p:spPr>
-        <p:txBody>
-          <a:bodyPr spcFirstLastPara="1" wrap="square" lIns="91425" tIns="45700" rIns="91425" bIns="45700" anchor="ctr" anchorCtr="0">
-            <a:noAutofit/>
-          </a:bodyPr>
-          <a:lstStyle>
-            <a:lvl1pPr marL="0" lvl="0" indent="0" algn="r">
-              <a:spcBef>
-                <a:spcPts val="0"/>
-              </a:spcBef>
-              <a:buNone/>
-              <a:defRPr sz="1200" b="0" i="0">
-                <a:solidFill>
-                  <a:srgbClr val="888888"/>
-                </a:solidFill>
-                <a:latin typeface="Arial"/>
-                <a:ea typeface="Arial"/>
-                <a:cs typeface="Arial"/>
-                <a:sym typeface="Arial"/>
-              </a:defRPr>
-            </a:lvl1pPr>
-            <a:lvl2pPr marL="0" lvl="1" indent="0" algn="r">
-              <a:spcBef>
-                <a:spcPts val="0"/>
-              </a:spcBef>
-              <a:buNone/>
-              <a:defRPr sz="1200" b="0" i="0">
-                <a:solidFill>
-                  <a:srgbClr val="888888"/>
-                </a:solidFill>
-                <a:latin typeface="Arial"/>
-                <a:ea typeface="Arial"/>
-                <a:cs typeface="Arial"/>
-                <a:sym typeface="Arial"/>
-              </a:defRPr>
-            </a:lvl2pPr>
-            <a:lvl3pPr marL="0" lvl="2" indent="0" algn="r">
-              <a:spcBef>
-                <a:spcPts val="0"/>
-              </a:spcBef>
-              <a:buNone/>
-              <a:defRPr sz="1200" b="0" i="0">
-                <a:solidFill>
-                  <a:srgbClr val="888888"/>
-                </a:solidFill>
-                <a:latin typeface="Arial"/>
-                <a:ea typeface="Arial"/>
-                <a:cs typeface="Arial"/>
-                <a:sym typeface="Arial"/>
-              </a:defRPr>
-            </a:lvl3pPr>
-            <a:lvl4pPr marL="0" lvl="3" indent="0" algn="r">
-              <a:spcBef>
-                <a:spcPts val="0"/>
-              </a:spcBef>
-              <a:buNone/>
-              <a:defRPr sz="1200" b="0" i="0">
-                <a:solidFill>
-                  <a:srgbClr val="888888"/>
-                </a:solidFill>
-                <a:latin typeface="Arial"/>
-                <a:ea typeface="Arial"/>
-                <a:cs typeface="Arial"/>
-                <a:sym typeface="Arial"/>
-              </a:defRPr>
-            </a:lvl4pPr>
-            <a:lvl5pPr marL="0" lvl="4" indent="0" algn="r">
-              <a:spcBef>
-                <a:spcPts val="0"/>
-              </a:spcBef>
-              <a:buNone/>
-              <a:defRPr sz="1200" b="0" i="0">
-                <a:solidFill>
-                  <a:srgbClr val="888888"/>
-                </a:solidFill>
-                <a:latin typeface="Arial"/>
-                <a:ea typeface="Arial"/>
-                <a:cs typeface="Arial"/>
-                <a:sym typeface="Arial"/>
-              </a:defRPr>
-            </a:lvl5pPr>
-            <a:lvl6pPr marL="0" lvl="5" indent="0" algn="r">
-              <a:spcBef>
-                <a:spcPts val="0"/>
-              </a:spcBef>
-              <a:buNone/>
-              <a:defRPr sz="1200" b="0" i="0">
-                <a:solidFill>
-                  <a:srgbClr val="888888"/>
-                </a:solidFill>
-                <a:latin typeface="Arial"/>
-                <a:ea typeface="Arial"/>
-                <a:cs typeface="Arial"/>
-                <a:sym typeface="Arial"/>
-              </a:defRPr>
-            </a:lvl6pPr>
-            <a:lvl7pPr marL="0" lvl="6" indent="0" algn="r">
-              <a:spcBef>
-                <a:spcPts val="0"/>
-              </a:spcBef>
-              <a:buNone/>
-              <a:defRPr sz="1200" b="0" i="0">
-                <a:solidFill>
-                  <a:srgbClr val="888888"/>
-                </a:solidFill>
-                <a:latin typeface="Arial"/>
-                <a:ea typeface="Arial"/>
-                <a:cs typeface="Arial"/>
-                <a:sym typeface="Arial"/>
-              </a:defRPr>
-            </a:lvl7pPr>
-            <a:lvl8pPr marL="0" lvl="7" indent="0" algn="r">
-              <a:spcBef>
-                <a:spcPts val="0"/>
-              </a:spcBef>
-              <a:buNone/>
-              <a:defRPr sz="1200" b="0" i="0">
-                <a:solidFill>
-                  <a:srgbClr val="888888"/>
-                </a:solidFill>
-                <a:latin typeface="Arial"/>
-                <a:ea typeface="Arial"/>
-                <a:cs typeface="Arial"/>
-                <a:sym typeface="Arial"/>
-              </a:defRPr>
-            </a:lvl8pPr>
-            <a:lvl9pPr marL="0" lvl="8" indent="0" algn="r">
-              <a:spcBef>
-                <a:spcPts val="0"/>
-              </a:spcBef>
-              <a:buNone/>
-              <a:defRPr sz="1200" b="0" i="0">
-                <a:solidFill>
-                  <a:srgbClr val="888888"/>
-                </a:solidFill>
-                <a:latin typeface="Arial"/>
-                <a:ea typeface="Arial"/>
-                <a:cs typeface="Arial"/>
-                <a:sym typeface="Arial"/>
-              </a:defRPr>
-            </a:lvl9pPr>
-          </a:lstStyle>
-          <a:p>
-            <a:pPr marL="0" lvl="0" indent="0" algn="r" rtl="0">
-              <a:spcBef>
-                <a:spcPts val="0"/>
-              </a:spcBef>
-              <a:spcAft>
-                <a:spcPts val="0"/>
-              </a:spcAft>
-              <a:buNone/>
-            </a:pPr>
-            <a:fld id="{00000000-1234-1234-1234-123412341234}" type="slidenum">
-              <a:rPr lang="en-US"/>
-              <a:t>‹#›</a:t>
-            </a:fld>
-            <a:endParaRPr/>
-          </a:p>
-        </p:txBody>
-      </p:sp>
-      <p:sp>
-        <p:nvSpPr>
-          <p:cNvPr id="129" name="Google Shape;129;p11"/>
-          <p:cNvSpPr/>
-          <p:nvPr/>
-        </p:nvSpPr>
-        <p:spPr>
-          <a:xfrm>
-            <a:off x="3703322" y="449882"/>
-            <a:ext cx="4339072" cy="482463"/>
-          </a:xfrm>
-          <a:prstGeom prst="rect">
-            <a:avLst/>
-          </a:prstGeom>
-          <a:solidFill>
-            <a:srgbClr val="00632D"/>
-          </a:solidFill>
-          <a:ln>
-            <a:noFill/>
-          </a:ln>
-        </p:spPr>
-        <p:txBody>
-          <a:bodyPr spcFirstLastPara="1" wrap="square" lIns="91425" tIns="45700" rIns="91425" bIns="45700" anchor="ctr" anchorCtr="0">
-            <a:noAutofit/>
-          </a:bodyPr>
-          <a:lstStyle/>
-          <a:p>
-            <a:pPr marL="0" marR="0" lvl="0" indent="0" algn="ctr" rtl="0">
-              <a:spcBef>
-                <a:spcPts val="0"/>
-              </a:spcBef>
-              <a:spcAft>
-                <a:spcPts val="0"/>
-              </a:spcAft>
-              <a:buNone/>
-            </a:pPr>
-            <a:endParaRPr sz="1800" b="0" i="0">
-              <a:solidFill>
-                <a:schemeClr val="lt1"/>
-              </a:solidFill>
-              <a:latin typeface="Arial"/>
-              <a:ea typeface="Arial"/>
-              <a:cs typeface="Arial"/>
-              <a:sym typeface="Arial"/>
-            </a:endParaRPr>
-          </a:p>
-        </p:txBody>
-      </p:sp>
-      <p:sp>
-        <p:nvSpPr>
-          <p:cNvPr id="130" name="Google Shape;130;p11"/>
-          <p:cNvSpPr/>
-          <p:nvPr/>
-        </p:nvSpPr>
-        <p:spPr>
-          <a:xfrm>
-            <a:off x="8091823" y="449882"/>
-            <a:ext cx="151931" cy="482463"/>
-          </a:xfrm>
-          <a:prstGeom prst="rect">
-            <a:avLst/>
-          </a:prstGeom>
-          <a:solidFill>
-            <a:srgbClr val="00632D"/>
-          </a:solidFill>
-          <a:ln>
-            <a:noFill/>
-          </a:ln>
-        </p:spPr>
-        <p:txBody>
-          <a:bodyPr spcFirstLastPara="1" wrap="square" lIns="91425" tIns="45700" rIns="91425" bIns="45700" anchor="ctr" anchorCtr="0">
-            <a:noAutofit/>
-          </a:bodyPr>
-          <a:lstStyle/>
-          <a:p>
-            <a:pPr marL="0" marR="0" lvl="0" indent="0" algn="ctr" rtl="0">
-              <a:spcBef>
-                <a:spcPts val="0"/>
-              </a:spcBef>
-              <a:spcAft>
-                <a:spcPts val="0"/>
-              </a:spcAft>
-              <a:buNone/>
-            </a:pPr>
-            <a:endParaRPr sz="1800" b="0" i="0">
-              <a:solidFill>
-                <a:schemeClr val="lt1"/>
-              </a:solidFill>
-              <a:latin typeface="Arial"/>
-              <a:ea typeface="Arial"/>
-              <a:cs typeface="Arial"/>
-              <a:sym typeface="Arial"/>
-            </a:endParaRPr>
-          </a:p>
-        </p:txBody>
-      </p:sp>
-      <p:sp>
-        <p:nvSpPr>
-          <p:cNvPr id="131" name="Google Shape;131;p11"/>
-          <p:cNvSpPr txBox="1">
-            <a:spLocks noGrp="1"/>
-          </p:cNvSpPr>
-          <p:nvPr>
-            <p:ph type="title"/>
-          </p:nvPr>
-        </p:nvSpPr>
-        <p:spPr>
-          <a:xfrm>
-            <a:off x="3914147" y="407041"/>
-            <a:ext cx="4128247" cy="567219"/>
-          </a:xfrm>
-          <a:prstGeom prst="rect">
-            <a:avLst/>
-          </a:prstGeom>
-          <a:noFill/>
-          <a:ln>
-            <a:noFill/>
-          </a:ln>
-        </p:spPr>
-        <p:txBody>
-          <a:bodyPr spcFirstLastPara="1" wrap="square" lIns="91425" tIns="45700" rIns="91425" bIns="45700" anchor="ctr" anchorCtr="0">
-            <a:noAutofit/>
-          </a:bodyPr>
-          <a:lstStyle>
-            <a:lvl1pPr lvl="0" algn="l">
-              <a:lnSpc>
-                <a:spcPct val="90000"/>
-              </a:lnSpc>
-              <a:spcBef>
-                <a:spcPts val="0"/>
-              </a:spcBef>
-              <a:spcAft>
-                <a:spcPts val="0"/>
-              </a:spcAft>
-              <a:buClr>
-                <a:schemeClr val="lt1"/>
-              </a:buClr>
-              <a:buSzPts val="2000"/>
-              <a:buFont typeface="Arial"/>
-              <a:buNone/>
-              <a:defRPr sz="2000" b="0" i="0" cap="small">
-                <a:solidFill>
-                  <a:schemeClr val="lt1"/>
-                </a:solidFill>
-                <a:latin typeface="Arial"/>
-                <a:ea typeface="Arial"/>
-                <a:cs typeface="Arial"/>
-                <a:sym typeface="Arial"/>
-              </a:defRPr>
-            </a:lvl1pPr>
-            <a:lvl2pPr lvl="1">
-              <a:spcBef>
-                <a:spcPts val="0"/>
-              </a:spcBef>
-              <a:spcAft>
-                <a:spcPts val="0"/>
-              </a:spcAft>
-              <a:buSzPts val="1400"/>
-              <a:buNone/>
-              <a:defRPr/>
-            </a:lvl2pPr>
-            <a:lvl3pPr lvl="2">
-              <a:spcBef>
-                <a:spcPts val="0"/>
-              </a:spcBef>
-              <a:spcAft>
-                <a:spcPts val="0"/>
-              </a:spcAft>
-              <a:buSzPts val="1400"/>
-              <a:buNone/>
-              <a:defRPr/>
-            </a:lvl3pPr>
-            <a:lvl4pPr lvl="3">
-              <a:spcBef>
-                <a:spcPts val="0"/>
-              </a:spcBef>
-              <a:spcAft>
-                <a:spcPts val="0"/>
-              </a:spcAft>
-              <a:buSzPts val="1400"/>
-              <a:buNone/>
-              <a:defRPr/>
-            </a:lvl4pPr>
-            <a:lvl5pPr lvl="4">
-              <a:spcBef>
-                <a:spcPts val="0"/>
-              </a:spcBef>
-              <a:spcAft>
-                <a:spcPts val="0"/>
-              </a:spcAft>
-              <a:buSzPts val="1400"/>
-              <a:buNone/>
-              <a:defRPr/>
-            </a:lvl5pPr>
-            <a:lvl6pPr lvl="5">
-              <a:spcBef>
-                <a:spcPts val="0"/>
-              </a:spcBef>
-              <a:spcAft>
-                <a:spcPts val="0"/>
-              </a:spcAft>
-              <a:buSzPts val="1400"/>
-              <a:buNone/>
-              <a:defRPr/>
-            </a:lvl6pPr>
-            <a:lvl7pPr lvl="6">
-              <a:spcBef>
-                <a:spcPts val="0"/>
-              </a:spcBef>
-              <a:spcAft>
-                <a:spcPts val="0"/>
-              </a:spcAft>
-              <a:buSzPts val="1400"/>
-              <a:buNone/>
-              <a:defRPr/>
-            </a:lvl7pPr>
-            <a:lvl8pPr lvl="7">
-              <a:spcBef>
-                <a:spcPts val="0"/>
-              </a:spcBef>
-              <a:spcAft>
-                <a:spcPts val="0"/>
-              </a:spcAft>
-              <a:buSzPts val="1400"/>
-              <a:buNone/>
-              <a:defRPr/>
-            </a:lvl8pPr>
-            <a:lvl9pPr lvl="8">
-              <a:spcBef>
-                <a:spcPts val="0"/>
-              </a:spcBef>
-              <a:spcAft>
-                <a:spcPts val="0"/>
-              </a:spcAft>
-              <a:buSzPts val="1400"/>
-              <a:buNone/>
-              <a:defRPr/>
-            </a:lvl9pPr>
-          </a:lstStyle>
-          <a:p>
-            <a:r>
-              <a:rPr lang="en-US"/>
-              <a:t>Click to edit Master title style</a:t>
-            </a:r>
-            <a:endParaRPr/>
-          </a:p>
-        </p:txBody>
-      </p:sp>
-      <p:pic>
-        <p:nvPicPr>
-          <p:cNvPr id="132" name="Google Shape;132;p11"/>
-          <p:cNvPicPr preferRelativeResize="0"/>
-          <p:nvPr/>
-        </p:nvPicPr>
-        <p:blipFill rotWithShape="1">
-          <a:blip r:embed="rId2">
-            <a:alphaModFix/>
-          </a:blip>
-          <a:srcRect l="16988" r="14170" b="3425"/>
-          <a:stretch/>
-        </p:blipFill>
-        <p:spPr>
-          <a:xfrm>
-            <a:off x="-651409" y="-514615"/>
-            <a:ext cx="4640580" cy="4218430"/>
-          </a:xfrm>
-          <a:prstGeom prst="ellipse">
-            <a:avLst/>
-          </a:prstGeom>
-          <a:noFill/>
-          <a:ln w="57150" cap="flat" cmpd="sng">
-            <a:solidFill>
-              <a:srgbClr val="00632D"/>
-            </a:solidFill>
-            <a:prstDash val="solid"/>
-            <a:round/>
-            <a:headEnd type="none" w="sm" len="sm"/>
-            <a:tailEnd type="none" w="sm" len="sm"/>
-          </a:ln>
-        </p:spPr>
-      </p:pic>
-      <p:sp>
-        <p:nvSpPr>
-          <p:cNvPr id="133" name="Google Shape;133;p11"/>
-          <p:cNvSpPr txBox="1">
-            <a:spLocks noGrp="1"/>
-          </p:cNvSpPr>
-          <p:nvPr>
-            <p:ph type="body" idx="1"/>
-          </p:nvPr>
-        </p:nvSpPr>
-        <p:spPr>
-          <a:xfrm>
-            <a:off x="4038600" y="1825625"/>
-            <a:ext cx="7315200" cy="4351338"/>
-          </a:xfrm>
-          <a:prstGeom prst="rect">
-            <a:avLst/>
-          </a:prstGeom>
-          <a:noFill/>
-          <a:ln>
-            <a:noFill/>
-          </a:ln>
-        </p:spPr>
-        <p:txBody>
-          <a:bodyPr spcFirstLastPara="1" wrap="square" lIns="91425" tIns="45700" rIns="91425" bIns="45700" anchor="t" anchorCtr="0">
-            <a:noAutofit/>
-          </a:bodyPr>
-          <a:lstStyle>
-            <a:lvl1pPr marL="457200" lvl="0" indent="-381000" algn="l">
-              <a:lnSpc>
-                <a:spcPct val="90000"/>
-              </a:lnSpc>
-              <a:spcBef>
-                <a:spcPts val="1000"/>
-              </a:spcBef>
-              <a:spcAft>
-                <a:spcPts val="0"/>
-              </a:spcAft>
-              <a:buClr>
-                <a:srgbClr val="49005C"/>
-              </a:buClr>
-              <a:buSzPts val="2400"/>
-              <a:buFont typeface="Noto Sans Symbols"/>
-              <a:buChar char="▪"/>
-              <a:defRPr b="0" i="0">
-                <a:latin typeface="Arial"/>
-                <a:ea typeface="Arial"/>
-                <a:cs typeface="Arial"/>
-                <a:sym typeface="Arial"/>
-              </a:defRPr>
-            </a:lvl1pPr>
-            <a:lvl2pPr marL="914400" lvl="1" indent="-355600" algn="l">
-              <a:lnSpc>
-                <a:spcPct val="90000"/>
-              </a:lnSpc>
-              <a:spcBef>
-                <a:spcPts val="500"/>
-              </a:spcBef>
-              <a:spcAft>
-                <a:spcPts val="0"/>
-              </a:spcAft>
-              <a:buClr>
-                <a:srgbClr val="00632D"/>
-              </a:buClr>
-              <a:buSzPts val="2000"/>
-              <a:buFont typeface="Noto Sans Symbols"/>
-              <a:buChar char="▪"/>
-              <a:defRPr b="0" i="0">
-                <a:latin typeface="Arial"/>
-                <a:ea typeface="Arial"/>
-                <a:cs typeface="Arial"/>
-                <a:sym typeface="Arial"/>
-              </a:defRPr>
-            </a:lvl2pPr>
-            <a:lvl3pPr marL="1371600" lvl="2" indent="-342900" algn="l">
-              <a:lnSpc>
-                <a:spcPct val="90000"/>
-              </a:lnSpc>
-              <a:spcBef>
-                <a:spcPts val="500"/>
-              </a:spcBef>
-              <a:spcAft>
-                <a:spcPts val="0"/>
-              </a:spcAft>
-              <a:buClr>
-                <a:srgbClr val="854C94"/>
-              </a:buClr>
-              <a:buSzPts val="1800"/>
-              <a:buFont typeface="Noto Sans Symbols"/>
-              <a:buChar char="▪"/>
-              <a:defRPr b="0" i="0">
-                <a:latin typeface="Arial"/>
-                <a:ea typeface="Arial"/>
-                <a:cs typeface="Arial"/>
-                <a:sym typeface="Arial"/>
-              </a:defRPr>
-            </a:lvl3pPr>
-            <a:lvl4pPr marL="1828800" lvl="3" indent="-330200" algn="l">
-              <a:lnSpc>
-                <a:spcPct val="90000"/>
-              </a:lnSpc>
-              <a:spcBef>
-                <a:spcPts val="500"/>
-              </a:spcBef>
-              <a:spcAft>
-                <a:spcPts val="0"/>
-              </a:spcAft>
-              <a:buClr>
-                <a:srgbClr val="767171"/>
-              </a:buClr>
-              <a:buSzPts val="1600"/>
-              <a:buFont typeface="Noto Sans Symbols"/>
-              <a:buChar char="▪"/>
-              <a:defRPr b="0" i="0">
-                <a:latin typeface="Arial"/>
-                <a:ea typeface="Arial"/>
-                <a:cs typeface="Arial"/>
-                <a:sym typeface="Arial"/>
-              </a:defRPr>
-            </a:lvl4pPr>
-            <a:lvl5pPr marL="2286000" lvl="4" indent="-330200" algn="l">
-              <a:lnSpc>
-                <a:spcPct val="90000"/>
-              </a:lnSpc>
-              <a:spcBef>
-                <a:spcPts val="500"/>
-              </a:spcBef>
-              <a:spcAft>
-                <a:spcPts val="0"/>
-              </a:spcAft>
-              <a:buClr>
-                <a:srgbClr val="1C0635"/>
-              </a:buClr>
-              <a:buSzPts val="1600"/>
-              <a:buFont typeface="Noto Sans Symbols"/>
-              <a:buChar char="▪"/>
-              <a:defRPr b="0" i="0">
-                <a:latin typeface="Arial"/>
-                <a:ea typeface="Arial"/>
-                <a:cs typeface="Arial"/>
-                <a:sym typeface="Arial"/>
-              </a:defRPr>
-            </a:lvl5pPr>
-            <a:lvl6pPr marL="2743200" lvl="5" indent="-342900" algn="l">
-              <a:lnSpc>
-                <a:spcPct val="90000"/>
-              </a:lnSpc>
-              <a:spcBef>
-                <a:spcPts val="500"/>
-              </a:spcBef>
-              <a:spcAft>
-                <a:spcPts val="0"/>
-              </a:spcAft>
-              <a:buClr>
-                <a:schemeClr val="dk1"/>
-              </a:buClr>
-              <a:buSzPts val="1800"/>
-              <a:buChar char="•"/>
-              <a:defRPr/>
-            </a:lvl6pPr>
-            <a:lvl7pPr marL="3200400" lvl="6" indent="-342900" algn="l">
-              <a:lnSpc>
-                <a:spcPct val="90000"/>
-              </a:lnSpc>
-              <a:spcBef>
-                <a:spcPts val="500"/>
-              </a:spcBef>
-              <a:spcAft>
-                <a:spcPts val="0"/>
-              </a:spcAft>
-              <a:buClr>
-                <a:schemeClr val="dk1"/>
-              </a:buClr>
-              <a:buSzPts val="1800"/>
-              <a:buChar char="•"/>
-              <a:defRPr/>
-            </a:lvl7pPr>
-            <a:lvl8pPr marL="3657600" lvl="7" indent="-342900" algn="l">
-              <a:lnSpc>
-                <a:spcPct val="90000"/>
-              </a:lnSpc>
-              <a:spcBef>
-                <a:spcPts val="500"/>
-              </a:spcBef>
-              <a:spcAft>
-                <a:spcPts val="0"/>
-              </a:spcAft>
-              <a:buClr>
-                <a:schemeClr val="dk1"/>
-              </a:buClr>
-              <a:buSzPts val="1800"/>
-              <a:buChar char="•"/>
-              <a:defRPr/>
-            </a:lvl8pPr>
-            <a:lvl9pPr marL="4114800" lvl="8" indent="-342900" algn="l">
-              <a:lnSpc>
-                <a:spcPct val="90000"/>
-              </a:lnSpc>
-              <a:spcBef>
-                <a:spcPts val="500"/>
-              </a:spcBef>
-              <a:spcAft>
-                <a:spcPts val="0"/>
-              </a:spcAft>
-              <a:buClr>
-                <a:schemeClr val="dk1"/>
-              </a:buClr>
-              <a:buSzPts val="1800"/>
-              <a:buChar char="•"/>
-              <a:defRPr/>
-            </a:lvl9pPr>
-          </a:lstStyle>
-          <a:p>
-            <a:pPr lvl="0"/>
-            <a:r>
-              <a:rPr lang="en-US"/>
-              <a:t>Click to edit Master text styles</a:t>
-            </a:r>
-          </a:p>
-        </p:txBody>
-      </p:sp>
-    </p:spTree>
-  </p:cSld>
-  <p:clrMapOvr>
-    <a:masterClrMapping/>
-  </p:clrMapOvr>
-</p:sldLayout>
-</file>
-
-<file path=ppt/slideLayouts/slideLayout11.xml><?xml version="1.0" encoding="utf-8"?>
-<p:sldLayout xmlns:a="http://schemas.openxmlformats.org/drawingml/2006/main" xmlns:r="http://schemas.openxmlformats.org/officeDocument/2006/relationships" xmlns:p="http://schemas.openxmlformats.org/presentationml/2006/main" matchingName="Blank" type="blank">
-  <p:cSld name="Blank">
-    <p:spTree>
-      <p:nvGrpSpPr>
-        <p:cNvPr id="1" name="Shape 141"/>
-        <p:cNvGrpSpPr/>
-        <p:nvPr/>
-      </p:nvGrpSpPr>
-      <p:grpSpPr>
-        <a:xfrm>
-          <a:off x="0" y="0"/>
-          <a:ext cx="0" cy="0"/>
-          <a:chOff x="0" y="0"/>
-          <a:chExt cx="0" cy="0"/>
-        </a:xfrm>
-      </p:grpSpPr>
-      <p:sp>
-        <p:nvSpPr>
-          <p:cNvPr id="142" name="Google Shape;142;p13"/>
-          <p:cNvSpPr txBox="1">
-            <a:spLocks noGrp="1"/>
-          </p:cNvSpPr>
-          <p:nvPr>
-            <p:ph type="dt" idx="10"/>
-          </p:nvPr>
-        </p:nvSpPr>
-        <p:spPr>
-          <a:xfrm>
-            <a:off x="838200" y="6356350"/>
-            <a:ext cx="2743200" cy="365125"/>
-          </a:xfrm>
-          <a:prstGeom prst="rect">
-            <a:avLst/>
-          </a:prstGeom>
-          <a:noFill/>
-          <a:ln>
-            <a:noFill/>
-          </a:ln>
-        </p:spPr>
-        <p:txBody>
-          <a:bodyPr spcFirstLastPara="1" wrap="square" lIns="91425" tIns="45700" rIns="91425" bIns="45700" anchor="ctr" anchorCtr="0">
-            <a:noAutofit/>
-          </a:bodyPr>
-          <a:lstStyle>
-            <a:lvl1pPr lvl="0" algn="l">
-              <a:spcBef>
-                <a:spcPts val="0"/>
-              </a:spcBef>
-              <a:spcAft>
-                <a:spcPts val="0"/>
-              </a:spcAft>
-              <a:buSzPts val="1400"/>
-              <a:buNone/>
-              <a:defRPr b="0" i="0">
-                <a:latin typeface="Arial"/>
-                <a:ea typeface="Arial"/>
-                <a:cs typeface="Arial"/>
-                <a:sym typeface="Arial"/>
-              </a:defRPr>
-            </a:lvl1pPr>
-            <a:lvl2pPr lvl="1" algn="l">
-              <a:spcBef>
-                <a:spcPts val="0"/>
-              </a:spcBef>
-              <a:spcAft>
-                <a:spcPts val="0"/>
-              </a:spcAft>
-              <a:buSzPts val="1400"/>
-              <a:buNone/>
-              <a:defRPr/>
-            </a:lvl2pPr>
-            <a:lvl3pPr lvl="2" algn="l">
-              <a:spcBef>
-                <a:spcPts val="0"/>
-              </a:spcBef>
-              <a:spcAft>
-                <a:spcPts val="0"/>
-              </a:spcAft>
-              <a:buSzPts val="1400"/>
-              <a:buNone/>
-              <a:defRPr/>
-            </a:lvl3pPr>
-            <a:lvl4pPr lvl="3" algn="l">
-              <a:spcBef>
-                <a:spcPts val="0"/>
-              </a:spcBef>
-              <a:spcAft>
-                <a:spcPts val="0"/>
-              </a:spcAft>
-              <a:buSzPts val="1400"/>
-              <a:buNone/>
-              <a:defRPr/>
-            </a:lvl4pPr>
-            <a:lvl5pPr lvl="4" algn="l">
-              <a:spcBef>
-                <a:spcPts val="0"/>
-              </a:spcBef>
-              <a:spcAft>
-                <a:spcPts val="0"/>
-              </a:spcAft>
-              <a:buSzPts val="1400"/>
-              <a:buNone/>
-              <a:defRPr/>
-            </a:lvl5pPr>
-            <a:lvl6pPr lvl="5" algn="l">
-              <a:spcBef>
-                <a:spcPts val="0"/>
-              </a:spcBef>
-              <a:spcAft>
-                <a:spcPts val="0"/>
-              </a:spcAft>
-              <a:buSzPts val="1400"/>
-              <a:buNone/>
-              <a:defRPr/>
-            </a:lvl6pPr>
-            <a:lvl7pPr lvl="6" algn="l">
-              <a:spcBef>
-                <a:spcPts val="0"/>
-              </a:spcBef>
-              <a:spcAft>
-                <a:spcPts val="0"/>
-              </a:spcAft>
-              <a:buSzPts val="1400"/>
-              <a:buNone/>
-              <a:defRPr/>
-            </a:lvl7pPr>
-            <a:lvl8pPr lvl="7" algn="l">
-              <a:spcBef>
-                <a:spcPts val="0"/>
-              </a:spcBef>
-              <a:spcAft>
-                <a:spcPts val="0"/>
-              </a:spcAft>
-              <a:buSzPts val="1400"/>
-              <a:buNone/>
-              <a:defRPr/>
-            </a:lvl8pPr>
-            <a:lvl9pPr lvl="8" algn="l">
-              <a:spcBef>
-                <a:spcPts val="0"/>
-              </a:spcBef>
-              <a:spcAft>
-                <a:spcPts val="0"/>
-              </a:spcAft>
-              <a:buSzPts val="1400"/>
-              <a:buNone/>
-              <a:defRPr/>
-            </a:lvl9pPr>
-          </a:lstStyle>
-          <a:p>
-            <a:endParaRPr/>
-          </a:p>
-        </p:txBody>
-      </p:sp>
-      <p:sp>
-        <p:nvSpPr>
-          <p:cNvPr id="143" name="Google Shape;143;p13"/>
-          <p:cNvSpPr txBox="1">
-            <a:spLocks noGrp="1"/>
-          </p:cNvSpPr>
-          <p:nvPr>
-            <p:ph type="ftr" idx="11"/>
-          </p:nvPr>
-        </p:nvSpPr>
-        <p:spPr>
-          <a:xfrm>
-            <a:off x="4038600" y="6356350"/>
-            <a:ext cx="4114800" cy="365125"/>
-          </a:xfrm>
-          <a:prstGeom prst="rect">
-            <a:avLst/>
-          </a:prstGeom>
-          <a:noFill/>
-          <a:ln>
-            <a:noFill/>
-          </a:ln>
-        </p:spPr>
-        <p:txBody>
-          <a:bodyPr spcFirstLastPara="1" wrap="square" lIns="91425" tIns="45700" rIns="91425" bIns="45700" anchor="ctr" anchorCtr="0">
-            <a:noAutofit/>
-          </a:bodyPr>
-          <a:lstStyle>
-            <a:lvl1pPr lvl="0" algn="ctr">
-              <a:spcBef>
-                <a:spcPts val="0"/>
-              </a:spcBef>
-              <a:spcAft>
-                <a:spcPts val="0"/>
-              </a:spcAft>
-              <a:buSzPts val="1400"/>
-              <a:buNone/>
-              <a:defRPr b="0" i="0">
-                <a:latin typeface="Arial"/>
-                <a:ea typeface="Arial"/>
-                <a:cs typeface="Arial"/>
-                <a:sym typeface="Arial"/>
-              </a:defRPr>
-            </a:lvl1pPr>
-            <a:lvl2pPr lvl="1" algn="l">
-              <a:spcBef>
-                <a:spcPts val="0"/>
-              </a:spcBef>
-              <a:spcAft>
-                <a:spcPts val="0"/>
-              </a:spcAft>
-              <a:buSzPts val="1400"/>
-              <a:buNone/>
-              <a:defRPr/>
-            </a:lvl2pPr>
-            <a:lvl3pPr lvl="2" algn="l">
-              <a:spcBef>
-                <a:spcPts val="0"/>
-              </a:spcBef>
-              <a:spcAft>
-                <a:spcPts val="0"/>
-              </a:spcAft>
-              <a:buSzPts val="1400"/>
-              <a:buNone/>
-              <a:defRPr/>
-            </a:lvl3pPr>
-            <a:lvl4pPr lvl="3" algn="l">
-              <a:spcBef>
-                <a:spcPts val="0"/>
-              </a:spcBef>
-              <a:spcAft>
-                <a:spcPts val="0"/>
-              </a:spcAft>
-              <a:buSzPts val="1400"/>
-              <a:buNone/>
-              <a:defRPr/>
-            </a:lvl4pPr>
-            <a:lvl5pPr lvl="4" algn="l">
-              <a:spcBef>
-                <a:spcPts val="0"/>
-              </a:spcBef>
-              <a:spcAft>
-                <a:spcPts val="0"/>
-              </a:spcAft>
-              <a:buSzPts val="1400"/>
-              <a:buNone/>
-              <a:defRPr/>
-            </a:lvl5pPr>
-            <a:lvl6pPr lvl="5" algn="l">
-              <a:spcBef>
-                <a:spcPts val="0"/>
-              </a:spcBef>
-              <a:spcAft>
-                <a:spcPts val="0"/>
-              </a:spcAft>
-              <a:buSzPts val="1400"/>
-              <a:buNone/>
-              <a:defRPr/>
-            </a:lvl6pPr>
-            <a:lvl7pPr lvl="6" algn="l">
-              <a:spcBef>
-                <a:spcPts val="0"/>
-              </a:spcBef>
-              <a:spcAft>
-                <a:spcPts val="0"/>
-              </a:spcAft>
-              <a:buSzPts val="1400"/>
-              <a:buNone/>
-              <a:defRPr/>
-            </a:lvl7pPr>
-            <a:lvl8pPr lvl="7" algn="l">
-              <a:spcBef>
-                <a:spcPts val="0"/>
-              </a:spcBef>
-              <a:spcAft>
-                <a:spcPts val="0"/>
-              </a:spcAft>
-              <a:buSzPts val="1400"/>
-              <a:buNone/>
-              <a:defRPr/>
-            </a:lvl8pPr>
-            <a:lvl9pPr lvl="8" algn="l">
-              <a:spcBef>
-                <a:spcPts val="0"/>
-              </a:spcBef>
-              <a:spcAft>
-                <a:spcPts val="0"/>
-              </a:spcAft>
-              <a:buSzPts val="1400"/>
-              <a:buNone/>
-              <a:defRPr/>
-            </a:lvl9pPr>
-          </a:lstStyle>
-          <a:p>
-            <a:endParaRPr/>
-          </a:p>
-        </p:txBody>
-      </p:sp>
-      <p:sp>
-        <p:nvSpPr>
-          <p:cNvPr id="144" name="Google Shape;144;p13"/>
-          <p:cNvSpPr txBox="1">
-            <a:spLocks noGrp="1"/>
-          </p:cNvSpPr>
-          <p:nvPr>
-            <p:ph type="sldNum" idx="12"/>
-          </p:nvPr>
-        </p:nvSpPr>
-        <p:spPr>
-          <a:xfrm>
-            <a:off x="8610600" y="6356350"/>
-            <a:ext cx="2743200" cy="365125"/>
-          </a:xfrm>
-          <a:prstGeom prst="rect">
-            <a:avLst/>
-          </a:prstGeom>
-          <a:noFill/>
-          <a:ln>
-            <a:noFill/>
-          </a:ln>
-        </p:spPr>
-        <p:txBody>
-          <a:bodyPr spcFirstLastPara="1" wrap="square" lIns="91425" tIns="45700" rIns="91425" bIns="45700" anchor="ctr" anchorCtr="0">
-            <a:noAutofit/>
-          </a:bodyPr>
-          <a:lstStyle>
-            <a:lvl1pPr marL="0" lvl="0" indent="0" algn="r">
-              <a:spcBef>
-                <a:spcPts val="0"/>
-              </a:spcBef>
-              <a:buNone/>
-              <a:defRPr sz="1200" b="0" i="0">
-                <a:solidFill>
-                  <a:srgbClr val="888888"/>
-                </a:solidFill>
-                <a:latin typeface="Arial"/>
-                <a:ea typeface="Arial"/>
-                <a:cs typeface="Arial"/>
-                <a:sym typeface="Arial"/>
-              </a:defRPr>
-            </a:lvl1pPr>
-            <a:lvl2pPr marL="0" lvl="1" indent="0" algn="r">
-              <a:spcBef>
-                <a:spcPts val="0"/>
-              </a:spcBef>
-              <a:buNone/>
-              <a:defRPr sz="1200" b="0" i="0">
-                <a:solidFill>
-                  <a:srgbClr val="888888"/>
-                </a:solidFill>
-                <a:latin typeface="Arial"/>
-                <a:ea typeface="Arial"/>
-                <a:cs typeface="Arial"/>
-                <a:sym typeface="Arial"/>
-              </a:defRPr>
-            </a:lvl2pPr>
-            <a:lvl3pPr marL="0" lvl="2" indent="0" algn="r">
-              <a:spcBef>
-                <a:spcPts val="0"/>
-              </a:spcBef>
-              <a:buNone/>
-              <a:defRPr sz="1200" b="0" i="0">
-                <a:solidFill>
-                  <a:srgbClr val="888888"/>
-                </a:solidFill>
-                <a:latin typeface="Arial"/>
-                <a:ea typeface="Arial"/>
-                <a:cs typeface="Arial"/>
-                <a:sym typeface="Arial"/>
-              </a:defRPr>
-            </a:lvl3pPr>
-            <a:lvl4pPr marL="0" lvl="3" indent="0" algn="r">
-              <a:spcBef>
-                <a:spcPts val="0"/>
-              </a:spcBef>
-              <a:buNone/>
-              <a:defRPr sz="1200" b="0" i="0">
-                <a:solidFill>
-                  <a:srgbClr val="888888"/>
-                </a:solidFill>
-                <a:latin typeface="Arial"/>
-                <a:ea typeface="Arial"/>
-                <a:cs typeface="Arial"/>
-                <a:sym typeface="Arial"/>
-              </a:defRPr>
-            </a:lvl4pPr>
-            <a:lvl5pPr marL="0" lvl="4" indent="0" algn="r">
-              <a:spcBef>
-                <a:spcPts val="0"/>
-              </a:spcBef>
-              <a:buNone/>
-              <a:defRPr sz="1200" b="0" i="0">
-                <a:solidFill>
-                  <a:srgbClr val="888888"/>
-                </a:solidFill>
-                <a:latin typeface="Arial"/>
-                <a:ea typeface="Arial"/>
-                <a:cs typeface="Arial"/>
-                <a:sym typeface="Arial"/>
-              </a:defRPr>
-            </a:lvl5pPr>
-            <a:lvl6pPr marL="0" lvl="5" indent="0" algn="r">
-              <a:spcBef>
-                <a:spcPts val="0"/>
-              </a:spcBef>
-              <a:buNone/>
-              <a:defRPr sz="1200" b="0" i="0">
-                <a:solidFill>
-                  <a:srgbClr val="888888"/>
-                </a:solidFill>
-                <a:latin typeface="Arial"/>
-                <a:ea typeface="Arial"/>
-                <a:cs typeface="Arial"/>
-                <a:sym typeface="Arial"/>
-              </a:defRPr>
-            </a:lvl6pPr>
-            <a:lvl7pPr marL="0" lvl="6" indent="0" algn="r">
-              <a:spcBef>
-                <a:spcPts val="0"/>
-              </a:spcBef>
-              <a:buNone/>
-              <a:defRPr sz="1200" b="0" i="0">
-                <a:solidFill>
-                  <a:srgbClr val="888888"/>
-                </a:solidFill>
-                <a:latin typeface="Arial"/>
-                <a:ea typeface="Arial"/>
-                <a:cs typeface="Arial"/>
-                <a:sym typeface="Arial"/>
-              </a:defRPr>
-            </a:lvl7pPr>
-            <a:lvl8pPr marL="0" lvl="7" indent="0" algn="r">
-              <a:spcBef>
-                <a:spcPts val="0"/>
-              </a:spcBef>
-              <a:buNone/>
-              <a:defRPr sz="1200" b="0" i="0">
-                <a:solidFill>
-                  <a:srgbClr val="888888"/>
-                </a:solidFill>
-                <a:latin typeface="Arial"/>
-                <a:ea typeface="Arial"/>
-                <a:cs typeface="Arial"/>
-                <a:sym typeface="Arial"/>
-              </a:defRPr>
-            </a:lvl8pPr>
-            <a:lvl9pPr marL="0" lvl="8" indent="0" algn="r">
-              <a:spcBef>
-                <a:spcPts val="0"/>
-              </a:spcBef>
-              <a:buNone/>
-              <a:defRPr sz="1200" b="0" i="0">
-                <a:solidFill>
-                  <a:srgbClr val="888888"/>
-                </a:solidFill>
-                <a:latin typeface="Arial"/>
-                <a:ea typeface="Arial"/>
-                <a:cs typeface="Arial"/>
-                <a:sym typeface="Arial"/>
-              </a:defRPr>
-            </a:lvl9pPr>
-          </a:lstStyle>
-          <a:p>
-            <a:pPr marL="0" lvl="0" indent="0" algn="r" rtl="0">
-              <a:spcBef>
-                <a:spcPts val="0"/>
-              </a:spcBef>
-              <a:spcAft>
-                <a:spcPts val="0"/>
-              </a:spcAft>
-              <a:buNone/>
-            </a:pPr>
-            <a:fld id="{00000000-1234-1234-1234-123412341234}" type="slidenum">
-              <a:rPr lang="en-US"/>
-              <a:t>‹#›</a:t>
-            </a:fld>
-            <a:endParaRPr/>
-          </a:p>
-        </p:txBody>
-      </p:sp>
-    </p:spTree>
-  </p:cSld>
-  <p:clrMapOvr>
-    <a:masterClrMapping/>
-  </p:clrMapOvr>
-</p:sldLayout>
-</file>
-
-<file path=ppt/slideLayouts/slideLayout12.xml><?xml version="1.0" encoding="utf-8"?>
 <p:sldLayout xmlns:a="http://schemas.openxmlformats.org/drawingml/2006/main" xmlns:r="http://schemas.openxmlformats.org/officeDocument/2006/relationships" xmlns:p="http://schemas.openxmlformats.org/presentationml/2006/main" matchingName="Coffee Break">
   <p:cSld name="Coffee Break">
     <p:spTree>
@@ -3866,7 +2489,7 @@
 </p:sldLayout>
 </file>
 
-<file path=ppt/slideLayouts/slideLayout13.xml><?xml version="1.0" encoding="utf-8"?>
+<file path=ppt/slideLayouts/slideLayout11.xml><?xml version="1.0" encoding="utf-8"?>
 <p:sldLayout xmlns:a="http://schemas.openxmlformats.org/drawingml/2006/main" xmlns:r="http://schemas.openxmlformats.org/officeDocument/2006/relationships" xmlns:p="http://schemas.openxmlformats.org/presentationml/2006/main" matchingName="Five Columns">
   <p:cSld name="Five Columns">
     <p:spTree>
@@ -5279,7 +3902,7 @@
 </p:sldLayout>
 </file>
 
-<file path=ppt/slideLayouts/slideLayout14.xml><?xml version="1.0" encoding="utf-8"?>
+<file path=ppt/slideLayouts/slideLayout12.xml><?xml version="1.0" encoding="utf-8"?>
 <p:sldLayout xmlns:a="http://schemas.openxmlformats.org/drawingml/2006/main" xmlns:r="http://schemas.openxmlformats.org/officeDocument/2006/relationships" xmlns:p="http://schemas.openxmlformats.org/presentationml/2006/main" matchingName="Light Purple Overlay">
   <p:cSld name="Light Purple Overlay">
     <p:spTree>
@@ -5533,7 +4156,7 @@
 </p:sldLayout>
 </file>
 
-<file path=ppt/slideLayouts/slideLayout15.xml><?xml version="1.0" encoding="utf-8"?>
+<file path=ppt/slideLayouts/slideLayout13.xml><?xml version="1.0" encoding="utf-8"?>
 <p:sldLayout xmlns:a="http://schemas.openxmlformats.org/drawingml/2006/main" xmlns:r="http://schemas.openxmlformats.org/officeDocument/2006/relationships" xmlns:p="http://schemas.openxmlformats.org/presentationml/2006/main" matchingName="Q&amp;A">
   <p:cSld name="Q&amp;A">
     <p:spTree>
@@ -6104,7 +4727,7 @@
 </p:sldLayout>
 </file>
 
-<file path=ppt/slideLayouts/slideLayout16.xml><?xml version="1.0" encoding="utf-8"?>
+<file path=ppt/slideLayouts/slideLayout14.xml><?xml version="1.0" encoding="utf-8"?>
 <p:sldLayout xmlns:a="http://schemas.openxmlformats.org/drawingml/2006/main" xmlns:r="http://schemas.openxmlformats.org/officeDocument/2006/relationships" xmlns:p="http://schemas.openxmlformats.org/presentationml/2006/main" matchingName="Contact Us">
   <p:cSld name="Contact Us">
     <p:spTree>
@@ -8442,834 +7065,6 @@
 </file>
 
 <file path=ppt/slideLayouts/slideLayout3.xml><?xml version="1.0" encoding="utf-8"?>
-<p:sldLayout xmlns:a="http://schemas.openxmlformats.org/drawingml/2006/main" xmlns:r="http://schemas.openxmlformats.org/officeDocument/2006/relationships" xmlns:p="http://schemas.openxmlformats.org/presentationml/2006/main" matchingName="Table of Contents">
-  <p:cSld name="Table of Contents">
-    <p:spTree>
-      <p:nvGrpSpPr>
-        <p:cNvPr id="1" name="Shape 37"/>
-        <p:cNvGrpSpPr/>
-        <p:nvPr/>
-      </p:nvGrpSpPr>
-      <p:grpSpPr>
-        <a:xfrm>
-          <a:off x="0" y="0"/>
-          <a:ext cx="0" cy="0"/>
-          <a:chOff x="0" y="0"/>
-          <a:chExt cx="0" cy="0"/>
-        </a:xfrm>
-      </p:grpSpPr>
-      <p:sp>
-        <p:nvSpPr>
-          <p:cNvPr id="38" name="Google Shape;38;p4"/>
-          <p:cNvSpPr txBox="1">
-            <a:spLocks noGrp="1"/>
-          </p:cNvSpPr>
-          <p:nvPr>
-            <p:ph type="dt" idx="10"/>
-          </p:nvPr>
-        </p:nvSpPr>
-        <p:spPr>
-          <a:xfrm>
-            <a:off x="838200" y="6356350"/>
-            <a:ext cx="2743200" cy="365125"/>
-          </a:xfrm>
-          <a:prstGeom prst="rect">
-            <a:avLst/>
-          </a:prstGeom>
-          <a:noFill/>
-          <a:ln>
-            <a:noFill/>
-          </a:ln>
-        </p:spPr>
-        <p:txBody>
-          <a:bodyPr spcFirstLastPara="1" wrap="square" lIns="91425" tIns="45700" rIns="91425" bIns="45700" anchor="ctr" anchorCtr="0">
-            <a:noAutofit/>
-          </a:bodyPr>
-          <a:lstStyle>
-            <a:lvl1pPr lvl="0" algn="l">
-              <a:spcBef>
-                <a:spcPts val="0"/>
-              </a:spcBef>
-              <a:spcAft>
-                <a:spcPts val="0"/>
-              </a:spcAft>
-              <a:buSzPts val="1400"/>
-              <a:buNone/>
-              <a:defRPr b="0" i="0">
-                <a:latin typeface="Arial"/>
-                <a:ea typeface="Arial"/>
-                <a:cs typeface="Arial"/>
-                <a:sym typeface="Arial"/>
-              </a:defRPr>
-            </a:lvl1pPr>
-            <a:lvl2pPr lvl="1" algn="l">
-              <a:spcBef>
-                <a:spcPts val="0"/>
-              </a:spcBef>
-              <a:spcAft>
-                <a:spcPts val="0"/>
-              </a:spcAft>
-              <a:buSzPts val="1400"/>
-              <a:buNone/>
-              <a:defRPr/>
-            </a:lvl2pPr>
-            <a:lvl3pPr lvl="2" algn="l">
-              <a:spcBef>
-                <a:spcPts val="0"/>
-              </a:spcBef>
-              <a:spcAft>
-                <a:spcPts val="0"/>
-              </a:spcAft>
-              <a:buSzPts val="1400"/>
-              <a:buNone/>
-              <a:defRPr/>
-            </a:lvl3pPr>
-            <a:lvl4pPr lvl="3" algn="l">
-              <a:spcBef>
-                <a:spcPts val="0"/>
-              </a:spcBef>
-              <a:spcAft>
-                <a:spcPts val="0"/>
-              </a:spcAft>
-              <a:buSzPts val="1400"/>
-              <a:buNone/>
-              <a:defRPr/>
-            </a:lvl4pPr>
-            <a:lvl5pPr lvl="4" algn="l">
-              <a:spcBef>
-                <a:spcPts val="0"/>
-              </a:spcBef>
-              <a:spcAft>
-                <a:spcPts val="0"/>
-              </a:spcAft>
-              <a:buSzPts val="1400"/>
-              <a:buNone/>
-              <a:defRPr/>
-            </a:lvl5pPr>
-            <a:lvl6pPr lvl="5" algn="l">
-              <a:spcBef>
-                <a:spcPts val="0"/>
-              </a:spcBef>
-              <a:spcAft>
-                <a:spcPts val="0"/>
-              </a:spcAft>
-              <a:buSzPts val="1400"/>
-              <a:buNone/>
-              <a:defRPr/>
-            </a:lvl6pPr>
-            <a:lvl7pPr lvl="6" algn="l">
-              <a:spcBef>
-                <a:spcPts val="0"/>
-              </a:spcBef>
-              <a:spcAft>
-                <a:spcPts val="0"/>
-              </a:spcAft>
-              <a:buSzPts val="1400"/>
-              <a:buNone/>
-              <a:defRPr/>
-            </a:lvl7pPr>
-            <a:lvl8pPr lvl="7" algn="l">
-              <a:spcBef>
-                <a:spcPts val="0"/>
-              </a:spcBef>
-              <a:spcAft>
-                <a:spcPts val="0"/>
-              </a:spcAft>
-              <a:buSzPts val="1400"/>
-              <a:buNone/>
-              <a:defRPr/>
-            </a:lvl8pPr>
-            <a:lvl9pPr lvl="8" algn="l">
-              <a:spcBef>
-                <a:spcPts val="0"/>
-              </a:spcBef>
-              <a:spcAft>
-                <a:spcPts val="0"/>
-              </a:spcAft>
-              <a:buSzPts val="1400"/>
-              <a:buNone/>
-              <a:defRPr/>
-            </a:lvl9pPr>
-          </a:lstStyle>
-          <a:p>
-            <a:endParaRPr/>
-          </a:p>
-        </p:txBody>
-      </p:sp>
-      <p:sp>
-        <p:nvSpPr>
-          <p:cNvPr id="39" name="Google Shape;39;p4"/>
-          <p:cNvSpPr txBox="1">
-            <a:spLocks noGrp="1"/>
-          </p:cNvSpPr>
-          <p:nvPr>
-            <p:ph type="ftr" idx="11"/>
-          </p:nvPr>
-        </p:nvSpPr>
-        <p:spPr>
-          <a:xfrm>
-            <a:off x="4038600" y="6356350"/>
-            <a:ext cx="4114800" cy="365125"/>
-          </a:xfrm>
-          <a:prstGeom prst="rect">
-            <a:avLst/>
-          </a:prstGeom>
-          <a:noFill/>
-          <a:ln>
-            <a:noFill/>
-          </a:ln>
-        </p:spPr>
-        <p:txBody>
-          <a:bodyPr spcFirstLastPara="1" wrap="square" lIns="91425" tIns="45700" rIns="91425" bIns="45700" anchor="ctr" anchorCtr="0">
-            <a:noAutofit/>
-          </a:bodyPr>
-          <a:lstStyle>
-            <a:lvl1pPr lvl="0" algn="ctr">
-              <a:spcBef>
-                <a:spcPts val="0"/>
-              </a:spcBef>
-              <a:spcAft>
-                <a:spcPts val="0"/>
-              </a:spcAft>
-              <a:buSzPts val="1400"/>
-              <a:buNone/>
-              <a:defRPr b="0" i="0">
-                <a:latin typeface="Arial"/>
-                <a:ea typeface="Arial"/>
-                <a:cs typeface="Arial"/>
-                <a:sym typeface="Arial"/>
-              </a:defRPr>
-            </a:lvl1pPr>
-            <a:lvl2pPr lvl="1" algn="l">
-              <a:spcBef>
-                <a:spcPts val="0"/>
-              </a:spcBef>
-              <a:spcAft>
-                <a:spcPts val="0"/>
-              </a:spcAft>
-              <a:buSzPts val="1400"/>
-              <a:buNone/>
-              <a:defRPr/>
-            </a:lvl2pPr>
-            <a:lvl3pPr lvl="2" algn="l">
-              <a:spcBef>
-                <a:spcPts val="0"/>
-              </a:spcBef>
-              <a:spcAft>
-                <a:spcPts val="0"/>
-              </a:spcAft>
-              <a:buSzPts val="1400"/>
-              <a:buNone/>
-              <a:defRPr/>
-            </a:lvl3pPr>
-            <a:lvl4pPr lvl="3" algn="l">
-              <a:spcBef>
-                <a:spcPts val="0"/>
-              </a:spcBef>
-              <a:spcAft>
-                <a:spcPts val="0"/>
-              </a:spcAft>
-              <a:buSzPts val="1400"/>
-              <a:buNone/>
-              <a:defRPr/>
-            </a:lvl4pPr>
-            <a:lvl5pPr lvl="4" algn="l">
-              <a:spcBef>
-                <a:spcPts val="0"/>
-              </a:spcBef>
-              <a:spcAft>
-                <a:spcPts val="0"/>
-              </a:spcAft>
-              <a:buSzPts val="1400"/>
-              <a:buNone/>
-              <a:defRPr/>
-            </a:lvl5pPr>
-            <a:lvl6pPr lvl="5" algn="l">
-              <a:spcBef>
-                <a:spcPts val="0"/>
-              </a:spcBef>
-              <a:spcAft>
-                <a:spcPts val="0"/>
-              </a:spcAft>
-              <a:buSzPts val="1400"/>
-              <a:buNone/>
-              <a:defRPr/>
-            </a:lvl6pPr>
-            <a:lvl7pPr lvl="6" algn="l">
-              <a:spcBef>
-                <a:spcPts val="0"/>
-              </a:spcBef>
-              <a:spcAft>
-                <a:spcPts val="0"/>
-              </a:spcAft>
-              <a:buSzPts val="1400"/>
-              <a:buNone/>
-              <a:defRPr/>
-            </a:lvl7pPr>
-            <a:lvl8pPr lvl="7" algn="l">
-              <a:spcBef>
-                <a:spcPts val="0"/>
-              </a:spcBef>
-              <a:spcAft>
-                <a:spcPts val="0"/>
-              </a:spcAft>
-              <a:buSzPts val="1400"/>
-              <a:buNone/>
-              <a:defRPr/>
-            </a:lvl8pPr>
-            <a:lvl9pPr lvl="8" algn="l">
-              <a:spcBef>
-                <a:spcPts val="0"/>
-              </a:spcBef>
-              <a:spcAft>
-                <a:spcPts val="0"/>
-              </a:spcAft>
-              <a:buSzPts val="1400"/>
-              <a:buNone/>
-              <a:defRPr/>
-            </a:lvl9pPr>
-          </a:lstStyle>
-          <a:p>
-            <a:endParaRPr/>
-          </a:p>
-        </p:txBody>
-      </p:sp>
-      <p:sp>
-        <p:nvSpPr>
-          <p:cNvPr id="40" name="Google Shape;40;p4"/>
-          <p:cNvSpPr txBox="1">
-            <a:spLocks noGrp="1"/>
-          </p:cNvSpPr>
-          <p:nvPr>
-            <p:ph type="sldNum" idx="12"/>
-          </p:nvPr>
-        </p:nvSpPr>
-        <p:spPr>
-          <a:xfrm>
-            <a:off x="8610600" y="6356350"/>
-            <a:ext cx="2743200" cy="365125"/>
-          </a:xfrm>
-          <a:prstGeom prst="rect">
-            <a:avLst/>
-          </a:prstGeom>
-          <a:noFill/>
-          <a:ln>
-            <a:noFill/>
-          </a:ln>
-        </p:spPr>
-        <p:txBody>
-          <a:bodyPr spcFirstLastPara="1" wrap="square" lIns="91425" tIns="45700" rIns="91425" bIns="45700" anchor="ctr" anchorCtr="0">
-            <a:noAutofit/>
-          </a:bodyPr>
-          <a:lstStyle>
-            <a:lvl1pPr marL="0" lvl="0" indent="0" algn="r">
-              <a:spcBef>
-                <a:spcPts val="0"/>
-              </a:spcBef>
-              <a:buNone/>
-              <a:defRPr sz="1200" b="0" i="0" u="none" strike="noStrike" cap="none">
-                <a:solidFill>
-                  <a:srgbClr val="888888"/>
-                </a:solidFill>
-                <a:latin typeface="Arial"/>
-                <a:ea typeface="Arial"/>
-                <a:cs typeface="Arial"/>
-                <a:sym typeface="Arial"/>
-              </a:defRPr>
-            </a:lvl1pPr>
-            <a:lvl2pPr marL="0" lvl="1" indent="0" algn="r">
-              <a:spcBef>
-                <a:spcPts val="0"/>
-              </a:spcBef>
-              <a:buNone/>
-              <a:defRPr sz="1200" b="0" i="0" u="none" strike="noStrike" cap="none">
-                <a:solidFill>
-                  <a:srgbClr val="888888"/>
-                </a:solidFill>
-                <a:latin typeface="Arial"/>
-                <a:ea typeface="Arial"/>
-                <a:cs typeface="Arial"/>
-                <a:sym typeface="Arial"/>
-              </a:defRPr>
-            </a:lvl2pPr>
-            <a:lvl3pPr marL="0" lvl="2" indent="0" algn="r">
-              <a:spcBef>
-                <a:spcPts val="0"/>
-              </a:spcBef>
-              <a:buNone/>
-              <a:defRPr sz="1200" b="0" i="0" u="none" strike="noStrike" cap="none">
-                <a:solidFill>
-                  <a:srgbClr val="888888"/>
-                </a:solidFill>
-                <a:latin typeface="Arial"/>
-                <a:ea typeface="Arial"/>
-                <a:cs typeface="Arial"/>
-                <a:sym typeface="Arial"/>
-              </a:defRPr>
-            </a:lvl3pPr>
-            <a:lvl4pPr marL="0" lvl="3" indent="0" algn="r">
-              <a:spcBef>
-                <a:spcPts val="0"/>
-              </a:spcBef>
-              <a:buNone/>
-              <a:defRPr sz="1200" b="0" i="0" u="none" strike="noStrike" cap="none">
-                <a:solidFill>
-                  <a:srgbClr val="888888"/>
-                </a:solidFill>
-                <a:latin typeface="Arial"/>
-                <a:ea typeface="Arial"/>
-                <a:cs typeface="Arial"/>
-                <a:sym typeface="Arial"/>
-              </a:defRPr>
-            </a:lvl4pPr>
-            <a:lvl5pPr marL="0" lvl="4" indent="0" algn="r">
-              <a:spcBef>
-                <a:spcPts val="0"/>
-              </a:spcBef>
-              <a:buNone/>
-              <a:defRPr sz="1200" b="0" i="0" u="none" strike="noStrike" cap="none">
-                <a:solidFill>
-                  <a:srgbClr val="888888"/>
-                </a:solidFill>
-                <a:latin typeface="Arial"/>
-                <a:ea typeface="Arial"/>
-                <a:cs typeface="Arial"/>
-                <a:sym typeface="Arial"/>
-              </a:defRPr>
-            </a:lvl5pPr>
-            <a:lvl6pPr marL="0" lvl="5" indent="0" algn="r">
-              <a:spcBef>
-                <a:spcPts val="0"/>
-              </a:spcBef>
-              <a:buNone/>
-              <a:defRPr sz="1200" b="0" i="0" u="none" strike="noStrike" cap="none">
-                <a:solidFill>
-                  <a:srgbClr val="888888"/>
-                </a:solidFill>
-                <a:latin typeface="Arial"/>
-                <a:ea typeface="Arial"/>
-                <a:cs typeface="Arial"/>
-                <a:sym typeface="Arial"/>
-              </a:defRPr>
-            </a:lvl6pPr>
-            <a:lvl7pPr marL="0" lvl="6" indent="0" algn="r">
-              <a:spcBef>
-                <a:spcPts val="0"/>
-              </a:spcBef>
-              <a:buNone/>
-              <a:defRPr sz="1200" b="0" i="0" u="none" strike="noStrike" cap="none">
-                <a:solidFill>
-                  <a:srgbClr val="888888"/>
-                </a:solidFill>
-                <a:latin typeface="Arial"/>
-                <a:ea typeface="Arial"/>
-                <a:cs typeface="Arial"/>
-                <a:sym typeface="Arial"/>
-              </a:defRPr>
-            </a:lvl7pPr>
-            <a:lvl8pPr marL="0" lvl="7" indent="0" algn="r">
-              <a:spcBef>
-                <a:spcPts val="0"/>
-              </a:spcBef>
-              <a:buNone/>
-              <a:defRPr sz="1200" b="0" i="0" u="none" strike="noStrike" cap="none">
-                <a:solidFill>
-                  <a:srgbClr val="888888"/>
-                </a:solidFill>
-                <a:latin typeface="Arial"/>
-                <a:ea typeface="Arial"/>
-                <a:cs typeface="Arial"/>
-                <a:sym typeface="Arial"/>
-              </a:defRPr>
-            </a:lvl8pPr>
-            <a:lvl9pPr marL="0" lvl="8" indent="0" algn="r">
-              <a:spcBef>
-                <a:spcPts val="0"/>
-              </a:spcBef>
-              <a:buNone/>
-              <a:defRPr sz="1200" b="0" i="0" u="none" strike="noStrike" cap="none">
-                <a:solidFill>
-                  <a:srgbClr val="888888"/>
-                </a:solidFill>
-                <a:latin typeface="Arial"/>
-                <a:ea typeface="Arial"/>
-                <a:cs typeface="Arial"/>
-                <a:sym typeface="Arial"/>
-              </a:defRPr>
-            </a:lvl9pPr>
-          </a:lstStyle>
-          <a:p>
-            <a:pPr marL="0" lvl="0" indent="0" algn="r" rtl="0">
-              <a:spcBef>
-                <a:spcPts val="0"/>
-              </a:spcBef>
-              <a:spcAft>
-                <a:spcPts val="0"/>
-              </a:spcAft>
-              <a:buNone/>
-            </a:pPr>
-            <a:fld id="{00000000-1234-1234-1234-123412341234}" type="slidenum">
-              <a:rPr lang="en-US"/>
-              <a:t>‹#›</a:t>
-            </a:fld>
-            <a:endParaRPr/>
-          </a:p>
-        </p:txBody>
-      </p:sp>
-      <p:sp>
-        <p:nvSpPr>
-          <p:cNvPr id="41" name="Google Shape;41;p4"/>
-          <p:cNvSpPr/>
-          <p:nvPr/>
-        </p:nvSpPr>
-        <p:spPr>
-          <a:xfrm>
-            <a:off x="2" y="449882"/>
-            <a:ext cx="4339072" cy="482463"/>
-          </a:xfrm>
-          <a:prstGeom prst="rect">
-            <a:avLst/>
-          </a:prstGeom>
-          <a:solidFill>
-            <a:srgbClr val="384849"/>
-          </a:solidFill>
-          <a:ln>
-            <a:noFill/>
-          </a:ln>
-        </p:spPr>
-        <p:txBody>
-          <a:bodyPr spcFirstLastPara="1" wrap="square" lIns="91425" tIns="45700" rIns="91425" bIns="45700" anchor="ctr" anchorCtr="0">
-            <a:noAutofit/>
-          </a:bodyPr>
-          <a:lstStyle/>
-          <a:p>
-            <a:pPr marL="0" marR="0" lvl="0" indent="0" algn="ctr" rtl="0">
-              <a:spcBef>
-                <a:spcPts val="0"/>
-              </a:spcBef>
-              <a:spcAft>
-                <a:spcPts val="0"/>
-              </a:spcAft>
-              <a:buNone/>
-            </a:pPr>
-            <a:endParaRPr sz="1800" b="0" i="0" u="none" strike="noStrike" cap="none">
-              <a:solidFill>
-                <a:schemeClr val="lt1"/>
-              </a:solidFill>
-              <a:latin typeface="Arial"/>
-              <a:ea typeface="Arial"/>
-              <a:cs typeface="Arial"/>
-              <a:sym typeface="Arial"/>
-            </a:endParaRPr>
-          </a:p>
-        </p:txBody>
-      </p:sp>
-      <p:sp>
-        <p:nvSpPr>
-          <p:cNvPr id="42" name="Google Shape;42;p4"/>
-          <p:cNvSpPr/>
-          <p:nvPr/>
-        </p:nvSpPr>
-        <p:spPr>
-          <a:xfrm>
-            <a:off x="4388503" y="449882"/>
-            <a:ext cx="151931" cy="482463"/>
-          </a:xfrm>
-          <a:prstGeom prst="rect">
-            <a:avLst/>
-          </a:prstGeom>
-          <a:solidFill>
-            <a:srgbClr val="00632D"/>
-          </a:solidFill>
-          <a:ln>
-            <a:noFill/>
-          </a:ln>
-        </p:spPr>
-        <p:txBody>
-          <a:bodyPr spcFirstLastPara="1" wrap="square" lIns="91425" tIns="45700" rIns="91425" bIns="45700" anchor="ctr" anchorCtr="0">
-            <a:noAutofit/>
-          </a:bodyPr>
-          <a:lstStyle/>
-          <a:p>
-            <a:pPr marL="0" marR="0" lvl="0" indent="0" algn="ctr" rtl="0">
-              <a:spcBef>
-                <a:spcPts val="0"/>
-              </a:spcBef>
-              <a:spcAft>
-                <a:spcPts val="0"/>
-              </a:spcAft>
-              <a:buNone/>
-            </a:pPr>
-            <a:endParaRPr sz="1800" b="0" i="0" u="none" strike="noStrike" cap="none">
-              <a:solidFill>
-                <a:schemeClr val="lt1"/>
-              </a:solidFill>
-              <a:latin typeface="Arial"/>
-              <a:ea typeface="Arial"/>
-              <a:cs typeface="Arial"/>
-              <a:sym typeface="Arial"/>
-            </a:endParaRPr>
-          </a:p>
-        </p:txBody>
-      </p:sp>
-      <p:sp>
-        <p:nvSpPr>
-          <p:cNvPr id="43" name="Google Shape;43;p4"/>
-          <p:cNvSpPr txBox="1"/>
-          <p:nvPr/>
-        </p:nvSpPr>
-        <p:spPr>
-          <a:xfrm>
-            <a:off x="1" y="491058"/>
-            <a:ext cx="4242545" cy="400110"/>
-          </a:xfrm>
-          <a:prstGeom prst="rect">
-            <a:avLst/>
-          </a:prstGeom>
-          <a:noFill/>
-          <a:ln>
-            <a:noFill/>
-          </a:ln>
-        </p:spPr>
-        <p:txBody>
-          <a:bodyPr spcFirstLastPara="1" wrap="square" lIns="91425" tIns="45700" rIns="91425" bIns="45700" anchor="t" anchorCtr="0">
-            <a:noAutofit/>
-          </a:bodyPr>
-          <a:lstStyle/>
-          <a:p>
-            <a:pPr marL="0" marR="0" lvl="0" indent="0" algn="l" rtl="0">
-              <a:spcBef>
-                <a:spcPts val="0"/>
-              </a:spcBef>
-              <a:spcAft>
-                <a:spcPts val="0"/>
-              </a:spcAft>
-              <a:buNone/>
-            </a:pPr>
-            <a:r>
-              <a:rPr lang="en-US" sz="2000" b="0" i="0" u="none" strike="noStrike" cap="small">
-                <a:solidFill>
-                  <a:schemeClr val="lt1"/>
-                </a:solidFill>
-                <a:latin typeface="Arial"/>
-                <a:ea typeface="Arial"/>
-                <a:cs typeface="Arial"/>
-                <a:sym typeface="Arial"/>
-              </a:rPr>
-              <a:t>Table of Contents</a:t>
-            </a:r>
-            <a:endParaRPr/>
-          </a:p>
-        </p:txBody>
-      </p:sp>
-      <p:sp>
-        <p:nvSpPr>
-          <p:cNvPr id="44" name="Google Shape;44;p4"/>
-          <p:cNvSpPr txBox="1">
-            <a:spLocks noGrp="1"/>
-          </p:cNvSpPr>
-          <p:nvPr>
-            <p:ph type="body" idx="1"/>
-          </p:nvPr>
-        </p:nvSpPr>
-        <p:spPr>
-          <a:xfrm>
-            <a:off x="804847" y="1840861"/>
-            <a:ext cx="10279164" cy="3175987"/>
-          </a:xfrm>
-          <a:prstGeom prst="rect">
-            <a:avLst/>
-          </a:prstGeom>
-          <a:noFill/>
-          <a:ln>
-            <a:noFill/>
-          </a:ln>
-        </p:spPr>
-        <p:txBody>
-          <a:bodyPr spcFirstLastPara="1" wrap="square" lIns="91425" tIns="45700" rIns="91425" bIns="45700" anchor="t" anchorCtr="0">
-            <a:noAutofit/>
-          </a:bodyPr>
-          <a:lstStyle>
-            <a:lvl1pPr marL="457200" lvl="0" indent="-228600" algn="l">
-              <a:lnSpc>
-                <a:spcPct val="90000"/>
-              </a:lnSpc>
-              <a:spcBef>
-                <a:spcPts val="1000"/>
-              </a:spcBef>
-              <a:spcAft>
-                <a:spcPts val="0"/>
-              </a:spcAft>
-              <a:buClr>
-                <a:srgbClr val="767171"/>
-              </a:buClr>
-              <a:buSzPts val="2000"/>
-              <a:buNone/>
-              <a:defRPr sz="2000" b="0" i="0" cap="small">
-                <a:solidFill>
-                  <a:srgbClr val="767171"/>
-                </a:solidFill>
-                <a:latin typeface="Arial"/>
-                <a:ea typeface="Arial"/>
-                <a:cs typeface="Arial"/>
-                <a:sym typeface="Arial"/>
-              </a:defRPr>
-            </a:lvl1pPr>
-            <a:lvl2pPr marL="914400" lvl="1" indent="-342900" algn="l">
-              <a:lnSpc>
-                <a:spcPct val="90000"/>
-              </a:lnSpc>
-              <a:spcBef>
-                <a:spcPts val="500"/>
-              </a:spcBef>
-              <a:spcAft>
-                <a:spcPts val="0"/>
-              </a:spcAft>
-              <a:buClr>
-                <a:schemeClr val="dk1"/>
-              </a:buClr>
-              <a:buSzPts val="1800"/>
-              <a:buChar char="•"/>
-              <a:defRPr/>
-            </a:lvl2pPr>
-            <a:lvl3pPr marL="1371600" lvl="2" indent="-342900" algn="l">
-              <a:lnSpc>
-                <a:spcPct val="90000"/>
-              </a:lnSpc>
-              <a:spcBef>
-                <a:spcPts val="500"/>
-              </a:spcBef>
-              <a:spcAft>
-                <a:spcPts val="0"/>
-              </a:spcAft>
-              <a:buClr>
-                <a:schemeClr val="dk1"/>
-              </a:buClr>
-              <a:buSzPts val="1800"/>
-              <a:buChar char="•"/>
-              <a:defRPr/>
-            </a:lvl3pPr>
-            <a:lvl4pPr marL="1828800" lvl="3" indent="-342900" algn="l">
-              <a:lnSpc>
-                <a:spcPct val="90000"/>
-              </a:lnSpc>
-              <a:spcBef>
-                <a:spcPts val="500"/>
-              </a:spcBef>
-              <a:spcAft>
-                <a:spcPts val="0"/>
-              </a:spcAft>
-              <a:buClr>
-                <a:schemeClr val="dk1"/>
-              </a:buClr>
-              <a:buSzPts val="1800"/>
-              <a:buChar char="•"/>
-              <a:defRPr/>
-            </a:lvl4pPr>
-            <a:lvl5pPr marL="2286000" lvl="4" indent="-342900" algn="l">
-              <a:lnSpc>
-                <a:spcPct val="90000"/>
-              </a:lnSpc>
-              <a:spcBef>
-                <a:spcPts val="500"/>
-              </a:spcBef>
-              <a:spcAft>
-                <a:spcPts val="0"/>
-              </a:spcAft>
-              <a:buClr>
-                <a:schemeClr val="dk1"/>
-              </a:buClr>
-              <a:buSzPts val="1800"/>
-              <a:buChar char="•"/>
-              <a:defRPr/>
-            </a:lvl5pPr>
-            <a:lvl6pPr marL="2743200" lvl="5" indent="-342900" algn="l">
-              <a:lnSpc>
-                <a:spcPct val="90000"/>
-              </a:lnSpc>
-              <a:spcBef>
-                <a:spcPts val="500"/>
-              </a:spcBef>
-              <a:spcAft>
-                <a:spcPts val="0"/>
-              </a:spcAft>
-              <a:buClr>
-                <a:schemeClr val="dk1"/>
-              </a:buClr>
-              <a:buSzPts val="1800"/>
-              <a:buChar char="•"/>
-              <a:defRPr/>
-            </a:lvl6pPr>
-            <a:lvl7pPr marL="3200400" lvl="6" indent="-342900" algn="l">
-              <a:lnSpc>
-                <a:spcPct val="90000"/>
-              </a:lnSpc>
-              <a:spcBef>
-                <a:spcPts val="500"/>
-              </a:spcBef>
-              <a:spcAft>
-                <a:spcPts val="0"/>
-              </a:spcAft>
-              <a:buClr>
-                <a:schemeClr val="dk1"/>
-              </a:buClr>
-              <a:buSzPts val="1800"/>
-              <a:buChar char="•"/>
-              <a:defRPr/>
-            </a:lvl7pPr>
-            <a:lvl8pPr marL="3657600" lvl="7" indent="-342900" algn="l">
-              <a:lnSpc>
-                <a:spcPct val="90000"/>
-              </a:lnSpc>
-              <a:spcBef>
-                <a:spcPts val="500"/>
-              </a:spcBef>
-              <a:spcAft>
-                <a:spcPts val="0"/>
-              </a:spcAft>
-              <a:buClr>
-                <a:schemeClr val="dk1"/>
-              </a:buClr>
-              <a:buSzPts val="1800"/>
-              <a:buChar char="•"/>
-              <a:defRPr/>
-            </a:lvl8pPr>
-            <a:lvl9pPr marL="4114800" lvl="8" indent="-342900" algn="l">
-              <a:lnSpc>
-                <a:spcPct val="90000"/>
-              </a:lnSpc>
-              <a:spcBef>
-                <a:spcPts val="500"/>
-              </a:spcBef>
-              <a:spcAft>
-                <a:spcPts val="0"/>
-              </a:spcAft>
-              <a:buClr>
-                <a:schemeClr val="dk1"/>
-              </a:buClr>
-              <a:buSzPts val="1800"/>
-              <a:buChar char="•"/>
-              <a:defRPr/>
-            </a:lvl9pPr>
-          </a:lstStyle>
-          <a:p>
-            <a:pPr lvl="0"/>
-            <a:r>
-              <a:rPr lang="en-US"/>
-              <a:t>Click to edit Master text styles</a:t>
-            </a:r>
-          </a:p>
-        </p:txBody>
-      </p:sp>
-    </p:spTree>
-  </p:cSld>
-  <p:clrMapOvr>
-    <a:masterClrMapping/>
-  </p:clrMapOvr>
-</p:sldLayout>
-</file>
-
-<file path=ppt/slideLayouts/slideLayout4.xml><?xml version="1.0" encoding="utf-8"?>
 <p:sldLayout xmlns:a="http://schemas.openxmlformats.org/drawingml/2006/main" xmlns:r="http://schemas.openxmlformats.org/officeDocument/2006/relationships" xmlns:p="http://schemas.openxmlformats.org/presentationml/2006/main" matchingName="Section Header">
   <p:cSld name="Section Header">
     <p:spTree>
@@ -9536,7 +7331,7 @@
 </p:sldLayout>
 </file>
 
-<file path=ppt/slideLayouts/slideLayout5.xml><?xml version="1.0" encoding="utf-8"?>
+<file path=ppt/slideLayouts/slideLayout4.xml><?xml version="1.0" encoding="utf-8"?>
 <p:sldLayout xmlns:a="http://schemas.openxmlformats.org/drawingml/2006/main" xmlns:r="http://schemas.openxmlformats.org/officeDocument/2006/relationships" xmlns:p="http://schemas.openxmlformats.org/presentationml/2006/main" matchingName="Five Boxes">
   <p:cSld name="Five Boxes">
     <p:spTree>
@@ -12497,7 +10292,7 @@
 </p:sldLayout>
 </file>
 
-<file path=ppt/slideLayouts/slideLayout6.xml><?xml version="1.0" encoding="utf-8"?>
+<file path=ppt/slideLayouts/slideLayout5.xml><?xml version="1.0" encoding="utf-8"?>
 <p:sldLayout xmlns:a="http://schemas.openxmlformats.org/drawingml/2006/main" xmlns:r="http://schemas.openxmlformats.org/officeDocument/2006/relationships" xmlns:p="http://schemas.openxmlformats.org/presentationml/2006/main" matchingName="Five Boxes Aligned">
   <p:cSld name="Five Boxes Aligned">
     <p:spTree>
@@ -15458,1180 +13253,7 @@
 </p:sldLayout>
 </file>
 
-<file path=ppt/slideLayouts/slideLayout7.xml><?xml version="1.0" encoding="utf-8"?>
-<p:sldLayout xmlns:a="http://schemas.openxmlformats.org/drawingml/2006/main" xmlns:r="http://schemas.openxmlformats.org/officeDocument/2006/relationships" xmlns:p="http://schemas.openxmlformats.org/presentationml/2006/main" matchingName="Two Content">
-  <p:cSld name="Two Content">
-    <p:spTree>
-      <p:nvGrpSpPr>
-        <p:cNvPr id="1" name="Shape 94"/>
-        <p:cNvGrpSpPr/>
-        <p:nvPr/>
-      </p:nvGrpSpPr>
-      <p:grpSpPr>
-        <a:xfrm>
-          <a:off x="0" y="0"/>
-          <a:ext cx="0" cy="0"/>
-          <a:chOff x="0" y="0"/>
-          <a:chExt cx="0" cy="0"/>
-        </a:xfrm>
-      </p:grpSpPr>
-      <p:sp>
-        <p:nvSpPr>
-          <p:cNvPr id="95" name="Google Shape;95;p8"/>
-          <p:cNvSpPr txBox="1">
-            <a:spLocks noGrp="1"/>
-          </p:cNvSpPr>
-          <p:nvPr>
-            <p:ph type="dt" idx="10"/>
-          </p:nvPr>
-        </p:nvSpPr>
-        <p:spPr>
-          <a:xfrm>
-            <a:off x="838200" y="6356350"/>
-            <a:ext cx="2743200" cy="365125"/>
-          </a:xfrm>
-          <a:prstGeom prst="rect">
-            <a:avLst/>
-          </a:prstGeom>
-          <a:noFill/>
-          <a:ln>
-            <a:noFill/>
-          </a:ln>
-        </p:spPr>
-        <p:txBody>
-          <a:bodyPr spcFirstLastPara="1" wrap="square" lIns="91425" tIns="45700" rIns="91425" bIns="45700" anchor="ctr" anchorCtr="0">
-            <a:noAutofit/>
-          </a:bodyPr>
-          <a:lstStyle>
-            <a:lvl1pPr lvl="0" algn="l">
-              <a:spcBef>
-                <a:spcPts val="0"/>
-              </a:spcBef>
-              <a:spcAft>
-                <a:spcPts val="0"/>
-              </a:spcAft>
-              <a:buSzPts val="1400"/>
-              <a:buNone/>
-              <a:defRPr b="0" i="0">
-                <a:latin typeface="Arial"/>
-                <a:ea typeface="Arial"/>
-                <a:cs typeface="Arial"/>
-                <a:sym typeface="Arial"/>
-              </a:defRPr>
-            </a:lvl1pPr>
-            <a:lvl2pPr lvl="1" algn="l">
-              <a:spcBef>
-                <a:spcPts val="0"/>
-              </a:spcBef>
-              <a:spcAft>
-                <a:spcPts val="0"/>
-              </a:spcAft>
-              <a:buSzPts val="1400"/>
-              <a:buNone/>
-              <a:defRPr/>
-            </a:lvl2pPr>
-            <a:lvl3pPr lvl="2" algn="l">
-              <a:spcBef>
-                <a:spcPts val="0"/>
-              </a:spcBef>
-              <a:spcAft>
-                <a:spcPts val="0"/>
-              </a:spcAft>
-              <a:buSzPts val="1400"/>
-              <a:buNone/>
-              <a:defRPr/>
-            </a:lvl3pPr>
-            <a:lvl4pPr lvl="3" algn="l">
-              <a:spcBef>
-                <a:spcPts val="0"/>
-              </a:spcBef>
-              <a:spcAft>
-                <a:spcPts val="0"/>
-              </a:spcAft>
-              <a:buSzPts val="1400"/>
-              <a:buNone/>
-              <a:defRPr/>
-            </a:lvl4pPr>
-            <a:lvl5pPr lvl="4" algn="l">
-              <a:spcBef>
-                <a:spcPts val="0"/>
-              </a:spcBef>
-              <a:spcAft>
-                <a:spcPts val="0"/>
-              </a:spcAft>
-              <a:buSzPts val="1400"/>
-              <a:buNone/>
-              <a:defRPr/>
-            </a:lvl5pPr>
-            <a:lvl6pPr lvl="5" algn="l">
-              <a:spcBef>
-                <a:spcPts val="0"/>
-              </a:spcBef>
-              <a:spcAft>
-                <a:spcPts val="0"/>
-              </a:spcAft>
-              <a:buSzPts val="1400"/>
-              <a:buNone/>
-              <a:defRPr/>
-            </a:lvl6pPr>
-            <a:lvl7pPr lvl="6" algn="l">
-              <a:spcBef>
-                <a:spcPts val="0"/>
-              </a:spcBef>
-              <a:spcAft>
-                <a:spcPts val="0"/>
-              </a:spcAft>
-              <a:buSzPts val="1400"/>
-              <a:buNone/>
-              <a:defRPr/>
-            </a:lvl7pPr>
-            <a:lvl8pPr lvl="7" algn="l">
-              <a:spcBef>
-                <a:spcPts val="0"/>
-              </a:spcBef>
-              <a:spcAft>
-                <a:spcPts val="0"/>
-              </a:spcAft>
-              <a:buSzPts val="1400"/>
-              <a:buNone/>
-              <a:defRPr/>
-            </a:lvl8pPr>
-            <a:lvl9pPr lvl="8" algn="l">
-              <a:spcBef>
-                <a:spcPts val="0"/>
-              </a:spcBef>
-              <a:spcAft>
-                <a:spcPts val="0"/>
-              </a:spcAft>
-              <a:buSzPts val="1400"/>
-              <a:buNone/>
-              <a:defRPr/>
-            </a:lvl9pPr>
-          </a:lstStyle>
-          <a:p>
-            <a:endParaRPr/>
-          </a:p>
-        </p:txBody>
-      </p:sp>
-      <p:sp>
-        <p:nvSpPr>
-          <p:cNvPr id="96" name="Google Shape;96;p8"/>
-          <p:cNvSpPr txBox="1">
-            <a:spLocks noGrp="1"/>
-          </p:cNvSpPr>
-          <p:nvPr>
-            <p:ph type="ftr" idx="11"/>
-          </p:nvPr>
-        </p:nvSpPr>
-        <p:spPr>
-          <a:xfrm>
-            <a:off x="4038600" y="6356350"/>
-            <a:ext cx="4114800" cy="365125"/>
-          </a:xfrm>
-          <a:prstGeom prst="rect">
-            <a:avLst/>
-          </a:prstGeom>
-          <a:noFill/>
-          <a:ln>
-            <a:noFill/>
-          </a:ln>
-        </p:spPr>
-        <p:txBody>
-          <a:bodyPr spcFirstLastPara="1" wrap="square" lIns="91425" tIns="45700" rIns="91425" bIns="45700" anchor="ctr" anchorCtr="0">
-            <a:noAutofit/>
-          </a:bodyPr>
-          <a:lstStyle>
-            <a:lvl1pPr lvl="0" algn="ctr">
-              <a:spcBef>
-                <a:spcPts val="0"/>
-              </a:spcBef>
-              <a:spcAft>
-                <a:spcPts val="0"/>
-              </a:spcAft>
-              <a:buSzPts val="1400"/>
-              <a:buNone/>
-              <a:defRPr b="0" i="0">
-                <a:latin typeface="Arial"/>
-                <a:ea typeface="Arial"/>
-                <a:cs typeface="Arial"/>
-                <a:sym typeface="Arial"/>
-              </a:defRPr>
-            </a:lvl1pPr>
-            <a:lvl2pPr lvl="1" algn="l">
-              <a:spcBef>
-                <a:spcPts val="0"/>
-              </a:spcBef>
-              <a:spcAft>
-                <a:spcPts val="0"/>
-              </a:spcAft>
-              <a:buSzPts val="1400"/>
-              <a:buNone/>
-              <a:defRPr/>
-            </a:lvl2pPr>
-            <a:lvl3pPr lvl="2" algn="l">
-              <a:spcBef>
-                <a:spcPts val="0"/>
-              </a:spcBef>
-              <a:spcAft>
-                <a:spcPts val="0"/>
-              </a:spcAft>
-              <a:buSzPts val="1400"/>
-              <a:buNone/>
-              <a:defRPr/>
-            </a:lvl3pPr>
-            <a:lvl4pPr lvl="3" algn="l">
-              <a:spcBef>
-                <a:spcPts val="0"/>
-              </a:spcBef>
-              <a:spcAft>
-                <a:spcPts val="0"/>
-              </a:spcAft>
-              <a:buSzPts val="1400"/>
-              <a:buNone/>
-              <a:defRPr/>
-            </a:lvl4pPr>
-            <a:lvl5pPr lvl="4" algn="l">
-              <a:spcBef>
-                <a:spcPts val="0"/>
-              </a:spcBef>
-              <a:spcAft>
-                <a:spcPts val="0"/>
-              </a:spcAft>
-              <a:buSzPts val="1400"/>
-              <a:buNone/>
-              <a:defRPr/>
-            </a:lvl5pPr>
-            <a:lvl6pPr lvl="5" algn="l">
-              <a:spcBef>
-                <a:spcPts val="0"/>
-              </a:spcBef>
-              <a:spcAft>
-                <a:spcPts val="0"/>
-              </a:spcAft>
-              <a:buSzPts val="1400"/>
-              <a:buNone/>
-              <a:defRPr/>
-            </a:lvl6pPr>
-            <a:lvl7pPr lvl="6" algn="l">
-              <a:spcBef>
-                <a:spcPts val="0"/>
-              </a:spcBef>
-              <a:spcAft>
-                <a:spcPts val="0"/>
-              </a:spcAft>
-              <a:buSzPts val="1400"/>
-              <a:buNone/>
-              <a:defRPr/>
-            </a:lvl7pPr>
-            <a:lvl8pPr lvl="7" algn="l">
-              <a:spcBef>
-                <a:spcPts val="0"/>
-              </a:spcBef>
-              <a:spcAft>
-                <a:spcPts val="0"/>
-              </a:spcAft>
-              <a:buSzPts val="1400"/>
-              <a:buNone/>
-              <a:defRPr/>
-            </a:lvl8pPr>
-            <a:lvl9pPr lvl="8" algn="l">
-              <a:spcBef>
-                <a:spcPts val="0"/>
-              </a:spcBef>
-              <a:spcAft>
-                <a:spcPts val="0"/>
-              </a:spcAft>
-              <a:buSzPts val="1400"/>
-              <a:buNone/>
-              <a:defRPr/>
-            </a:lvl9pPr>
-          </a:lstStyle>
-          <a:p>
-            <a:endParaRPr/>
-          </a:p>
-        </p:txBody>
-      </p:sp>
-      <p:sp>
-        <p:nvSpPr>
-          <p:cNvPr id="97" name="Google Shape;97;p8"/>
-          <p:cNvSpPr txBox="1">
-            <a:spLocks noGrp="1"/>
-          </p:cNvSpPr>
-          <p:nvPr>
-            <p:ph type="sldNum" idx="12"/>
-          </p:nvPr>
-        </p:nvSpPr>
-        <p:spPr>
-          <a:xfrm>
-            <a:off x="8610600" y="6356350"/>
-            <a:ext cx="2743200" cy="365125"/>
-          </a:xfrm>
-          <a:prstGeom prst="rect">
-            <a:avLst/>
-          </a:prstGeom>
-          <a:noFill/>
-          <a:ln>
-            <a:noFill/>
-          </a:ln>
-        </p:spPr>
-        <p:txBody>
-          <a:bodyPr spcFirstLastPara="1" wrap="square" lIns="91425" tIns="45700" rIns="91425" bIns="45700" anchor="ctr" anchorCtr="0">
-            <a:noAutofit/>
-          </a:bodyPr>
-          <a:lstStyle>
-            <a:lvl1pPr marL="0" lvl="0" indent="0" algn="r">
-              <a:spcBef>
-                <a:spcPts val="0"/>
-              </a:spcBef>
-              <a:buNone/>
-              <a:defRPr sz="1200" b="0" i="0">
-                <a:solidFill>
-                  <a:srgbClr val="888888"/>
-                </a:solidFill>
-                <a:latin typeface="Arial"/>
-                <a:ea typeface="Arial"/>
-                <a:cs typeface="Arial"/>
-                <a:sym typeface="Arial"/>
-              </a:defRPr>
-            </a:lvl1pPr>
-            <a:lvl2pPr marL="0" lvl="1" indent="0" algn="r">
-              <a:spcBef>
-                <a:spcPts val="0"/>
-              </a:spcBef>
-              <a:buNone/>
-              <a:defRPr sz="1200" b="0" i="0">
-                <a:solidFill>
-                  <a:srgbClr val="888888"/>
-                </a:solidFill>
-                <a:latin typeface="Arial"/>
-                <a:ea typeface="Arial"/>
-                <a:cs typeface="Arial"/>
-                <a:sym typeface="Arial"/>
-              </a:defRPr>
-            </a:lvl2pPr>
-            <a:lvl3pPr marL="0" lvl="2" indent="0" algn="r">
-              <a:spcBef>
-                <a:spcPts val="0"/>
-              </a:spcBef>
-              <a:buNone/>
-              <a:defRPr sz="1200" b="0" i="0">
-                <a:solidFill>
-                  <a:srgbClr val="888888"/>
-                </a:solidFill>
-                <a:latin typeface="Arial"/>
-                <a:ea typeface="Arial"/>
-                <a:cs typeface="Arial"/>
-                <a:sym typeface="Arial"/>
-              </a:defRPr>
-            </a:lvl3pPr>
-            <a:lvl4pPr marL="0" lvl="3" indent="0" algn="r">
-              <a:spcBef>
-                <a:spcPts val="0"/>
-              </a:spcBef>
-              <a:buNone/>
-              <a:defRPr sz="1200" b="0" i="0">
-                <a:solidFill>
-                  <a:srgbClr val="888888"/>
-                </a:solidFill>
-                <a:latin typeface="Arial"/>
-                <a:ea typeface="Arial"/>
-                <a:cs typeface="Arial"/>
-                <a:sym typeface="Arial"/>
-              </a:defRPr>
-            </a:lvl4pPr>
-            <a:lvl5pPr marL="0" lvl="4" indent="0" algn="r">
-              <a:spcBef>
-                <a:spcPts val="0"/>
-              </a:spcBef>
-              <a:buNone/>
-              <a:defRPr sz="1200" b="0" i="0">
-                <a:solidFill>
-                  <a:srgbClr val="888888"/>
-                </a:solidFill>
-                <a:latin typeface="Arial"/>
-                <a:ea typeface="Arial"/>
-                <a:cs typeface="Arial"/>
-                <a:sym typeface="Arial"/>
-              </a:defRPr>
-            </a:lvl5pPr>
-            <a:lvl6pPr marL="0" lvl="5" indent="0" algn="r">
-              <a:spcBef>
-                <a:spcPts val="0"/>
-              </a:spcBef>
-              <a:buNone/>
-              <a:defRPr sz="1200" b="0" i="0">
-                <a:solidFill>
-                  <a:srgbClr val="888888"/>
-                </a:solidFill>
-                <a:latin typeface="Arial"/>
-                <a:ea typeface="Arial"/>
-                <a:cs typeface="Arial"/>
-                <a:sym typeface="Arial"/>
-              </a:defRPr>
-            </a:lvl6pPr>
-            <a:lvl7pPr marL="0" lvl="6" indent="0" algn="r">
-              <a:spcBef>
-                <a:spcPts val="0"/>
-              </a:spcBef>
-              <a:buNone/>
-              <a:defRPr sz="1200" b="0" i="0">
-                <a:solidFill>
-                  <a:srgbClr val="888888"/>
-                </a:solidFill>
-                <a:latin typeface="Arial"/>
-                <a:ea typeface="Arial"/>
-                <a:cs typeface="Arial"/>
-                <a:sym typeface="Arial"/>
-              </a:defRPr>
-            </a:lvl7pPr>
-            <a:lvl8pPr marL="0" lvl="7" indent="0" algn="r">
-              <a:spcBef>
-                <a:spcPts val="0"/>
-              </a:spcBef>
-              <a:buNone/>
-              <a:defRPr sz="1200" b="0" i="0">
-                <a:solidFill>
-                  <a:srgbClr val="888888"/>
-                </a:solidFill>
-                <a:latin typeface="Arial"/>
-                <a:ea typeface="Arial"/>
-                <a:cs typeface="Arial"/>
-                <a:sym typeface="Arial"/>
-              </a:defRPr>
-            </a:lvl8pPr>
-            <a:lvl9pPr marL="0" lvl="8" indent="0" algn="r">
-              <a:spcBef>
-                <a:spcPts val="0"/>
-              </a:spcBef>
-              <a:buNone/>
-              <a:defRPr sz="1200" b="0" i="0">
-                <a:solidFill>
-                  <a:srgbClr val="888888"/>
-                </a:solidFill>
-                <a:latin typeface="Arial"/>
-                <a:ea typeface="Arial"/>
-                <a:cs typeface="Arial"/>
-                <a:sym typeface="Arial"/>
-              </a:defRPr>
-            </a:lvl9pPr>
-          </a:lstStyle>
-          <a:p>
-            <a:pPr marL="0" lvl="0" indent="0" algn="r" rtl="0">
-              <a:spcBef>
-                <a:spcPts val="0"/>
-              </a:spcBef>
-              <a:spcAft>
-                <a:spcPts val="0"/>
-              </a:spcAft>
-              <a:buNone/>
-            </a:pPr>
-            <a:fld id="{00000000-1234-1234-1234-123412341234}" type="slidenum">
-              <a:rPr lang="en-US"/>
-              <a:t>‹#›</a:t>
-            </a:fld>
-            <a:endParaRPr/>
-          </a:p>
-        </p:txBody>
-      </p:sp>
-      <p:sp>
-        <p:nvSpPr>
-          <p:cNvPr id="98" name="Google Shape;98;p8"/>
-          <p:cNvSpPr/>
-          <p:nvPr/>
-        </p:nvSpPr>
-        <p:spPr>
-          <a:xfrm>
-            <a:off x="2" y="449882"/>
-            <a:ext cx="4339072" cy="482463"/>
-          </a:xfrm>
-          <a:prstGeom prst="rect">
-            <a:avLst/>
-          </a:prstGeom>
-          <a:solidFill>
-            <a:srgbClr val="384849"/>
-          </a:solidFill>
-          <a:ln>
-            <a:noFill/>
-          </a:ln>
-        </p:spPr>
-        <p:txBody>
-          <a:bodyPr spcFirstLastPara="1" wrap="square" lIns="91425" tIns="45700" rIns="91425" bIns="45700" anchor="ctr" anchorCtr="0">
-            <a:noAutofit/>
-          </a:bodyPr>
-          <a:lstStyle/>
-          <a:p>
-            <a:pPr marL="0" marR="0" lvl="0" indent="0" algn="ctr" rtl="0">
-              <a:spcBef>
-                <a:spcPts val="0"/>
-              </a:spcBef>
-              <a:spcAft>
-                <a:spcPts val="0"/>
-              </a:spcAft>
-              <a:buNone/>
-            </a:pPr>
-            <a:endParaRPr sz="1800" b="0" i="0">
-              <a:solidFill>
-                <a:schemeClr val="lt1"/>
-              </a:solidFill>
-              <a:latin typeface="Arial"/>
-              <a:ea typeface="Arial"/>
-              <a:cs typeface="Arial"/>
-              <a:sym typeface="Arial"/>
-            </a:endParaRPr>
-          </a:p>
-        </p:txBody>
-      </p:sp>
-      <p:sp>
-        <p:nvSpPr>
-          <p:cNvPr id="99" name="Google Shape;99;p8"/>
-          <p:cNvSpPr/>
-          <p:nvPr/>
-        </p:nvSpPr>
-        <p:spPr>
-          <a:xfrm>
-            <a:off x="4388503" y="449882"/>
-            <a:ext cx="151931" cy="482463"/>
-          </a:xfrm>
-          <a:prstGeom prst="rect">
-            <a:avLst/>
-          </a:prstGeom>
-          <a:solidFill>
-            <a:srgbClr val="00632D"/>
-          </a:solidFill>
-          <a:ln>
-            <a:noFill/>
-          </a:ln>
-        </p:spPr>
-        <p:txBody>
-          <a:bodyPr spcFirstLastPara="1" wrap="square" lIns="91425" tIns="45700" rIns="91425" bIns="45700" anchor="ctr" anchorCtr="0">
-            <a:noAutofit/>
-          </a:bodyPr>
-          <a:lstStyle/>
-          <a:p>
-            <a:pPr marL="0" marR="0" lvl="0" indent="0" algn="ctr" rtl="0">
-              <a:spcBef>
-                <a:spcPts val="0"/>
-              </a:spcBef>
-              <a:spcAft>
-                <a:spcPts val="0"/>
-              </a:spcAft>
-              <a:buNone/>
-            </a:pPr>
-            <a:endParaRPr sz="1800" b="0" i="0">
-              <a:solidFill>
-                <a:schemeClr val="lt1"/>
-              </a:solidFill>
-              <a:latin typeface="Arial"/>
-              <a:ea typeface="Arial"/>
-              <a:cs typeface="Arial"/>
-              <a:sym typeface="Arial"/>
-            </a:endParaRPr>
-          </a:p>
-        </p:txBody>
-      </p:sp>
-      <p:sp>
-        <p:nvSpPr>
-          <p:cNvPr id="100" name="Google Shape;100;p8"/>
-          <p:cNvSpPr txBox="1">
-            <a:spLocks noGrp="1"/>
-          </p:cNvSpPr>
-          <p:nvPr>
-            <p:ph type="title"/>
-          </p:nvPr>
-        </p:nvSpPr>
-        <p:spPr>
-          <a:xfrm>
-            <a:off x="0" y="473625"/>
-            <a:ext cx="4339074" cy="434975"/>
-          </a:xfrm>
-          <a:prstGeom prst="rect">
-            <a:avLst/>
-          </a:prstGeom>
-          <a:noFill/>
-          <a:ln>
-            <a:noFill/>
-          </a:ln>
-        </p:spPr>
-        <p:txBody>
-          <a:bodyPr spcFirstLastPara="1" wrap="square" lIns="91425" tIns="45700" rIns="91425" bIns="45700" anchor="ctr" anchorCtr="0">
-            <a:noAutofit/>
-          </a:bodyPr>
-          <a:lstStyle>
-            <a:lvl1pPr lvl="0" algn="l">
-              <a:lnSpc>
-                <a:spcPct val="90000"/>
-              </a:lnSpc>
-              <a:spcBef>
-                <a:spcPts val="0"/>
-              </a:spcBef>
-              <a:spcAft>
-                <a:spcPts val="0"/>
-              </a:spcAft>
-              <a:buClr>
-                <a:schemeClr val="lt1"/>
-              </a:buClr>
-              <a:buSzPts val="2000"/>
-              <a:buFont typeface="Arial"/>
-              <a:buNone/>
-              <a:defRPr sz="2000" b="0" i="0">
-                <a:solidFill>
-                  <a:schemeClr val="lt1"/>
-                </a:solidFill>
-                <a:latin typeface="Arial"/>
-                <a:ea typeface="Arial"/>
-                <a:cs typeface="Arial"/>
-                <a:sym typeface="Arial"/>
-              </a:defRPr>
-            </a:lvl1pPr>
-            <a:lvl2pPr lvl="1">
-              <a:spcBef>
-                <a:spcPts val="0"/>
-              </a:spcBef>
-              <a:spcAft>
-                <a:spcPts val="0"/>
-              </a:spcAft>
-              <a:buSzPts val="1400"/>
-              <a:buNone/>
-              <a:defRPr/>
-            </a:lvl2pPr>
-            <a:lvl3pPr lvl="2">
-              <a:spcBef>
-                <a:spcPts val="0"/>
-              </a:spcBef>
-              <a:spcAft>
-                <a:spcPts val="0"/>
-              </a:spcAft>
-              <a:buSzPts val="1400"/>
-              <a:buNone/>
-              <a:defRPr/>
-            </a:lvl3pPr>
-            <a:lvl4pPr lvl="3">
-              <a:spcBef>
-                <a:spcPts val="0"/>
-              </a:spcBef>
-              <a:spcAft>
-                <a:spcPts val="0"/>
-              </a:spcAft>
-              <a:buSzPts val="1400"/>
-              <a:buNone/>
-              <a:defRPr/>
-            </a:lvl4pPr>
-            <a:lvl5pPr lvl="4">
-              <a:spcBef>
-                <a:spcPts val="0"/>
-              </a:spcBef>
-              <a:spcAft>
-                <a:spcPts val="0"/>
-              </a:spcAft>
-              <a:buSzPts val="1400"/>
-              <a:buNone/>
-              <a:defRPr/>
-            </a:lvl5pPr>
-            <a:lvl6pPr lvl="5">
-              <a:spcBef>
-                <a:spcPts val="0"/>
-              </a:spcBef>
-              <a:spcAft>
-                <a:spcPts val="0"/>
-              </a:spcAft>
-              <a:buSzPts val="1400"/>
-              <a:buNone/>
-              <a:defRPr/>
-            </a:lvl6pPr>
-            <a:lvl7pPr lvl="6">
-              <a:spcBef>
-                <a:spcPts val="0"/>
-              </a:spcBef>
-              <a:spcAft>
-                <a:spcPts val="0"/>
-              </a:spcAft>
-              <a:buSzPts val="1400"/>
-              <a:buNone/>
-              <a:defRPr/>
-            </a:lvl7pPr>
-            <a:lvl8pPr lvl="7">
-              <a:spcBef>
-                <a:spcPts val="0"/>
-              </a:spcBef>
-              <a:spcAft>
-                <a:spcPts val="0"/>
-              </a:spcAft>
-              <a:buSzPts val="1400"/>
-              <a:buNone/>
-              <a:defRPr/>
-            </a:lvl8pPr>
-            <a:lvl9pPr lvl="8">
-              <a:spcBef>
-                <a:spcPts val="0"/>
-              </a:spcBef>
-              <a:spcAft>
-                <a:spcPts val="0"/>
-              </a:spcAft>
-              <a:buSzPts val="1400"/>
-              <a:buNone/>
-              <a:defRPr/>
-            </a:lvl9pPr>
-          </a:lstStyle>
-          <a:p>
-            <a:r>
-              <a:rPr lang="en-US"/>
-              <a:t>Click to edit Master title style</a:t>
-            </a:r>
-            <a:endParaRPr/>
-          </a:p>
-        </p:txBody>
-      </p:sp>
-      <p:sp>
-        <p:nvSpPr>
-          <p:cNvPr id="101" name="Google Shape;101;p8"/>
-          <p:cNvSpPr txBox="1">
-            <a:spLocks noGrp="1"/>
-          </p:cNvSpPr>
-          <p:nvPr>
-            <p:ph type="body" idx="1"/>
-          </p:nvPr>
-        </p:nvSpPr>
-        <p:spPr>
-          <a:xfrm>
-            <a:off x="838199" y="1825625"/>
-            <a:ext cx="5181599" cy="4351338"/>
-          </a:xfrm>
-          <a:prstGeom prst="rect">
-            <a:avLst/>
-          </a:prstGeom>
-          <a:noFill/>
-          <a:ln>
-            <a:noFill/>
-          </a:ln>
-        </p:spPr>
-        <p:txBody>
-          <a:bodyPr spcFirstLastPara="1" wrap="square" lIns="91425" tIns="45700" rIns="91425" bIns="45700" anchor="t" anchorCtr="0">
-            <a:noAutofit/>
-          </a:bodyPr>
-          <a:lstStyle>
-            <a:lvl1pPr marL="457200" lvl="0" indent="-381000" algn="l">
-              <a:lnSpc>
-                <a:spcPct val="90000"/>
-              </a:lnSpc>
-              <a:spcBef>
-                <a:spcPts val="1000"/>
-              </a:spcBef>
-              <a:spcAft>
-                <a:spcPts val="0"/>
-              </a:spcAft>
-              <a:buClr>
-                <a:srgbClr val="49005C"/>
-              </a:buClr>
-              <a:buSzPts val="2400"/>
-              <a:buFont typeface="Noto Sans Symbols"/>
-              <a:buChar char="▪"/>
-              <a:defRPr b="0" i="0">
-                <a:latin typeface="Arial"/>
-                <a:ea typeface="Arial"/>
-                <a:cs typeface="Arial"/>
-                <a:sym typeface="Arial"/>
-              </a:defRPr>
-            </a:lvl1pPr>
-            <a:lvl2pPr marL="914400" lvl="1" indent="-355600" algn="l">
-              <a:lnSpc>
-                <a:spcPct val="90000"/>
-              </a:lnSpc>
-              <a:spcBef>
-                <a:spcPts val="500"/>
-              </a:spcBef>
-              <a:spcAft>
-                <a:spcPts val="0"/>
-              </a:spcAft>
-              <a:buClr>
-                <a:srgbClr val="00632D"/>
-              </a:buClr>
-              <a:buSzPts val="2000"/>
-              <a:buFont typeface="Noto Sans Symbols"/>
-              <a:buChar char="▪"/>
-              <a:defRPr b="0" i="0">
-                <a:latin typeface="Arial"/>
-                <a:ea typeface="Arial"/>
-                <a:cs typeface="Arial"/>
-                <a:sym typeface="Arial"/>
-              </a:defRPr>
-            </a:lvl2pPr>
-            <a:lvl3pPr marL="1371600" lvl="2" indent="-342900" algn="l">
-              <a:lnSpc>
-                <a:spcPct val="90000"/>
-              </a:lnSpc>
-              <a:spcBef>
-                <a:spcPts val="500"/>
-              </a:spcBef>
-              <a:spcAft>
-                <a:spcPts val="0"/>
-              </a:spcAft>
-              <a:buClr>
-                <a:srgbClr val="854C94"/>
-              </a:buClr>
-              <a:buSzPts val="1800"/>
-              <a:buFont typeface="Noto Sans Symbols"/>
-              <a:buChar char="▪"/>
-              <a:defRPr b="0" i="0">
-                <a:latin typeface="Arial"/>
-                <a:ea typeface="Arial"/>
-                <a:cs typeface="Arial"/>
-                <a:sym typeface="Arial"/>
-              </a:defRPr>
-            </a:lvl3pPr>
-            <a:lvl4pPr marL="1828800" lvl="3" indent="-330200" algn="l">
-              <a:lnSpc>
-                <a:spcPct val="90000"/>
-              </a:lnSpc>
-              <a:spcBef>
-                <a:spcPts val="500"/>
-              </a:spcBef>
-              <a:spcAft>
-                <a:spcPts val="0"/>
-              </a:spcAft>
-              <a:buClr>
-                <a:srgbClr val="767171"/>
-              </a:buClr>
-              <a:buSzPts val="1600"/>
-              <a:buFont typeface="Noto Sans Symbols"/>
-              <a:buChar char="▪"/>
-              <a:defRPr b="0" i="0">
-                <a:latin typeface="Arial"/>
-                <a:ea typeface="Arial"/>
-                <a:cs typeface="Arial"/>
-                <a:sym typeface="Arial"/>
-              </a:defRPr>
-            </a:lvl4pPr>
-            <a:lvl5pPr marL="2286000" lvl="4" indent="-330200" algn="l">
-              <a:lnSpc>
-                <a:spcPct val="90000"/>
-              </a:lnSpc>
-              <a:spcBef>
-                <a:spcPts val="500"/>
-              </a:spcBef>
-              <a:spcAft>
-                <a:spcPts val="0"/>
-              </a:spcAft>
-              <a:buClr>
-                <a:srgbClr val="1C0635"/>
-              </a:buClr>
-              <a:buSzPts val="1600"/>
-              <a:buFont typeface="Noto Sans Symbols"/>
-              <a:buChar char="▪"/>
-              <a:defRPr b="0" i="0">
-                <a:latin typeface="Arial"/>
-                <a:ea typeface="Arial"/>
-                <a:cs typeface="Arial"/>
-                <a:sym typeface="Arial"/>
-              </a:defRPr>
-            </a:lvl5pPr>
-            <a:lvl6pPr marL="2743200" lvl="5" indent="-342900" algn="l">
-              <a:lnSpc>
-                <a:spcPct val="90000"/>
-              </a:lnSpc>
-              <a:spcBef>
-                <a:spcPts val="500"/>
-              </a:spcBef>
-              <a:spcAft>
-                <a:spcPts val="0"/>
-              </a:spcAft>
-              <a:buClr>
-                <a:schemeClr val="dk1"/>
-              </a:buClr>
-              <a:buSzPts val="1800"/>
-              <a:buChar char="•"/>
-              <a:defRPr/>
-            </a:lvl6pPr>
-            <a:lvl7pPr marL="3200400" lvl="6" indent="-342900" algn="l">
-              <a:lnSpc>
-                <a:spcPct val="90000"/>
-              </a:lnSpc>
-              <a:spcBef>
-                <a:spcPts val="500"/>
-              </a:spcBef>
-              <a:spcAft>
-                <a:spcPts val="0"/>
-              </a:spcAft>
-              <a:buClr>
-                <a:schemeClr val="dk1"/>
-              </a:buClr>
-              <a:buSzPts val="1800"/>
-              <a:buChar char="•"/>
-              <a:defRPr/>
-            </a:lvl7pPr>
-            <a:lvl8pPr marL="3657600" lvl="7" indent="-342900" algn="l">
-              <a:lnSpc>
-                <a:spcPct val="90000"/>
-              </a:lnSpc>
-              <a:spcBef>
-                <a:spcPts val="500"/>
-              </a:spcBef>
-              <a:spcAft>
-                <a:spcPts val="0"/>
-              </a:spcAft>
-              <a:buClr>
-                <a:schemeClr val="dk1"/>
-              </a:buClr>
-              <a:buSzPts val="1800"/>
-              <a:buChar char="•"/>
-              <a:defRPr/>
-            </a:lvl8pPr>
-            <a:lvl9pPr marL="4114800" lvl="8" indent="-342900" algn="l">
-              <a:lnSpc>
-                <a:spcPct val="90000"/>
-              </a:lnSpc>
-              <a:spcBef>
-                <a:spcPts val="500"/>
-              </a:spcBef>
-              <a:spcAft>
-                <a:spcPts val="0"/>
-              </a:spcAft>
-              <a:buClr>
-                <a:schemeClr val="dk1"/>
-              </a:buClr>
-              <a:buSzPts val="1800"/>
-              <a:buChar char="•"/>
-              <a:defRPr/>
-            </a:lvl9pPr>
-          </a:lstStyle>
-          <a:p>
-            <a:pPr lvl="0"/>
-            <a:r>
-              <a:rPr lang="en-US"/>
-              <a:t>Click to edit Master text styles</a:t>
-            </a:r>
-          </a:p>
-        </p:txBody>
-      </p:sp>
-      <p:sp>
-        <p:nvSpPr>
-          <p:cNvPr id="102" name="Google Shape;102;p8"/>
-          <p:cNvSpPr txBox="1">
-            <a:spLocks noGrp="1"/>
-          </p:cNvSpPr>
-          <p:nvPr>
-            <p:ph type="body" idx="2"/>
-          </p:nvPr>
-        </p:nvSpPr>
-        <p:spPr>
-          <a:xfrm>
-            <a:off x="6172200" y="1825625"/>
-            <a:ext cx="5181600" cy="4351338"/>
-          </a:xfrm>
-          <a:prstGeom prst="rect">
-            <a:avLst/>
-          </a:prstGeom>
-          <a:noFill/>
-          <a:ln>
-            <a:noFill/>
-          </a:ln>
-        </p:spPr>
-        <p:txBody>
-          <a:bodyPr spcFirstLastPara="1" wrap="square" lIns="91425" tIns="45700" rIns="91425" bIns="45700" anchor="t" anchorCtr="0">
-            <a:noAutofit/>
-          </a:bodyPr>
-          <a:lstStyle>
-            <a:lvl1pPr marL="457200" lvl="0" indent="-381000" algn="l">
-              <a:lnSpc>
-                <a:spcPct val="90000"/>
-              </a:lnSpc>
-              <a:spcBef>
-                <a:spcPts val="1000"/>
-              </a:spcBef>
-              <a:spcAft>
-                <a:spcPts val="0"/>
-              </a:spcAft>
-              <a:buClr>
-                <a:srgbClr val="49005C"/>
-              </a:buClr>
-              <a:buSzPts val="2400"/>
-              <a:buFont typeface="Noto Sans Symbols"/>
-              <a:buChar char="▪"/>
-              <a:defRPr b="0" i="0">
-                <a:latin typeface="Arial"/>
-                <a:ea typeface="Arial"/>
-                <a:cs typeface="Arial"/>
-                <a:sym typeface="Arial"/>
-              </a:defRPr>
-            </a:lvl1pPr>
-            <a:lvl2pPr marL="914400" lvl="1" indent="-355600" algn="l">
-              <a:lnSpc>
-                <a:spcPct val="90000"/>
-              </a:lnSpc>
-              <a:spcBef>
-                <a:spcPts val="500"/>
-              </a:spcBef>
-              <a:spcAft>
-                <a:spcPts val="0"/>
-              </a:spcAft>
-              <a:buClr>
-                <a:srgbClr val="00632D"/>
-              </a:buClr>
-              <a:buSzPts val="2000"/>
-              <a:buFont typeface="Noto Sans Symbols"/>
-              <a:buChar char="▪"/>
-              <a:defRPr b="0" i="0">
-                <a:latin typeface="Arial"/>
-                <a:ea typeface="Arial"/>
-                <a:cs typeface="Arial"/>
-                <a:sym typeface="Arial"/>
-              </a:defRPr>
-            </a:lvl2pPr>
-            <a:lvl3pPr marL="1371600" lvl="2" indent="-342900" algn="l">
-              <a:lnSpc>
-                <a:spcPct val="90000"/>
-              </a:lnSpc>
-              <a:spcBef>
-                <a:spcPts val="500"/>
-              </a:spcBef>
-              <a:spcAft>
-                <a:spcPts val="0"/>
-              </a:spcAft>
-              <a:buClr>
-                <a:srgbClr val="854C94"/>
-              </a:buClr>
-              <a:buSzPts val="1800"/>
-              <a:buFont typeface="Noto Sans Symbols"/>
-              <a:buChar char="▪"/>
-              <a:defRPr b="0" i="0">
-                <a:latin typeface="Arial"/>
-                <a:ea typeface="Arial"/>
-                <a:cs typeface="Arial"/>
-                <a:sym typeface="Arial"/>
-              </a:defRPr>
-            </a:lvl3pPr>
-            <a:lvl4pPr marL="1828800" lvl="3" indent="-330200" algn="l">
-              <a:lnSpc>
-                <a:spcPct val="90000"/>
-              </a:lnSpc>
-              <a:spcBef>
-                <a:spcPts val="500"/>
-              </a:spcBef>
-              <a:spcAft>
-                <a:spcPts val="0"/>
-              </a:spcAft>
-              <a:buClr>
-                <a:srgbClr val="767171"/>
-              </a:buClr>
-              <a:buSzPts val="1600"/>
-              <a:buFont typeface="Noto Sans Symbols"/>
-              <a:buChar char="▪"/>
-              <a:defRPr b="0" i="0">
-                <a:latin typeface="Arial"/>
-                <a:ea typeface="Arial"/>
-                <a:cs typeface="Arial"/>
-                <a:sym typeface="Arial"/>
-              </a:defRPr>
-            </a:lvl4pPr>
-            <a:lvl5pPr marL="2286000" lvl="4" indent="-330200" algn="l">
-              <a:lnSpc>
-                <a:spcPct val="90000"/>
-              </a:lnSpc>
-              <a:spcBef>
-                <a:spcPts val="500"/>
-              </a:spcBef>
-              <a:spcAft>
-                <a:spcPts val="0"/>
-              </a:spcAft>
-              <a:buClr>
-                <a:srgbClr val="1C0635"/>
-              </a:buClr>
-              <a:buSzPts val="1600"/>
-              <a:buFont typeface="Noto Sans Symbols"/>
-              <a:buChar char="▪"/>
-              <a:defRPr b="0" i="0">
-                <a:latin typeface="Arial"/>
-                <a:ea typeface="Arial"/>
-                <a:cs typeface="Arial"/>
-                <a:sym typeface="Arial"/>
-              </a:defRPr>
-            </a:lvl5pPr>
-            <a:lvl6pPr marL="2743200" lvl="5" indent="-342900" algn="l">
-              <a:lnSpc>
-                <a:spcPct val="90000"/>
-              </a:lnSpc>
-              <a:spcBef>
-                <a:spcPts val="500"/>
-              </a:spcBef>
-              <a:spcAft>
-                <a:spcPts val="0"/>
-              </a:spcAft>
-              <a:buClr>
-                <a:schemeClr val="dk1"/>
-              </a:buClr>
-              <a:buSzPts val="1800"/>
-              <a:buChar char="•"/>
-              <a:defRPr/>
-            </a:lvl6pPr>
-            <a:lvl7pPr marL="3200400" lvl="6" indent="-342900" algn="l">
-              <a:lnSpc>
-                <a:spcPct val="90000"/>
-              </a:lnSpc>
-              <a:spcBef>
-                <a:spcPts val="500"/>
-              </a:spcBef>
-              <a:spcAft>
-                <a:spcPts val="0"/>
-              </a:spcAft>
-              <a:buClr>
-                <a:schemeClr val="dk1"/>
-              </a:buClr>
-              <a:buSzPts val="1800"/>
-              <a:buChar char="•"/>
-              <a:defRPr/>
-            </a:lvl7pPr>
-            <a:lvl8pPr marL="3657600" lvl="7" indent="-342900" algn="l">
-              <a:lnSpc>
-                <a:spcPct val="90000"/>
-              </a:lnSpc>
-              <a:spcBef>
-                <a:spcPts val="500"/>
-              </a:spcBef>
-              <a:spcAft>
-                <a:spcPts val="0"/>
-              </a:spcAft>
-              <a:buClr>
-                <a:schemeClr val="dk1"/>
-              </a:buClr>
-              <a:buSzPts val="1800"/>
-              <a:buChar char="•"/>
-              <a:defRPr/>
-            </a:lvl8pPr>
-            <a:lvl9pPr marL="4114800" lvl="8" indent="-342900" algn="l">
-              <a:lnSpc>
-                <a:spcPct val="90000"/>
-              </a:lnSpc>
-              <a:spcBef>
-                <a:spcPts val="500"/>
-              </a:spcBef>
-              <a:spcAft>
-                <a:spcPts val="0"/>
-              </a:spcAft>
-              <a:buClr>
-                <a:schemeClr val="dk1"/>
-              </a:buClr>
-              <a:buSzPts val="1800"/>
-              <a:buChar char="•"/>
-              <a:defRPr/>
-            </a:lvl9pPr>
-          </a:lstStyle>
-          <a:p>
-            <a:pPr lvl="0"/>
-            <a:r>
-              <a:rPr lang="en-US"/>
-              <a:t>Click to edit Master text styles</a:t>
-            </a:r>
-          </a:p>
-        </p:txBody>
-      </p:sp>
-    </p:spTree>
-  </p:cSld>
-  <p:clrMapOvr>
-    <a:masterClrMapping/>
-  </p:clrMapOvr>
-</p:sldLayout>
-</file>
-
-<file path=ppt/slideLayouts/slideLayout8.xml><?xml version="1.0" encoding="utf-8"?>
+<file path=ppt/slideLayouts/slideLayout6.xml><?xml version="1.0" encoding="utf-8"?>
 <p:sldLayout xmlns:a="http://schemas.openxmlformats.org/drawingml/2006/main" xmlns:r="http://schemas.openxmlformats.org/officeDocument/2006/relationships" xmlns:p="http://schemas.openxmlformats.org/presentationml/2006/main" matchingName="Comparison">
   <p:cSld name="Comparison">
     <p:spTree>
@@ -18125,7 +14747,7 @@
 </p:sldLayout>
 </file>
 
-<file path=ppt/slideLayouts/slideLayout9.xml><?xml version="1.0" encoding="utf-8"?>
+<file path=ppt/slideLayouts/slideLayout7.xml><?xml version="1.0" encoding="utf-8"?>
 <p:sldLayout xmlns:a="http://schemas.openxmlformats.org/drawingml/2006/main" xmlns:r="http://schemas.openxmlformats.org/officeDocument/2006/relationships" xmlns:p="http://schemas.openxmlformats.org/presentationml/2006/main" matchingName="Circle 1">
   <p:cSld name="Circle 1">
     <p:spTree>
@@ -19110,6 +15732,1474 @@
 </p:sldLayout>
 </file>
 
+<file path=ppt/slideLayouts/slideLayout8.xml><?xml version="1.0" encoding="utf-8"?>
+<p:sldLayout xmlns:a="http://schemas.openxmlformats.org/drawingml/2006/main" xmlns:r="http://schemas.openxmlformats.org/officeDocument/2006/relationships" xmlns:p="http://schemas.openxmlformats.org/presentationml/2006/main" matchingName="Circle 2">
+  <p:cSld name="Circle 2">
+    <p:spTree>
+      <p:nvGrpSpPr>
+        <p:cNvPr id="1" name="Shape 125"/>
+        <p:cNvGrpSpPr/>
+        <p:nvPr/>
+      </p:nvGrpSpPr>
+      <p:grpSpPr>
+        <a:xfrm>
+          <a:off x="0" y="0"/>
+          <a:ext cx="0" cy="0"/>
+          <a:chOff x="0" y="0"/>
+          <a:chExt cx="0" cy="0"/>
+        </a:xfrm>
+      </p:grpSpPr>
+      <p:sp>
+        <p:nvSpPr>
+          <p:cNvPr id="126" name="Google Shape;126;p11"/>
+          <p:cNvSpPr txBox="1">
+            <a:spLocks noGrp="1"/>
+          </p:cNvSpPr>
+          <p:nvPr>
+            <p:ph type="dt" idx="10"/>
+          </p:nvPr>
+        </p:nvSpPr>
+        <p:spPr>
+          <a:xfrm>
+            <a:off x="838200" y="6356350"/>
+            <a:ext cx="2743200" cy="365125"/>
+          </a:xfrm>
+          <a:prstGeom prst="rect">
+            <a:avLst/>
+          </a:prstGeom>
+          <a:noFill/>
+          <a:ln>
+            <a:noFill/>
+          </a:ln>
+        </p:spPr>
+        <p:txBody>
+          <a:bodyPr spcFirstLastPara="1" wrap="square" lIns="91425" tIns="45700" rIns="91425" bIns="45700" anchor="ctr" anchorCtr="0">
+            <a:noAutofit/>
+          </a:bodyPr>
+          <a:lstStyle>
+            <a:lvl1pPr lvl="0" algn="l">
+              <a:spcBef>
+                <a:spcPts val="0"/>
+              </a:spcBef>
+              <a:spcAft>
+                <a:spcPts val="0"/>
+              </a:spcAft>
+              <a:buSzPts val="1400"/>
+              <a:buNone/>
+              <a:defRPr b="0" i="0">
+                <a:latin typeface="Arial"/>
+                <a:ea typeface="Arial"/>
+                <a:cs typeface="Arial"/>
+                <a:sym typeface="Arial"/>
+              </a:defRPr>
+            </a:lvl1pPr>
+            <a:lvl2pPr lvl="1" algn="l">
+              <a:spcBef>
+                <a:spcPts val="0"/>
+              </a:spcBef>
+              <a:spcAft>
+                <a:spcPts val="0"/>
+              </a:spcAft>
+              <a:buSzPts val="1400"/>
+              <a:buNone/>
+              <a:defRPr/>
+            </a:lvl2pPr>
+            <a:lvl3pPr lvl="2" algn="l">
+              <a:spcBef>
+                <a:spcPts val="0"/>
+              </a:spcBef>
+              <a:spcAft>
+                <a:spcPts val="0"/>
+              </a:spcAft>
+              <a:buSzPts val="1400"/>
+              <a:buNone/>
+              <a:defRPr/>
+            </a:lvl3pPr>
+            <a:lvl4pPr lvl="3" algn="l">
+              <a:spcBef>
+                <a:spcPts val="0"/>
+              </a:spcBef>
+              <a:spcAft>
+                <a:spcPts val="0"/>
+              </a:spcAft>
+              <a:buSzPts val="1400"/>
+              <a:buNone/>
+              <a:defRPr/>
+            </a:lvl4pPr>
+            <a:lvl5pPr lvl="4" algn="l">
+              <a:spcBef>
+                <a:spcPts val="0"/>
+              </a:spcBef>
+              <a:spcAft>
+                <a:spcPts val="0"/>
+              </a:spcAft>
+              <a:buSzPts val="1400"/>
+              <a:buNone/>
+              <a:defRPr/>
+            </a:lvl5pPr>
+            <a:lvl6pPr lvl="5" algn="l">
+              <a:spcBef>
+                <a:spcPts val="0"/>
+              </a:spcBef>
+              <a:spcAft>
+                <a:spcPts val="0"/>
+              </a:spcAft>
+              <a:buSzPts val="1400"/>
+              <a:buNone/>
+              <a:defRPr/>
+            </a:lvl6pPr>
+            <a:lvl7pPr lvl="6" algn="l">
+              <a:spcBef>
+                <a:spcPts val="0"/>
+              </a:spcBef>
+              <a:spcAft>
+                <a:spcPts val="0"/>
+              </a:spcAft>
+              <a:buSzPts val="1400"/>
+              <a:buNone/>
+              <a:defRPr/>
+            </a:lvl7pPr>
+            <a:lvl8pPr lvl="7" algn="l">
+              <a:spcBef>
+                <a:spcPts val="0"/>
+              </a:spcBef>
+              <a:spcAft>
+                <a:spcPts val="0"/>
+              </a:spcAft>
+              <a:buSzPts val="1400"/>
+              <a:buNone/>
+              <a:defRPr/>
+            </a:lvl8pPr>
+            <a:lvl9pPr lvl="8" algn="l">
+              <a:spcBef>
+                <a:spcPts val="0"/>
+              </a:spcBef>
+              <a:spcAft>
+                <a:spcPts val="0"/>
+              </a:spcAft>
+              <a:buSzPts val="1400"/>
+              <a:buNone/>
+              <a:defRPr/>
+            </a:lvl9pPr>
+          </a:lstStyle>
+          <a:p>
+            <a:endParaRPr/>
+          </a:p>
+        </p:txBody>
+      </p:sp>
+      <p:sp>
+        <p:nvSpPr>
+          <p:cNvPr id="127" name="Google Shape;127;p11"/>
+          <p:cNvSpPr txBox="1">
+            <a:spLocks noGrp="1"/>
+          </p:cNvSpPr>
+          <p:nvPr>
+            <p:ph type="ftr" idx="11"/>
+          </p:nvPr>
+        </p:nvSpPr>
+        <p:spPr>
+          <a:xfrm>
+            <a:off x="4038600" y="6356350"/>
+            <a:ext cx="4114800" cy="365125"/>
+          </a:xfrm>
+          <a:prstGeom prst="rect">
+            <a:avLst/>
+          </a:prstGeom>
+          <a:noFill/>
+          <a:ln>
+            <a:noFill/>
+          </a:ln>
+        </p:spPr>
+        <p:txBody>
+          <a:bodyPr spcFirstLastPara="1" wrap="square" lIns="91425" tIns="45700" rIns="91425" bIns="45700" anchor="ctr" anchorCtr="0">
+            <a:noAutofit/>
+          </a:bodyPr>
+          <a:lstStyle>
+            <a:lvl1pPr lvl="0" algn="ctr">
+              <a:spcBef>
+                <a:spcPts val="0"/>
+              </a:spcBef>
+              <a:spcAft>
+                <a:spcPts val="0"/>
+              </a:spcAft>
+              <a:buSzPts val="1400"/>
+              <a:buNone/>
+              <a:defRPr b="0" i="0">
+                <a:latin typeface="Arial"/>
+                <a:ea typeface="Arial"/>
+                <a:cs typeface="Arial"/>
+                <a:sym typeface="Arial"/>
+              </a:defRPr>
+            </a:lvl1pPr>
+            <a:lvl2pPr lvl="1" algn="l">
+              <a:spcBef>
+                <a:spcPts val="0"/>
+              </a:spcBef>
+              <a:spcAft>
+                <a:spcPts val="0"/>
+              </a:spcAft>
+              <a:buSzPts val="1400"/>
+              <a:buNone/>
+              <a:defRPr/>
+            </a:lvl2pPr>
+            <a:lvl3pPr lvl="2" algn="l">
+              <a:spcBef>
+                <a:spcPts val="0"/>
+              </a:spcBef>
+              <a:spcAft>
+                <a:spcPts val="0"/>
+              </a:spcAft>
+              <a:buSzPts val="1400"/>
+              <a:buNone/>
+              <a:defRPr/>
+            </a:lvl3pPr>
+            <a:lvl4pPr lvl="3" algn="l">
+              <a:spcBef>
+                <a:spcPts val="0"/>
+              </a:spcBef>
+              <a:spcAft>
+                <a:spcPts val="0"/>
+              </a:spcAft>
+              <a:buSzPts val="1400"/>
+              <a:buNone/>
+              <a:defRPr/>
+            </a:lvl4pPr>
+            <a:lvl5pPr lvl="4" algn="l">
+              <a:spcBef>
+                <a:spcPts val="0"/>
+              </a:spcBef>
+              <a:spcAft>
+                <a:spcPts val="0"/>
+              </a:spcAft>
+              <a:buSzPts val="1400"/>
+              <a:buNone/>
+              <a:defRPr/>
+            </a:lvl5pPr>
+            <a:lvl6pPr lvl="5" algn="l">
+              <a:spcBef>
+                <a:spcPts val="0"/>
+              </a:spcBef>
+              <a:spcAft>
+                <a:spcPts val="0"/>
+              </a:spcAft>
+              <a:buSzPts val="1400"/>
+              <a:buNone/>
+              <a:defRPr/>
+            </a:lvl6pPr>
+            <a:lvl7pPr lvl="6" algn="l">
+              <a:spcBef>
+                <a:spcPts val="0"/>
+              </a:spcBef>
+              <a:spcAft>
+                <a:spcPts val="0"/>
+              </a:spcAft>
+              <a:buSzPts val="1400"/>
+              <a:buNone/>
+              <a:defRPr/>
+            </a:lvl7pPr>
+            <a:lvl8pPr lvl="7" algn="l">
+              <a:spcBef>
+                <a:spcPts val="0"/>
+              </a:spcBef>
+              <a:spcAft>
+                <a:spcPts val="0"/>
+              </a:spcAft>
+              <a:buSzPts val="1400"/>
+              <a:buNone/>
+              <a:defRPr/>
+            </a:lvl8pPr>
+            <a:lvl9pPr lvl="8" algn="l">
+              <a:spcBef>
+                <a:spcPts val="0"/>
+              </a:spcBef>
+              <a:spcAft>
+                <a:spcPts val="0"/>
+              </a:spcAft>
+              <a:buSzPts val="1400"/>
+              <a:buNone/>
+              <a:defRPr/>
+            </a:lvl9pPr>
+          </a:lstStyle>
+          <a:p>
+            <a:endParaRPr/>
+          </a:p>
+        </p:txBody>
+      </p:sp>
+      <p:sp>
+        <p:nvSpPr>
+          <p:cNvPr id="128" name="Google Shape;128;p11"/>
+          <p:cNvSpPr txBox="1">
+            <a:spLocks noGrp="1"/>
+          </p:cNvSpPr>
+          <p:nvPr>
+            <p:ph type="sldNum" idx="12"/>
+          </p:nvPr>
+        </p:nvSpPr>
+        <p:spPr>
+          <a:xfrm>
+            <a:off x="8610600" y="6356350"/>
+            <a:ext cx="2743200" cy="365125"/>
+          </a:xfrm>
+          <a:prstGeom prst="rect">
+            <a:avLst/>
+          </a:prstGeom>
+          <a:noFill/>
+          <a:ln>
+            <a:noFill/>
+          </a:ln>
+        </p:spPr>
+        <p:txBody>
+          <a:bodyPr spcFirstLastPara="1" wrap="square" lIns="91425" tIns="45700" rIns="91425" bIns="45700" anchor="ctr" anchorCtr="0">
+            <a:noAutofit/>
+          </a:bodyPr>
+          <a:lstStyle>
+            <a:lvl1pPr marL="0" lvl="0" indent="0" algn="r">
+              <a:spcBef>
+                <a:spcPts val="0"/>
+              </a:spcBef>
+              <a:buNone/>
+              <a:defRPr sz="1200" b="0" i="0">
+                <a:solidFill>
+                  <a:srgbClr val="888888"/>
+                </a:solidFill>
+                <a:latin typeface="Arial"/>
+                <a:ea typeface="Arial"/>
+                <a:cs typeface="Arial"/>
+                <a:sym typeface="Arial"/>
+              </a:defRPr>
+            </a:lvl1pPr>
+            <a:lvl2pPr marL="0" lvl="1" indent="0" algn="r">
+              <a:spcBef>
+                <a:spcPts val="0"/>
+              </a:spcBef>
+              <a:buNone/>
+              <a:defRPr sz="1200" b="0" i="0">
+                <a:solidFill>
+                  <a:srgbClr val="888888"/>
+                </a:solidFill>
+                <a:latin typeface="Arial"/>
+                <a:ea typeface="Arial"/>
+                <a:cs typeface="Arial"/>
+                <a:sym typeface="Arial"/>
+              </a:defRPr>
+            </a:lvl2pPr>
+            <a:lvl3pPr marL="0" lvl="2" indent="0" algn="r">
+              <a:spcBef>
+                <a:spcPts val="0"/>
+              </a:spcBef>
+              <a:buNone/>
+              <a:defRPr sz="1200" b="0" i="0">
+                <a:solidFill>
+                  <a:srgbClr val="888888"/>
+                </a:solidFill>
+                <a:latin typeface="Arial"/>
+                <a:ea typeface="Arial"/>
+                <a:cs typeface="Arial"/>
+                <a:sym typeface="Arial"/>
+              </a:defRPr>
+            </a:lvl3pPr>
+            <a:lvl4pPr marL="0" lvl="3" indent="0" algn="r">
+              <a:spcBef>
+                <a:spcPts val="0"/>
+              </a:spcBef>
+              <a:buNone/>
+              <a:defRPr sz="1200" b="0" i="0">
+                <a:solidFill>
+                  <a:srgbClr val="888888"/>
+                </a:solidFill>
+                <a:latin typeface="Arial"/>
+                <a:ea typeface="Arial"/>
+                <a:cs typeface="Arial"/>
+                <a:sym typeface="Arial"/>
+              </a:defRPr>
+            </a:lvl4pPr>
+            <a:lvl5pPr marL="0" lvl="4" indent="0" algn="r">
+              <a:spcBef>
+                <a:spcPts val="0"/>
+              </a:spcBef>
+              <a:buNone/>
+              <a:defRPr sz="1200" b="0" i="0">
+                <a:solidFill>
+                  <a:srgbClr val="888888"/>
+                </a:solidFill>
+                <a:latin typeface="Arial"/>
+                <a:ea typeface="Arial"/>
+                <a:cs typeface="Arial"/>
+                <a:sym typeface="Arial"/>
+              </a:defRPr>
+            </a:lvl5pPr>
+            <a:lvl6pPr marL="0" lvl="5" indent="0" algn="r">
+              <a:spcBef>
+                <a:spcPts val="0"/>
+              </a:spcBef>
+              <a:buNone/>
+              <a:defRPr sz="1200" b="0" i="0">
+                <a:solidFill>
+                  <a:srgbClr val="888888"/>
+                </a:solidFill>
+                <a:latin typeface="Arial"/>
+                <a:ea typeface="Arial"/>
+                <a:cs typeface="Arial"/>
+                <a:sym typeface="Arial"/>
+              </a:defRPr>
+            </a:lvl6pPr>
+            <a:lvl7pPr marL="0" lvl="6" indent="0" algn="r">
+              <a:spcBef>
+                <a:spcPts val="0"/>
+              </a:spcBef>
+              <a:buNone/>
+              <a:defRPr sz="1200" b="0" i="0">
+                <a:solidFill>
+                  <a:srgbClr val="888888"/>
+                </a:solidFill>
+                <a:latin typeface="Arial"/>
+                <a:ea typeface="Arial"/>
+                <a:cs typeface="Arial"/>
+                <a:sym typeface="Arial"/>
+              </a:defRPr>
+            </a:lvl7pPr>
+            <a:lvl8pPr marL="0" lvl="7" indent="0" algn="r">
+              <a:spcBef>
+                <a:spcPts val="0"/>
+              </a:spcBef>
+              <a:buNone/>
+              <a:defRPr sz="1200" b="0" i="0">
+                <a:solidFill>
+                  <a:srgbClr val="888888"/>
+                </a:solidFill>
+                <a:latin typeface="Arial"/>
+                <a:ea typeface="Arial"/>
+                <a:cs typeface="Arial"/>
+                <a:sym typeface="Arial"/>
+              </a:defRPr>
+            </a:lvl8pPr>
+            <a:lvl9pPr marL="0" lvl="8" indent="0" algn="r">
+              <a:spcBef>
+                <a:spcPts val="0"/>
+              </a:spcBef>
+              <a:buNone/>
+              <a:defRPr sz="1200" b="0" i="0">
+                <a:solidFill>
+                  <a:srgbClr val="888888"/>
+                </a:solidFill>
+                <a:latin typeface="Arial"/>
+                <a:ea typeface="Arial"/>
+                <a:cs typeface="Arial"/>
+                <a:sym typeface="Arial"/>
+              </a:defRPr>
+            </a:lvl9pPr>
+          </a:lstStyle>
+          <a:p>
+            <a:pPr marL="0" lvl="0" indent="0" algn="r" rtl="0">
+              <a:spcBef>
+                <a:spcPts val="0"/>
+              </a:spcBef>
+              <a:spcAft>
+                <a:spcPts val="0"/>
+              </a:spcAft>
+              <a:buNone/>
+            </a:pPr>
+            <a:fld id="{00000000-1234-1234-1234-123412341234}" type="slidenum">
+              <a:rPr lang="en-US"/>
+              <a:t>‹#›</a:t>
+            </a:fld>
+            <a:endParaRPr/>
+          </a:p>
+        </p:txBody>
+      </p:sp>
+      <p:sp>
+        <p:nvSpPr>
+          <p:cNvPr id="129" name="Google Shape;129;p11"/>
+          <p:cNvSpPr/>
+          <p:nvPr/>
+        </p:nvSpPr>
+        <p:spPr>
+          <a:xfrm>
+            <a:off x="3703322" y="449882"/>
+            <a:ext cx="4339072" cy="482463"/>
+          </a:xfrm>
+          <a:prstGeom prst="rect">
+            <a:avLst/>
+          </a:prstGeom>
+          <a:solidFill>
+            <a:srgbClr val="00632D"/>
+          </a:solidFill>
+          <a:ln>
+            <a:noFill/>
+          </a:ln>
+        </p:spPr>
+        <p:txBody>
+          <a:bodyPr spcFirstLastPara="1" wrap="square" lIns="91425" tIns="45700" rIns="91425" bIns="45700" anchor="ctr" anchorCtr="0">
+            <a:noAutofit/>
+          </a:bodyPr>
+          <a:lstStyle/>
+          <a:p>
+            <a:pPr marL="0" marR="0" lvl="0" indent="0" algn="ctr" rtl="0">
+              <a:spcBef>
+                <a:spcPts val="0"/>
+              </a:spcBef>
+              <a:spcAft>
+                <a:spcPts val="0"/>
+              </a:spcAft>
+              <a:buNone/>
+            </a:pPr>
+            <a:endParaRPr sz="1800" b="0" i="0">
+              <a:solidFill>
+                <a:schemeClr val="lt1"/>
+              </a:solidFill>
+              <a:latin typeface="Arial"/>
+              <a:ea typeface="Arial"/>
+              <a:cs typeface="Arial"/>
+              <a:sym typeface="Arial"/>
+            </a:endParaRPr>
+          </a:p>
+        </p:txBody>
+      </p:sp>
+      <p:sp>
+        <p:nvSpPr>
+          <p:cNvPr id="130" name="Google Shape;130;p11"/>
+          <p:cNvSpPr/>
+          <p:nvPr/>
+        </p:nvSpPr>
+        <p:spPr>
+          <a:xfrm>
+            <a:off x="8091823" y="449882"/>
+            <a:ext cx="151931" cy="482463"/>
+          </a:xfrm>
+          <a:prstGeom prst="rect">
+            <a:avLst/>
+          </a:prstGeom>
+          <a:solidFill>
+            <a:srgbClr val="00632D"/>
+          </a:solidFill>
+          <a:ln>
+            <a:noFill/>
+          </a:ln>
+        </p:spPr>
+        <p:txBody>
+          <a:bodyPr spcFirstLastPara="1" wrap="square" lIns="91425" tIns="45700" rIns="91425" bIns="45700" anchor="ctr" anchorCtr="0">
+            <a:noAutofit/>
+          </a:bodyPr>
+          <a:lstStyle/>
+          <a:p>
+            <a:pPr marL="0" marR="0" lvl="0" indent="0" algn="ctr" rtl="0">
+              <a:spcBef>
+                <a:spcPts val="0"/>
+              </a:spcBef>
+              <a:spcAft>
+                <a:spcPts val="0"/>
+              </a:spcAft>
+              <a:buNone/>
+            </a:pPr>
+            <a:endParaRPr sz="1800" b="0" i="0">
+              <a:solidFill>
+                <a:schemeClr val="lt1"/>
+              </a:solidFill>
+              <a:latin typeface="Arial"/>
+              <a:ea typeface="Arial"/>
+              <a:cs typeface="Arial"/>
+              <a:sym typeface="Arial"/>
+            </a:endParaRPr>
+          </a:p>
+        </p:txBody>
+      </p:sp>
+      <p:sp>
+        <p:nvSpPr>
+          <p:cNvPr id="131" name="Google Shape;131;p11"/>
+          <p:cNvSpPr txBox="1">
+            <a:spLocks noGrp="1"/>
+          </p:cNvSpPr>
+          <p:nvPr>
+            <p:ph type="title"/>
+          </p:nvPr>
+        </p:nvSpPr>
+        <p:spPr>
+          <a:xfrm>
+            <a:off x="3914147" y="407041"/>
+            <a:ext cx="4128247" cy="567219"/>
+          </a:xfrm>
+          <a:prstGeom prst="rect">
+            <a:avLst/>
+          </a:prstGeom>
+          <a:noFill/>
+          <a:ln>
+            <a:noFill/>
+          </a:ln>
+        </p:spPr>
+        <p:txBody>
+          <a:bodyPr spcFirstLastPara="1" wrap="square" lIns="91425" tIns="45700" rIns="91425" bIns="45700" anchor="ctr" anchorCtr="0">
+            <a:noAutofit/>
+          </a:bodyPr>
+          <a:lstStyle>
+            <a:lvl1pPr lvl="0" algn="l">
+              <a:lnSpc>
+                <a:spcPct val="90000"/>
+              </a:lnSpc>
+              <a:spcBef>
+                <a:spcPts val="0"/>
+              </a:spcBef>
+              <a:spcAft>
+                <a:spcPts val="0"/>
+              </a:spcAft>
+              <a:buClr>
+                <a:schemeClr val="lt1"/>
+              </a:buClr>
+              <a:buSzPts val="2000"/>
+              <a:buFont typeface="Arial"/>
+              <a:buNone/>
+              <a:defRPr sz="2000" b="0" i="0" cap="small">
+                <a:solidFill>
+                  <a:schemeClr val="lt1"/>
+                </a:solidFill>
+                <a:latin typeface="Arial"/>
+                <a:ea typeface="Arial"/>
+                <a:cs typeface="Arial"/>
+                <a:sym typeface="Arial"/>
+              </a:defRPr>
+            </a:lvl1pPr>
+            <a:lvl2pPr lvl="1">
+              <a:spcBef>
+                <a:spcPts val="0"/>
+              </a:spcBef>
+              <a:spcAft>
+                <a:spcPts val="0"/>
+              </a:spcAft>
+              <a:buSzPts val="1400"/>
+              <a:buNone/>
+              <a:defRPr/>
+            </a:lvl2pPr>
+            <a:lvl3pPr lvl="2">
+              <a:spcBef>
+                <a:spcPts val="0"/>
+              </a:spcBef>
+              <a:spcAft>
+                <a:spcPts val="0"/>
+              </a:spcAft>
+              <a:buSzPts val="1400"/>
+              <a:buNone/>
+              <a:defRPr/>
+            </a:lvl3pPr>
+            <a:lvl4pPr lvl="3">
+              <a:spcBef>
+                <a:spcPts val="0"/>
+              </a:spcBef>
+              <a:spcAft>
+                <a:spcPts val="0"/>
+              </a:spcAft>
+              <a:buSzPts val="1400"/>
+              <a:buNone/>
+              <a:defRPr/>
+            </a:lvl4pPr>
+            <a:lvl5pPr lvl="4">
+              <a:spcBef>
+                <a:spcPts val="0"/>
+              </a:spcBef>
+              <a:spcAft>
+                <a:spcPts val="0"/>
+              </a:spcAft>
+              <a:buSzPts val="1400"/>
+              <a:buNone/>
+              <a:defRPr/>
+            </a:lvl5pPr>
+            <a:lvl6pPr lvl="5">
+              <a:spcBef>
+                <a:spcPts val="0"/>
+              </a:spcBef>
+              <a:spcAft>
+                <a:spcPts val="0"/>
+              </a:spcAft>
+              <a:buSzPts val="1400"/>
+              <a:buNone/>
+              <a:defRPr/>
+            </a:lvl6pPr>
+            <a:lvl7pPr lvl="6">
+              <a:spcBef>
+                <a:spcPts val="0"/>
+              </a:spcBef>
+              <a:spcAft>
+                <a:spcPts val="0"/>
+              </a:spcAft>
+              <a:buSzPts val="1400"/>
+              <a:buNone/>
+              <a:defRPr/>
+            </a:lvl7pPr>
+            <a:lvl8pPr lvl="7">
+              <a:spcBef>
+                <a:spcPts val="0"/>
+              </a:spcBef>
+              <a:spcAft>
+                <a:spcPts val="0"/>
+              </a:spcAft>
+              <a:buSzPts val="1400"/>
+              <a:buNone/>
+              <a:defRPr/>
+            </a:lvl8pPr>
+            <a:lvl9pPr lvl="8">
+              <a:spcBef>
+                <a:spcPts val="0"/>
+              </a:spcBef>
+              <a:spcAft>
+                <a:spcPts val="0"/>
+              </a:spcAft>
+              <a:buSzPts val="1400"/>
+              <a:buNone/>
+              <a:defRPr/>
+            </a:lvl9pPr>
+          </a:lstStyle>
+          <a:p>
+            <a:r>
+              <a:rPr lang="en-US"/>
+              <a:t>Click to edit Master title style</a:t>
+            </a:r>
+            <a:endParaRPr/>
+          </a:p>
+        </p:txBody>
+      </p:sp>
+      <p:pic>
+        <p:nvPicPr>
+          <p:cNvPr id="132" name="Google Shape;132;p11"/>
+          <p:cNvPicPr preferRelativeResize="0"/>
+          <p:nvPr/>
+        </p:nvPicPr>
+        <p:blipFill rotWithShape="1">
+          <a:blip r:embed="rId2">
+            <a:alphaModFix/>
+          </a:blip>
+          <a:srcRect l="16988" r="14170" b="3425"/>
+          <a:stretch/>
+        </p:blipFill>
+        <p:spPr>
+          <a:xfrm>
+            <a:off x="-651409" y="-514615"/>
+            <a:ext cx="4640580" cy="4218430"/>
+          </a:xfrm>
+          <a:prstGeom prst="ellipse">
+            <a:avLst/>
+          </a:prstGeom>
+          <a:noFill/>
+          <a:ln w="57150" cap="flat" cmpd="sng">
+            <a:solidFill>
+              <a:srgbClr val="00632D"/>
+            </a:solidFill>
+            <a:prstDash val="solid"/>
+            <a:round/>
+            <a:headEnd type="none" w="sm" len="sm"/>
+            <a:tailEnd type="none" w="sm" len="sm"/>
+          </a:ln>
+        </p:spPr>
+      </p:pic>
+      <p:sp>
+        <p:nvSpPr>
+          <p:cNvPr id="133" name="Google Shape;133;p11"/>
+          <p:cNvSpPr txBox="1">
+            <a:spLocks noGrp="1"/>
+          </p:cNvSpPr>
+          <p:nvPr>
+            <p:ph type="body" idx="1"/>
+          </p:nvPr>
+        </p:nvSpPr>
+        <p:spPr>
+          <a:xfrm>
+            <a:off x="4038600" y="1825625"/>
+            <a:ext cx="7315200" cy="4351338"/>
+          </a:xfrm>
+          <a:prstGeom prst="rect">
+            <a:avLst/>
+          </a:prstGeom>
+          <a:noFill/>
+          <a:ln>
+            <a:noFill/>
+          </a:ln>
+        </p:spPr>
+        <p:txBody>
+          <a:bodyPr spcFirstLastPara="1" wrap="square" lIns="91425" tIns="45700" rIns="91425" bIns="45700" anchor="t" anchorCtr="0">
+            <a:noAutofit/>
+          </a:bodyPr>
+          <a:lstStyle>
+            <a:lvl1pPr marL="457200" lvl="0" indent="-381000" algn="l">
+              <a:lnSpc>
+                <a:spcPct val="90000"/>
+              </a:lnSpc>
+              <a:spcBef>
+                <a:spcPts val="1000"/>
+              </a:spcBef>
+              <a:spcAft>
+                <a:spcPts val="0"/>
+              </a:spcAft>
+              <a:buClr>
+                <a:srgbClr val="49005C"/>
+              </a:buClr>
+              <a:buSzPts val="2400"/>
+              <a:buFont typeface="Noto Sans Symbols"/>
+              <a:buChar char="▪"/>
+              <a:defRPr b="0" i="0">
+                <a:latin typeface="Arial"/>
+                <a:ea typeface="Arial"/>
+                <a:cs typeface="Arial"/>
+                <a:sym typeface="Arial"/>
+              </a:defRPr>
+            </a:lvl1pPr>
+            <a:lvl2pPr marL="914400" lvl="1" indent="-355600" algn="l">
+              <a:lnSpc>
+                <a:spcPct val="90000"/>
+              </a:lnSpc>
+              <a:spcBef>
+                <a:spcPts val="500"/>
+              </a:spcBef>
+              <a:spcAft>
+                <a:spcPts val="0"/>
+              </a:spcAft>
+              <a:buClr>
+                <a:srgbClr val="00632D"/>
+              </a:buClr>
+              <a:buSzPts val="2000"/>
+              <a:buFont typeface="Noto Sans Symbols"/>
+              <a:buChar char="▪"/>
+              <a:defRPr b="0" i="0">
+                <a:latin typeface="Arial"/>
+                <a:ea typeface="Arial"/>
+                <a:cs typeface="Arial"/>
+                <a:sym typeface="Arial"/>
+              </a:defRPr>
+            </a:lvl2pPr>
+            <a:lvl3pPr marL="1371600" lvl="2" indent="-342900" algn="l">
+              <a:lnSpc>
+                <a:spcPct val="90000"/>
+              </a:lnSpc>
+              <a:spcBef>
+                <a:spcPts val="500"/>
+              </a:spcBef>
+              <a:spcAft>
+                <a:spcPts val="0"/>
+              </a:spcAft>
+              <a:buClr>
+                <a:srgbClr val="854C94"/>
+              </a:buClr>
+              <a:buSzPts val="1800"/>
+              <a:buFont typeface="Noto Sans Symbols"/>
+              <a:buChar char="▪"/>
+              <a:defRPr b="0" i="0">
+                <a:latin typeface="Arial"/>
+                <a:ea typeface="Arial"/>
+                <a:cs typeface="Arial"/>
+                <a:sym typeface="Arial"/>
+              </a:defRPr>
+            </a:lvl3pPr>
+            <a:lvl4pPr marL="1828800" lvl="3" indent="-330200" algn="l">
+              <a:lnSpc>
+                <a:spcPct val="90000"/>
+              </a:lnSpc>
+              <a:spcBef>
+                <a:spcPts val="500"/>
+              </a:spcBef>
+              <a:spcAft>
+                <a:spcPts val="0"/>
+              </a:spcAft>
+              <a:buClr>
+                <a:srgbClr val="767171"/>
+              </a:buClr>
+              <a:buSzPts val="1600"/>
+              <a:buFont typeface="Noto Sans Symbols"/>
+              <a:buChar char="▪"/>
+              <a:defRPr b="0" i="0">
+                <a:latin typeface="Arial"/>
+                <a:ea typeface="Arial"/>
+                <a:cs typeface="Arial"/>
+                <a:sym typeface="Arial"/>
+              </a:defRPr>
+            </a:lvl4pPr>
+            <a:lvl5pPr marL="2286000" lvl="4" indent="-330200" algn="l">
+              <a:lnSpc>
+                <a:spcPct val="90000"/>
+              </a:lnSpc>
+              <a:spcBef>
+                <a:spcPts val="500"/>
+              </a:spcBef>
+              <a:spcAft>
+                <a:spcPts val="0"/>
+              </a:spcAft>
+              <a:buClr>
+                <a:srgbClr val="1C0635"/>
+              </a:buClr>
+              <a:buSzPts val="1600"/>
+              <a:buFont typeface="Noto Sans Symbols"/>
+              <a:buChar char="▪"/>
+              <a:defRPr b="0" i="0">
+                <a:latin typeface="Arial"/>
+                <a:ea typeface="Arial"/>
+                <a:cs typeface="Arial"/>
+                <a:sym typeface="Arial"/>
+              </a:defRPr>
+            </a:lvl5pPr>
+            <a:lvl6pPr marL="2743200" lvl="5" indent="-342900" algn="l">
+              <a:lnSpc>
+                <a:spcPct val="90000"/>
+              </a:lnSpc>
+              <a:spcBef>
+                <a:spcPts val="500"/>
+              </a:spcBef>
+              <a:spcAft>
+                <a:spcPts val="0"/>
+              </a:spcAft>
+              <a:buClr>
+                <a:schemeClr val="dk1"/>
+              </a:buClr>
+              <a:buSzPts val="1800"/>
+              <a:buChar char="•"/>
+              <a:defRPr/>
+            </a:lvl6pPr>
+            <a:lvl7pPr marL="3200400" lvl="6" indent="-342900" algn="l">
+              <a:lnSpc>
+                <a:spcPct val="90000"/>
+              </a:lnSpc>
+              <a:spcBef>
+                <a:spcPts val="500"/>
+              </a:spcBef>
+              <a:spcAft>
+                <a:spcPts val="0"/>
+              </a:spcAft>
+              <a:buClr>
+                <a:schemeClr val="dk1"/>
+              </a:buClr>
+              <a:buSzPts val="1800"/>
+              <a:buChar char="•"/>
+              <a:defRPr/>
+            </a:lvl7pPr>
+            <a:lvl8pPr marL="3657600" lvl="7" indent="-342900" algn="l">
+              <a:lnSpc>
+                <a:spcPct val="90000"/>
+              </a:lnSpc>
+              <a:spcBef>
+                <a:spcPts val="500"/>
+              </a:spcBef>
+              <a:spcAft>
+                <a:spcPts val="0"/>
+              </a:spcAft>
+              <a:buClr>
+                <a:schemeClr val="dk1"/>
+              </a:buClr>
+              <a:buSzPts val="1800"/>
+              <a:buChar char="•"/>
+              <a:defRPr/>
+            </a:lvl8pPr>
+            <a:lvl9pPr marL="4114800" lvl="8" indent="-342900" algn="l">
+              <a:lnSpc>
+                <a:spcPct val="90000"/>
+              </a:lnSpc>
+              <a:spcBef>
+                <a:spcPts val="500"/>
+              </a:spcBef>
+              <a:spcAft>
+                <a:spcPts val="0"/>
+              </a:spcAft>
+              <a:buClr>
+                <a:schemeClr val="dk1"/>
+              </a:buClr>
+              <a:buSzPts val="1800"/>
+              <a:buChar char="•"/>
+              <a:defRPr/>
+            </a:lvl9pPr>
+          </a:lstStyle>
+          <a:p>
+            <a:pPr lvl="0"/>
+            <a:r>
+              <a:rPr lang="en-US"/>
+              <a:t>Click to edit Master text styles</a:t>
+            </a:r>
+          </a:p>
+        </p:txBody>
+      </p:sp>
+    </p:spTree>
+  </p:cSld>
+  <p:clrMapOvr>
+    <a:masterClrMapping/>
+  </p:clrMapOvr>
+</p:sldLayout>
+</file>
+
+<file path=ppt/slideLayouts/slideLayout9.xml><?xml version="1.0" encoding="utf-8"?>
+<p:sldLayout xmlns:a="http://schemas.openxmlformats.org/drawingml/2006/main" xmlns:r="http://schemas.openxmlformats.org/officeDocument/2006/relationships" xmlns:p="http://schemas.openxmlformats.org/presentationml/2006/main" matchingName="Blank" type="blank">
+  <p:cSld name="Blank">
+    <p:spTree>
+      <p:nvGrpSpPr>
+        <p:cNvPr id="1" name="Shape 141"/>
+        <p:cNvGrpSpPr/>
+        <p:nvPr/>
+      </p:nvGrpSpPr>
+      <p:grpSpPr>
+        <a:xfrm>
+          <a:off x="0" y="0"/>
+          <a:ext cx="0" cy="0"/>
+          <a:chOff x="0" y="0"/>
+          <a:chExt cx="0" cy="0"/>
+        </a:xfrm>
+      </p:grpSpPr>
+      <p:sp>
+        <p:nvSpPr>
+          <p:cNvPr id="142" name="Google Shape;142;p13"/>
+          <p:cNvSpPr txBox="1">
+            <a:spLocks noGrp="1"/>
+          </p:cNvSpPr>
+          <p:nvPr>
+            <p:ph type="dt" idx="10"/>
+          </p:nvPr>
+        </p:nvSpPr>
+        <p:spPr>
+          <a:xfrm>
+            <a:off x="838200" y="6356350"/>
+            <a:ext cx="2743200" cy="365125"/>
+          </a:xfrm>
+          <a:prstGeom prst="rect">
+            <a:avLst/>
+          </a:prstGeom>
+          <a:noFill/>
+          <a:ln>
+            <a:noFill/>
+          </a:ln>
+        </p:spPr>
+        <p:txBody>
+          <a:bodyPr spcFirstLastPara="1" wrap="square" lIns="91425" tIns="45700" rIns="91425" bIns="45700" anchor="ctr" anchorCtr="0">
+            <a:noAutofit/>
+          </a:bodyPr>
+          <a:lstStyle>
+            <a:lvl1pPr lvl="0" algn="l">
+              <a:spcBef>
+                <a:spcPts val="0"/>
+              </a:spcBef>
+              <a:spcAft>
+                <a:spcPts val="0"/>
+              </a:spcAft>
+              <a:buSzPts val="1400"/>
+              <a:buNone/>
+              <a:defRPr b="0" i="0">
+                <a:latin typeface="Arial"/>
+                <a:ea typeface="Arial"/>
+                <a:cs typeface="Arial"/>
+                <a:sym typeface="Arial"/>
+              </a:defRPr>
+            </a:lvl1pPr>
+            <a:lvl2pPr lvl="1" algn="l">
+              <a:spcBef>
+                <a:spcPts val="0"/>
+              </a:spcBef>
+              <a:spcAft>
+                <a:spcPts val="0"/>
+              </a:spcAft>
+              <a:buSzPts val="1400"/>
+              <a:buNone/>
+              <a:defRPr/>
+            </a:lvl2pPr>
+            <a:lvl3pPr lvl="2" algn="l">
+              <a:spcBef>
+                <a:spcPts val="0"/>
+              </a:spcBef>
+              <a:spcAft>
+                <a:spcPts val="0"/>
+              </a:spcAft>
+              <a:buSzPts val="1400"/>
+              <a:buNone/>
+              <a:defRPr/>
+            </a:lvl3pPr>
+            <a:lvl4pPr lvl="3" algn="l">
+              <a:spcBef>
+                <a:spcPts val="0"/>
+              </a:spcBef>
+              <a:spcAft>
+                <a:spcPts val="0"/>
+              </a:spcAft>
+              <a:buSzPts val="1400"/>
+              <a:buNone/>
+              <a:defRPr/>
+            </a:lvl4pPr>
+            <a:lvl5pPr lvl="4" algn="l">
+              <a:spcBef>
+                <a:spcPts val="0"/>
+              </a:spcBef>
+              <a:spcAft>
+                <a:spcPts val="0"/>
+              </a:spcAft>
+              <a:buSzPts val="1400"/>
+              <a:buNone/>
+              <a:defRPr/>
+            </a:lvl5pPr>
+            <a:lvl6pPr lvl="5" algn="l">
+              <a:spcBef>
+                <a:spcPts val="0"/>
+              </a:spcBef>
+              <a:spcAft>
+                <a:spcPts val="0"/>
+              </a:spcAft>
+              <a:buSzPts val="1400"/>
+              <a:buNone/>
+              <a:defRPr/>
+            </a:lvl6pPr>
+            <a:lvl7pPr lvl="6" algn="l">
+              <a:spcBef>
+                <a:spcPts val="0"/>
+              </a:spcBef>
+              <a:spcAft>
+                <a:spcPts val="0"/>
+              </a:spcAft>
+              <a:buSzPts val="1400"/>
+              <a:buNone/>
+              <a:defRPr/>
+            </a:lvl7pPr>
+            <a:lvl8pPr lvl="7" algn="l">
+              <a:spcBef>
+                <a:spcPts val="0"/>
+              </a:spcBef>
+              <a:spcAft>
+                <a:spcPts val="0"/>
+              </a:spcAft>
+              <a:buSzPts val="1400"/>
+              <a:buNone/>
+              <a:defRPr/>
+            </a:lvl8pPr>
+            <a:lvl9pPr lvl="8" algn="l">
+              <a:spcBef>
+                <a:spcPts val="0"/>
+              </a:spcBef>
+              <a:spcAft>
+                <a:spcPts val="0"/>
+              </a:spcAft>
+              <a:buSzPts val="1400"/>
+              <a:buNone/>
+              <a:defRPr/>
+            </a:lvl9pPr>
+          </a:lstStyle>
+          <a:p>
+            <a:endParaRPr/>
+          </a:p>
+        </p:txBody>
+      </p:sp>
+      <p:sp>
+        <p:nvSpPr>
+          <p:cNvPr id="143" name="Google Shape;143;p13"/>
+          <p:cNvSpPr txBox="1">
+            <a:spLocks noGrp="1"/>
+          </p:cNvSpPr>
+          <p:nvPr>
+            <p:ph type="ftr" idx="11"/>
+          </p:nvPr>
+        </p:nvSpPr>
+        <p:spPr>
+          <a:xfrm>
+            <a:off x="4038600" y="6356350"/>
+            <a:ext cx="4114800" cy="365125"/>
+          </a:xfrm>
+          <a:prstGeom prst="rect">
+            <a:avLst/>
+          </a:prstGeom>
+          <a:noFill/>
+          <a:ln>
+            <a:noFill/>
+          </a:ln>
+        </p:spPr>
+        <p:txBody>
+          <a:bodyPr spcFirstLastPara="1" wrap="square" lIns="91425" tIns="45700" rIns="91425" bIns="45700" anchor="ctr" anchorCtr="0">
+            <a:noAutofit/>
+          </a:bodyPr>
+          <a:lstStyle>
+            <a:lvl1pPr lvl="0" algn="ctr">
+              <a:spcBef>
+                <a:spcPts val="0"/>
+              </a:spcBef>
+              <a:spcAft>
+                <a:spcPts val="0"/>
+              </a:spcAft>
+              <a:buSzPts val="1400"/>
+              <a:buNone/>
+              <a:defRPr b="0" i="0">
+                <a:latin typeface="Arial"/>
+                <a:ea typeface="Arial"/>
+                <a:cs typeface="Arial"/>
+                <a:sym typeface="Arial"/>
+              </a:defRPr>
+            </a:lvl1pPr>
+            <a:lvl2pPr lvl="1" algn="l">
+              <a:spcBef>
+                <a:spcPts val="0"/>
+              </a:spcBef>
+              <a:spcAft>
+                <a:spcPts val="0"/>
+              </a:spcAft>
+              <a:buSzPts val="1400"/>
+              <a:buNone/>
+              <a:defRPr/>
+            </a:lvl2pPr>
+            <a:lvl3pPr lvl="2" algn="l">
+              <a:spcBef>
+                <a:spcPts val="0"/>
+              </a:spcBef>
+              <a:spcAft>
+                <a:spcPts val="0"/>
+              </a:spcAft>
+              <a:buSzPts val="1400"/>
+              <a:buNone/>
+              <a:defRPr/>
+            </a:lvl3pPr>
+            <a:lvl4pPr lvl="3" algn="l">
+              <a:spcBef>
+                <a:spcPts val="0"/>
+              </a:spcBef>
+              <a:spcAft>
+                <a:spcPts val="0"/>
+              </a:spcAft>
+              <a:buSzPts val="1400"/>
+              <a:buNone/>
+              <a:defRPr/>
+            </a:lvl4pPr>
+            <a:lvl5pPr lvl="4" algn="l">
+              <a:spcBef>
+                <a:spcPts val="0"/>
+              </a:spcBef>
+              <a:spcAft>
+                <a:spcPts val="0"/>
+              </a:spcAft>
+              <a:buSzPts val="1400"/>
+              <a:buNone/>
+              <a:defRPr/>
+            </a:lvl5pPr>
+            <a:lvl6pPr lvl="5" algn="l">
+              <a:spcBef>
+                <a:spcPts val="0"/>
+              </a:spcBef>
+              <a:spcAft>
+                <a:spcPts val="0"/>
+              </a:spcAft>
+              <a:buSzPts val="1400"/>
+              <a:buNone/>
+              <a:defRPr/>
+            </a:lvl6pPr>
+            <a:lvl7pPr lvl="6" algn="l">
+              <a:spcBef>
+                <a:spcPts val="0"/>
+              </a:spcBef>
+              <a:spcAft>
+                <a:spcPts val="0"/>
+              </a:spcAft>
+              <a:buSzPts val="1400"/>
+              <a:buNone/>
+              <a:defRPr/>
+            </a:lvl7pPr>
+            <a:lvl8pPr lvl="7" algn="l">
+              <a:spcBef>
+                <a:spcPts val="0"/>
+              </a:spcBef>
+              <a:spcAft>
+                <a:spcPts val="0"/>
+              </a:spcAft>
+              <a:buSzPts val="1400"/>
+              <a:buNone/>
+              <a:defRPr/>
+            </a:lvl8pPr>
+            <a:lvl9pPr lvl="8" algn="l">
+              <a:spcBef>
+                <a:spcPts val="0"/>
+              </a:spcBef>
+              <a:spcAft>
+                <a:spcPts val="0"/>
+              </a:spcAft>
+              <a:buSzPts val="1400"/>
+              <a:buNone/>
+              <a:defRPr/>
+            </a:lvl9pPr>
+          </a:lstStyle>
+          <a:p>
+            <a:endParaRPr/>
+          </a:p>
+        </p:txBody>
+      </p:sp>
+      <p:sp>
+        <p:nvSpPr>
+          <p:cNvPr id="144" name="Google Shape;144;p13"/>
+          <p:cNvSpPr txBox="1">
+            <a:spLocks noGrp="1"/>
+          </p:cNvSpPr>
+          <p:nvPr>
+            <p:ph type="sldNum" idx="12"/>
+          </p:nvPr>
+        </p:nvSpPr>
+        <p:spPr>
+          <a:xfrm>
+            <a:off x="8610600" y="6356350"/>
+            <a:ext cx="2743200" cy="365125"/>
+          </a:xfrm>
+          <a:prstGeom prst="rect">
+            <a:avLst/>
+          </a:prstGeom>
+          <a:noFill/>
+          <a:ln>
+            <a:noFill/>
+          </a:ln>
+        </p:spPr>
+        <p:txBody>
+          <a:bodyPr spcFirstLastPara="1" wrap="square" lIns="91425" tIns="45700" rIns="91425" bIns="45700" anchor="ctr" anchorCtr="0">
+            <a:noAutofit/>
+          </a:bodyPr>
+          <a:lstStyle>
+            <a:lvl1pPr marL="0" lvl="0" indent="0" algn="r">
+              <a:spcBef>
+                <a:spcPts val="0"/>
+              </a:spcBef>
+              <a:buNone/>
+              <a:defRPr sz="1200" b="0" i="0">
+                <a:solidFill>
+                  <a:srgbClr val="888888"/>
+                </a:solidFill>
+                <a:latin typeface="Arial"/>
+                <a:ea typeface="Arial"/>
+                <a:cs typeface="Arial"/>
+                <a:sym typeface="Arial"/>
+              </a:defRPr>
+            </a:lvl1pPr>
+            <a:lvl2pPr marL="0" lvl="1" indent="0" algn="r">
+              <a:spcBef>
+                <a:spcPts val="0"/>
+              </a:spcBef>
+              <a:buNone/>
+              <a:defRPr sz="1200" b="0" i="0">
+                <a:solidFill>
+                  <a:srgbClr val="888888"/>
+                </a:solidFill>
+                <a:latin typeface="Arial"/>
+                <a:ea typeface="Arial"/>
+                <a:cs typeface="Arial"/>
+                <a:sym typeface="Arial"/>
+              </a:defRPr>
+            </a:lvl2pPr>
+            <a:lvl3pPr marL="0" lvl="2" indent="0" algn="r">
+              <a:spcBef>
+                <a:spcPts val="0"/>
+              </a:spcBef>
+              <a:buNone/>
+              <a:defRPr sz="1200" b="0" i="0">
+                <a:solidFill>
+                  <a:srgbClr val="888888"/>
+                </a:solidFill>
+                <a:latin typeface="Arial"/>
+                <a:ea typeface="Arial"/>
+                <a:cs typeface="Arial"/>
+                <a:sym typeface="Arial"/>
+              </a:defRPr>
+            </a:lvl3pPr>
+            <a:lvl4pPr marL="0" lvl="3" indent="0" algn="r">
+              <a:spcBef>
+                <a:spcPts val="0"/>
+              </a:spcBef>
+              <a:buNone/>
+              <a:defRPr sz="1200" b="0" i="0">
+                <a:solidFill>
+                  <a:srgbClr val="888888"/>
+                </a:solidFill>
+                <a:latin typeface="Arial"/>
+                <a:ea typeface="Arial"/>
+                <a:cs typeface="Arial"/>
+                <a:sym typeface="Arial"/>
+              </a:defRPr>
+            </a:lvl4pPr>
+            <a:lvl5pPr marL="0" lvl="4" indent="0" algn="r">
+              <a:spcBef>
+                <a:spcPts val="0"/>
+              </a:spcBef>
+              <a:buNone/>
+              <a:defRPr sz="1200" b="0" i="0">
+                <a:solidFill>
+                  <a:srgbClr val="888888"/>
+                </a:solidFill>
+                <a:latin typeface="Arial"/>
+                <a:ea typeface="Arial"/>
+                <a:cs typeface="Arial"/>
+                <a:sym typeface="Arial"/>
+              </a:defRPr>
+            </a:lvl5pPr>
+            <a:lvl6pPr marL="0" lvl="5" indent="0" algn="r">
+              <a:spcBef>
+                <a:spcPts val="0"/>
+              </a:spcBef>
+              <a:buNone/>
+              <a:defRPr sz="1200" b="0" i="0">
+                <a:solidFill>
+                  <a:srgbClr val="888888"/>
+                </a:solidFill>
+                <a:latin typeface="Arial"/>
+                <a:ea typeface="Arial"/>
+                <a:cs typeface="Arial"/>
+                <a:sym typeface="Arial"/>
+              </a:defRPr>
+            </a:lvl6pPr>
+            <a:lvl7pPr marL="0" lvl="6" indent="0" algn="r">
+              <a:spcBef>
+                <a:spcPts val="0"/>
+              </a:spcBef>
+              <a:buNone/>
+              <a:defRPr sz="1200" b="0" i="0">
+                <a:solidFill>
+                  <a:srgbClr val="888888"/>
+                </a:solidFill>
+                <a:latin typeface="Arial"/>
+                <a:ea typeface="Arial"/>
+                <a:cs typeface="Arial"/>
+                <a:sym typeface="Arial"/>
+              </a:defRPr>
+            </a:lvl7pPr>
+            <a:lvl8pPr marL="0" lvl="7" indent="0" algn="r">
+              <a:spcBef>
+                <a:spcPts val="0"/>
+              </a:spcBef>
+              <a:buNone/>
+              <a:defRPr sz="1200" b="0" i="0">
+                <a:solidFill>
+                  <a:srgbClr val="888888"/>
+                </a:solidFill>
+                <a:latin typeface="Arial"/>
+                <a:ea typeface="Arial"/>
+                <a:cs typeface="Arial"/>
+                <a:sym typeface="Arial"/>
+              </a:defRPr>
+            </a:lvl8pPr>
+            <a:lvl9pPr marL="0" lvl="8" indent="0" algn="r">
+              <a:spcBef>
+                <a:spcPts val="0"/>
+              </a:spcBef>
+              <a:buNone/>
+              <a:defRPr sz="1200" b="0" i="0">
+                <a:solidFill>
+                  <a:srgbClr val="888888"/>
+                </a:solidFill>
+                <a:latin typeface="Arial"/>
+                <a:ea typeface="Arial"/>
+                <a:cs typeface="Arial"/>
+                <a:sym typeface="Arial"/>
+              </a:defRPr>
+            </a:lvl9pPr>
+          </a:lstStyle>
+          <a:p>
+            <a:pPr marL="0" lvl="0" indent="0" algn="r" rtl="0">
+              <a:spcBef>
+                <a:spcPts val="0"/>
+              </a:spcBef>
+              <a:spcAft>
+                <a:spcPts val="0"/>
+              </a:spcAft>
+              <a:buNone/>
+            </a:pPr>
+            <a:fld id="{00000000-1234-1234-1234-123412341234}" type="slidenum">
+              <a:rPr lang="en-US"/>
+              <a:t>‹#›</a:t>
+            </a:fld>
+            <a:endParaRPr/>
+          </a:p>
+        </p:txBody>
+      </p:sp>
+    </p:spTree>
+  </p:cSld>
+  <p:clrMapOvr>
+    <a:masterClrMapping/>
+  </p:clrMapOvr>
+</p:sldLayout>
+</file>
+
 <file path=ppt/slideMasters/slideMaster1.xml><?xml version="1.0" encoding="utf-8"?>
 <p:sldMaster xmlns:a="http://schemas.openxmlformats.org/drawingml/2006/main" xmlns:r="http://schemas.openxmlformats.org/officeDocument/2006/relationships" xmlns:p="http://schemas.openxmlformats.org/presentationml/2006/main">
   <p:cSld>
@@ -20404,20 +18494,18 @@
   <p:sldLayoutIdLst>
     <p:sldLayoutId id="2147483648" r:id="rId1"/>
     <p:sldLayoutId id="2147483649" r:id="rId2"/>
-    <p:sldLayoutId id="2147483650" r:id="rId3"/>
-    <p:sldLayoutId id="2147483651" r:id="rId4"/>
-    <p:sldLayoutId id="2147483652" r:id="rId5"/>
-    <p:sldLayoutId id="2147483653" r:id="rId6"/>
-    <p:sldLayoutId id="2147483654" r:id="rId7"/>
-    <p:sldLayoutId id="2147483655" r:id="rId8"/>
-    <p:sldLayoutId id="2147483656" r:id="rId9"/>
-    <p:sldLayoutId id="2147483657" r:id="rId10"/>
-    <p:sldLayoutId id="2147483659" r:id="rId11"/>
-    <p:sldLayoutId id="2147483660" r:id="rId12"/>
-    <p:sldLayoutId id="2147483661" r:id="rId13"/>
-    <p:sldLayoutId id="2147483662" r:id="rId14"/>
-    <p:sldLayoutId id="2147483663" r:id="rId15"/>
-    <p:sldLayoutId id="2147483664" r:id="rId16"/>
+    <p:sldLayoutId id="2147483651" r:id="rId3"/>
+    <p:sldLayoutId id="2147483652" r:id="rId4"/>
+    <p:sldLayoutId id="2147483653" r:id="rId5"/>
+    <p:sldLayoutId id="2147483655" r:id="rId6"/>
+    <p:sldLayoutId id="2147483656" r:id="rId7"/>
+    <p:sldLayoutId id="2147483657" r:id="rId8"/>
+    <p:sldLayoutId id="2147483659" r:id="rId9"/>
+    <p:sldLayoutId id="2147483660" r:id="rId10"/>
+    <p:sldLayoutId id="2147483661" r:id="rId11"/>
+    <p:sldLayoutId id="2147483662" r:id="rId12"/>
+    <p:sldLayoutId id="2147483663" r:id="rId13"/>
+    <p:sldLayoutId id="2147483664" r:id="rId14"/>
   </p:sldLayoutIdLst>
   <p:hf sldNum="0" hdr="0" ftr="0" dt="0"/>
   <p:txStyles>
@@ -21392,14 +19480,287 @@
             <a:pPr lvl="1"/>
             <a:r>
               <a:rPr lang="en-US" dirty="0"/>
-              <a:t>Different systems used for generation/capture</a:t>
+              <a:t>Duplication, redundancy, overlap</a:t>
             </a:r>
           </a:p>
           <a:p>
             <a:pPr lvl="1"/>
             <a:r>
               <a:rPr lang="en-US" dirty="0"/>
-              <a:t>Intrinsically </a:t>
+              <a:t>Varying formats/types</a:t>
+            </a:r>
+          </a:p>
+          <a:p>
+            <a:pPr lvl="1"/>
+            <a:r>
+              <a:rPr lang="en-US" dirty="0"/>
+              <a:t>Missing Data</a:t>
+            </a:r>
+          </a:p>
+        </p:txBody>
+      </p:sp>
+    </p:spTree>
+    <p:extLst>
+      <p:ext uri="{BB962C8B-B14F-4D97-AF65-F5344CB8AC3E}">
+        <p14:creationId xmlns:p14="http://schemas.microsoft.com/office/powerpoint/2010/main" val="3578501481"/>
+      </p:ext>
+    </p:extLst>
+  </p:cSld>
+  <p:clrMapOvr>
+    <a:masterClrMapping/>
+  </p:clrMapOvr>
+</p:sld>
+</file>
+
+<file path=ppt/slides/slide11.xml><?xml version="1.0" encoding="utf-8"?>
+<p:sld xmlns:a="http://schemas.openxmlformats.org/drawingml/2006/main" xmlns:r="http://schemas.openxmlformats.org/officeDocument/2006/relationships" xmlns:p="http://schemas.openxmlformats.org/presentationml/2006/main">
+  <p:cSld>
+    <p:spTree>
+      <p:nvGrpSpPr>
+        <p:cNvPr id="1" name=""/>
+        <p:cNvGrpSpPr/>
+        <p:nvPr/>
+      </p:nvGrpSpPr>
+      <p:grpSpPr>
+        <a:xfrm>
+          <a:off x="0" y="0"/>
+          <a:ext cx="0" cy="0"/>
+          <a:chOff x="0" y="0"/>
+          <a:chExt cx="0" cy="0"/>
+        </a:xfrm>
+      </p:grpSpPr>
+      <p:sp>
+        <p:nvSpPr>
+          <p:cNvPr id="2" name="Title 1">
+            <a:extLst>
+              <a:ext uri="{FF2B5EF4-FFF2-40B4-BE49-F238E27FC236}">
+                <a16:creationId xmlns:a16="http://schemas.microsoft.com/office/drawing/2014/main" id="{BEAD66FE-5EFC-4CC4-8293-2CE8D180D9E4}"/>
+              </a:ext>
+            </a:extLst>
+          </p:cNvPr>
+          <p:cNvSpPr>
+            <a:spLocks noGrp="1"/>
+          </p:cNvSpPr>
+          <p:nvPr>
+            <p:ph type="title"/>
+          </p:nvPr>
+        </p:nvSpPr>
+        <p:spPr/>
+        <p:txBody>
+          <a:bodyPr/>
+          <a:lstStyle/>
+          <a:p>
+            <a:r>
+              <a:rPr lang="en-US" dirty="0"/>
+              <a:t>Exploration</a:t>
+            </a:r>
+          </a:p>
+        </p:txBody>
+      </p:sp>
+      <p:sp>
+        <p:nvSpPr>
+          <p:cNvPr id="3" name="Text Placeholder 2">
+            <a:extLst>
+              <a:ext uri="{FF2B5EF4-FFF2-40B4-BE49-F238E27FC236}">
+                <a16:creationId xmlns:a16="http://schemas.microsoft.com/office/drawing/2014/main" id="{241DB663-5822-4910-8B85-59D342544F2F}"/>
+              </a:ext>
+            </a:extLst>
+          </p:cNvPr>
+          <p:cNvSpPr>
+            <a:spLocks noGrp="1"/>
+          </p:cNvSpPr>
+          <p:nvPr>
+            <p:ph type="body" idx="1"/>
+          </p:nvPr>
+        </p:nvSpPr>
+        <p:spPr/>
+        <p:txBody>
+          <a:bodyPr/>
+          <a:lstStyle/>
+          <a:p>
+            <a:r>
+              <a:rPr lang="en-US" dirty="0"/>
+              <a:t>Exploring your data to find patterns and trends</a:t>
+            </a:r>
+          </a:p>
+          <a:p>
+            <a:r>
+              <a:rPr lang="en-US" dirty="0"/>
+              <a:t>Calculate statistics:</a:t>
+            </a:r>
+          </a:p>
+          <a:p>
+            <a:pPr lvl="1"/>
+            <a:r>
+              <a:rPr lang="en-US" dirty="0"/>
+              <a:t>Central tendency: Mean, Median</a:t>
+            </a:r>
+          </a:p>
+          <a:p>
+            <a:pPr lvl="1"/>
+            <a:r>
+              <a:rPr lang="en-US" dirty="0"/>
+              <a:t>Spread: Variance, Standard Deviation</a:t>
+            </a:r>
+          </a:p>
+          <a:p>
+            <a:pPr lvl="1"/>
+            <a:r>
+              <a:rPr lang="en-US" dirty="0"/>
+              <a:t>Distribution of Categorical variables</a:t>
+            </a:r>
+          </a:p>
+          <a:p>
+            <a:r>
+              <a:rPr lang="en-US" dirty="0"/>
+              <a:t>Charts!</a:t>
+            </a:r>
+          </a:p>
+          <a:p>
+            <a:r>
+              <a:rPr lang="en-US" dirty="0"/>
+              <a:t>Co-variance and co-relation with other variables</a:t>
+            </a:r>
+          </a:p>
+          <a:p>
+            <a:r>
+              <a:rPr lang="en-US" dirty="0"/>
+              <a:t>Hypothesis testing</a:t>
+            </a:r>
+          </a:p>
+          <a:p>
+            <a:r>
+              <a:rPr lang="en-US" dirty="0"/>
+              <a:t>Feature engineering</a:t>
+            </a:r>
+          </a:p>
+        </p:txBody>
+      </p:sp>
+    </p:spTree>
+    <p:extLst>
+      <p:ext uri="{BB962C8B-B14F-4D97-AF65-F5344CB8AC3E}">
+        <p14:creationId xmlns:p14="http://schemas.microsoft.com/office/powerpoint/2010/main" val="3378265956"/>
+      </p:ext>
+    </p:extLst>
+  </p:cSld>
+  <p:clrMapOvr>
+    <a:masterClrMapping/>
+  </p:clrMapOvr>
+</p:sld>
+</file>
+
+<file path=ppt/slides/slide12.xml><?xml version="1.0" encoding="utf-8"?>
+<p:sld xmlns:a="http://schemas.openxmlformats.org/drawingml/2006/main" xmlns:r="http://schemas.openxmlformats.org/officeDocument/2006/relationships" xmlns:p="http://schemas.openxmlformats.org/presentationml/2006/main">
+  <p:cSld>
+    <p:spTree>
+      <p:nvGrpSpPr>
+        <p:cNvPr id="1" name=""/>
+        <p:cNvGrpSpPr/>
+        <p:nvPr/>
+      </p:nvGrpSpPr>
+      <p:grpSpPr>
+        <a:xfrm>
+          <a:off x="0" y="0"/>
+          <a:ext cx="0" cy="0"/>
+          <a:chOff x="0" y="0"/>
+          <a:chExt cx="0" cy="0"/>
+        </a:xfrm>
+      </p:grpSpPr>
+      <p:sp>
+        <p:nvSpPr>
+          <p:cNvPr id="2" name="Title 1">
+            <a:extLst>
+              <a:ext uri="{FF2B5EF4-FFF2-40B4-BE49-F238E27FC236}">
+                <a16:creationId xmlns:a16="http://schemas.microsoft.com/office/drawing/2014/main" id="{55ED5A88-4100-48FF-86D0-53164888071A}"/>
+              </a:ext>
+            </a:extLst>
+          </p:cNvPr>
+          <p:cNvSpPr>
+            <a:spLocks noGrp="1"/>
+          </p:cNvSpPr>
+          <p:nvPr>
+            <p:ph type="title"/>
+          </p:nvPr>
+        </p:nvSpPr>
+        <p:spPr/>
+        <p:txBody>
+          <a:bodyPr/>
+          <a:lstStyle/>
+          <a:p>
+            <a:r>
+              <a:rPr lang="en-US" dirty="0"/>
+              <a:t>Modeling</a:t>
+            </a:r>
+          </a:p>
+        </p:txBody>
+      </p:sp>
+      <p:sp>
+        <p:nvSpPr>
+          <p:cNvPr id="3" name="Text Placeholder 2">
+            <a:extLst>
+              <a:ext uri="{FF2B5EF4-FFF2-40B4-BE49-F238E27FC236}">
+                <a16:creationId xmlns:a16="http://schemas.microsoft.com/office/drawing/2014/main" id="{40D2C210-1C5B-46A2-A76E-7D66EC990A8D}"/>
+              </a:ext>
+            </a:extLst>
+          </p:cNvPr>
+          <p:cNvSpPr>
+            <a:spLocks noGrp="1"/>
+          </p:cNvSpPr>
+          <p:nvPr>
+            <p:ph type="body" idx="1"/>
+          </p:nvPr>
+        </p:nvSpPr>
+        <p:spPr/>
+        <p:txBody>
+          <a:bodyPr/>
+          <a:lstStyle/>
+          <a:p>
+            <a:r>
+              <a:rPr lang="en-US" dirty="0"/>
+              <a:t>The heart of modern AI and Data Science – Feeding data into algorithms</a:t>
+            </a:r>
+          </a:p>
+          <a:p>
+            <a:r>
+              <a:rPr lang="en-US" dirty="0"/>
+              <a:t>Large variety of algorithms available, each suitable for different </a:t>
+            </a:r>
+            <a:r>
+              <a:rPr lang="en-US" dirty="0" err="1"/>
+              <a:t>situaions</a:t>
+            </a:r>
+            <a:endParaRPr lang="en-US" dirty="0"/>
+          </a:p>
+          <a:p>
+            <a:r>
+              <a:rPr lang="en-US" dirty="0"/>
+              <a:t>Two main categories:</a:t>
+            </a:r>
+          </a:p>
+          <a:p>
+            <a:pPr lvl="1"/>
+            <a:r>
+              <a:rPr lang="en-US" dirty="0"/>
+              <a:t>Supervised Learning Models</a:t>
+            </a:r>
+          </a:p>
+          <a:p>
+            <a:pPr lvl="1"/>
+            <a:r>
+              <a:rPr lang="en-US" dirty="0"/>
+              <a:t>Unsupervised learning models</a:t>
+            </a:r>
+          </a:p>
+          <a:p>
+            <a:r>
+              <a:rPr lang="en-US" dirty="0"/>
+              <a:t>Very finnicky: Input data needs to be processed just right</a:t>
+            </a:r>
+          </a:p>
+          <a:p>
+            <a:r>
+              <a:rPr lang="en-US" dirty="0"/>
+              <a:t>A Data Scientist’s job is to fit and evaluate the models and make improvements in an iterative way. </a:t>
             </a:r>
           </a:p>
           <a:p>
@@ -21411,7 +19772,427 @@
     </p:spTree>
     <p:extLst>
       <p:ext uri="{BB962C8B-B14F-4D97-AF65-F5344CB8AC3E}">
-        <p14:creationId xmlns:p14="http://schemas.microsoft.com/office/powerpoint/2010/main" val="3578501481"/>
+        <p14:creationId xmlns:p14="http://schemas.microsoft.com/office/powerpoint/2010/main" val="197625094"/>
+      </p:ext>
+    </p:extLst>
+  </p:cSld>
+  <p:clrMapOvr>
+    <a:masterClrMapping/>
+  </p:clrMapOvr>
+</p:sld>
+</file>
+
+<file path=ppt/slides/slide13.xml><?xml version="1.0" encoding="utf-8"?>
+<p:sld xmlns:a="http://schemas.openxmlformats.org/drawingml/2006/main" xmlns:r="http://schemas.openxmlformats.org/officeDocument/2006/relationships" xmlns:p="http://schemas.openxmlformats.org/presentationml/2006/main">
+  <p:cSld>
+    <p:spTree>
+      <p:nvGrpSpPr>
+        <p:cNvPr id="1" name=""/>
+        <p:cNvGrpSpPr/>
+        <p:nvPr/>
+      </p:nvGrpSpPr>
+      <p:grpSpPr>
+        <a:xfrm>
+          <a:off x="0" y="0"/>
+          <a:ext cx="0" cy="0"/>
+          <a:chOff x="0" y="0"/>
+          <a:chExt cx="0" cy="0"/>
+        </a:xfrm>
+      </p:grpSpPr>
+      <p:pic>
+        <p:nvPicPr>
+          <p:cNvPr id="3" name="Picture 2">
+            <a:extLst>
+              <a:ext uri="{FF2B5EF4-FFF2-40B4-BE49-F238E27FC236}">
+                <a16:creationId xmlns:a16="http://schemas.microsoft.com/office/drawing/2014/main" id="{395020E1-B5F2-4A84-81EC-19E359C6CA90}"/>
+              </a:ext>
+            </a:extLst>
+          </p:cNvPr>
+          <p:cNvPicPr>
+            <a:picLocks noChangeAspect="1"/>
+          </p:cNvPicPr>
+          <p:nvPr/>
+        </p:nvPicPr>
+        <p:blipFill>
+          <a:blip r:embed="rId2"/>
+          <a:stretch>
+            <a:fillRect/>
+          </a:stretch>
+        </p:blipFill>
+        <p:spPr>
+          <a:xfrm>
+            <a:off x="757413" y="224345"/>
+            <a:ext cx="10677173" cy="6409309"/>
+          </a:xfrm>
+          <a:prstGeom prst="rect">
+            <a:avLst/>
+          </a:prstGeom>
+        </p:spPr>
+      </p:pic>
+    </p:spTree>
+    <p:extLst>
+      <p:ext uri="{BB962C8B-B14F-4D97-AF65-F5344CB8AC3E}">
+        <p14:creationId xmlns:p14="http://schemas.microsoft.com/office/powerpoint/2010/main" val="1585286899"/>
+      </p:ext>
+    </p:extLst>
+  </p:cSld>
+  <p:clrMapOvr>
+    <a:masterClrMapping/>
+  </p:clrMapOvr>
+</p:sld>
+</file>
+
+<file path=ppt/slides/slide14.xml><?xml version="1.0" encoding="utf-8"?>
+<p:sld xmlns:a="http://schemas.openxmlformats.org/drawingml/2006/main" xmlns:r="http://schemas.openxmlformats.org/officeDocument/2006/relationships" xmlns:p="http://schemas.openxmlformats.org/presentationml/2006/main">
+  <p:cSld>
+    <p:spTree>
+      <p:nvGrpSpPr>
+        <p:cNvPr id="1" name=""/>
+        <p:cNvGrpSpPr/>
+        <p:nvPr/>
+      </p:nvGrpSpPr>
+      <p:grpSpPr>
+        <a:xfrm>
+          <a:off x="0" y="0"/>
+          <a:ext cx="0" cy="0"/>
+          <a:chOff x="0" y="0"/>
+          <a:chExt cx="0" cy="0"/>
+        </a:xfrm>
+      </p:grpSpPr>
+      <p:sp>
+        <p:nvSpPr>
+          <p:cNvPr id="2" name="Title 1">
+            <a:extLst>
+              <a:ext uri="{FF2B5EF4-FFF2-40B4-BE49-F238E27FC236}">
+                <a16:creationId xmlns:a16="http://schemas.microsoft.com/office/drawing/2014/main" id="{7975BAC7-4DEE-4083-81E4-D71F5B1B227B}"/>
+              </a:ext>
+            </a:extLst>
+          </p:cNvPr>
+          <p:cNvSpPr>
+            <a:spLocks noGrp="1"/>
+          </p:cNvSpPr>
+          <p:nvPr>
+            <p:ph type="title"/>
+          </p:nvPr>
+        </p:nvSpPr>
+        <p:spPr/>
+        <p:txBody>
+          <a:bodyPr/>
+          <a:lstStyle/>
+          <a:p>
+            <a:r>
+              <a:rPr lang="en-US" dirty="0"/>
+              <a:t>Unsupervised Models</a:t>
+            </a:r>
+          </a:p>
+        </p:txBody>
+      </p:sp>
+      <p:sp>
+        <p:nvSpPr>
+          <p:cNvPr id="3" name="Text Placeholder 2">
+            <a:extLst>
+              <a:ext uri="{FF2B5EF4-FFF2-40B4-BE49-F238E27FC236}">
+                <a16:creationId xmlns:a16="http://schemas.microsoft.com/office/drawing/2014/main" id="{70235CB0-355C-449B-A94F-8947DCA0910A}"/>
+              </a:ext>
+            </a:extLst>
+          </p:cNvPr>
+          <p:cNvSpPr>
+            <a:spLocks noGrp="1"/>
+          </p:cNvSpPr>
+          <p:nvPr>
+            <p:ph type="body" idx="1"/>
+          </p:nvPr>
+        </p:nvSpPr>
+        <p:spPr/>
+        <p:txBody>
+          <a:bodyPr/>
+          <a:lstStyle/>
+          <a:p>
+            <a:r>
+              <a:rPr lang="en-US" dirty="0"/>
+              <a:t>Supervised Learning Models</a:t>
+            </a:r>
+          </a:p>
+        </p:txBody>
+      </p:sp>
+      <p:sp>
+        <p:nvSpPr>
+          <p:cNvPr id="4" name="Text Placeholder 3">
+            <a:extLst>
+              <a:ext uri="{FF2B5EF4-FFF2-40B4-BE49-F238E27FC236}">
+                <a16:creationId xmlns:a16="http://schemas.microsoft.com/office/drawing/2014/main" id="{5E23137A-14F4-4C7C-AC13-758654A62FE5}"/>
+              </a:ext>
+            </a:extLst>
+          </p:cNvPr>
+          <p:cNvSpPr>
+            <a:spLocks noGrp="1"/>
+          </p:cNvSpPr>
+          <p:nvPr>
+            <p:ph type="body" idx="2"/>
+          </p:nvPr>
+        </p:nvSpPr>
+        <p:spPr>
+          <a:xfrm>
+            <a:off x="546946" y="1554691"/>
+            <a:ext cx="4815255" cy="4351338"/>
+          </a:xfrm>
+        </p:spPr>
+        <p:txBody>
+          <a:bodyPr/>
+          <a:lstStyle/>
+          <a:p>
+            <a:r>
+              <a:rPr lang="en-US" dirty="0"/>
+              <a:t>“Predictive” models. </a:t>
+            </a:r>
+          </a:p>
+          <a:p>
+            <a:r>
+              <a:rPr lang="en-US" dirty="0"/>
+              <a:t>Learn the relationship among input variables and the “target variable”</a:t>
+            </a:r>
+          </a:p>
+          <a:p>
+            <a:r>
+              <a:rPr lang="en-US" dirty="0"/>
+              <a:t>Can then predict the value of the target variable for new set of observations of input variables. </a:t>
+            </a:r>
+          </a:p>
+          <a:p>
+            <a:r>
+              <a:rPr lang="en-US" dirty="0"/>
+              <a:t>Two main types;</a:t>
+            </a:r>
+          </a:p>
+          <a:p>
+            <a:pPr lvl="1"/>
+            <a:r>
+              <a:rPr lang="en-US" dirty="0"/>
+              <a:t>Regression: Target variable is “continuous” </a:t>
+            </a:r>
+          </a:p>
+          <a:p>
+            <a:pPr lvl="1"/>
+            <a:r>
+              <a:rPr lang="en-US" dirty="0"/>
+              <a:t>Classification: Target is “categorical”</a:t>
+            </a:r>
+          </a:p>
+          <a:p>
+            <a:endParaRPr lang="en-US" dirty="0"/>
+          </a:p>
+        </p:txBody>
+      </p:sp>
+      <p:sp>
+        <p:nvSpPr>
+          <p:cNvPr id="5" name="Text Placeholder 4">
+            <a:extLst>
+              <a:ext uri="{FF2B5EF4-FFF2-40B4-BE49-F238E27FC236}">
+                <a16:creationId xmlns:a16="http://schemas.microsoft.com/office/drawing/2014/main" id="{DF5529CF-CD83-463A-B157-9EEDCA25B135}"/>
+              </a:ext>
+            </a:extLst>
+          </p:cNvPr>
+          <p:cNvSpPr>
+            <a:spLocks noGrp="1"/>
+          </p:cNvSpPr>
+          <p:nvPr>
+            <p:ph type="body" idx="3"/>
+          </p:nvPr>
+        </p:nvSpPr>
+        <p:spPr>
+          <a:xfrm>
+            <a:off x="6829801" y="1981411"/>
+            <a:ext cx="4729167" cy="4351338"/>
+          </a:xfrm>
+        </p:spPr>
+        <p:txBody>
+          <a:bodyPr/>
+          <a:lstStyle/>
+          <a:p>
+            <a:r>
+              <a:rPr lang="en-US" dirty="0"/>
+              <a:t>Used mainly to find patterns in the data and/or try to organize it </a:t>
+            </a:r>
+          </a:p>
+          <a:p>
+            <a:r>
+              <a:rPr lang="en-US" dirty="0"/>
+              <a:t>Does not require labeled data. </a:t>
+            </a:r>
+          </a:p>
+          <a:p>
+            <a:r>
+              <a:rPr lang="en-US" dirty="0"/>
+              <a:t>Two main types:</a:t>
+            </a:r>
+          </a:p>
+          <a:p>
+            <a:pPr lvl="1"/>
+            <a:r>
+              <a:rPr lang="en-US" dirty="0"/>
+              <a:t>Cluster analysis</a:t>
+            </a:r>
+          </a:p>
+          <a:p>
+            <a:pPr lvl="1"/>
+            <a:r>
+              <a:rPr lang="en-US" dirty="0" err="1"/>
+              <a:t>Principale</a:t>
+            </a:r>
+            <a:r>
+              <a:rPr lang="en-US" dirty="0"/>
+              <a:t> Component analysis</a:t>
+            </a:r>
+          </a:p>
+        </p:txBody>
+      </p:sp>
+    </p:spTree>
+    <p:extLst>
+      <p:ext uri="{BB962C8B-B14F-4D97-AF65-F5344CB8AC3E}">
+        <p14:creationId xmlns:p14="http://schemas.microsoft.com/office/powerpoint/2010/main" val="2450927632"/>
+      </p:ext>
+    </p:extLst>
+  </p:cSld>
+  <p:clrMapOvr>
+    <a:masterClrMapping/>
+  </p:clrMapOvr>
+</p:sld>
+</file>
+
+<file path=ppt/slides/slide15.xml><?xml version="1.0" encoding="utf-8"?>
+<p:sld xmlns:a="http://schemas.openxmlformats.org/drawingml/2006/main" xmlns:r="http://schemas.openxmlformats.org/officeDocument/2006/relationships" xmlns:p="http://schemas.openxmlformats.org/presentationml/2006/main">
+  <p:cSld>
+    <p:spTree>
+      <p:nvGrpSpPr>
+        <p:cNvPr id="1" name=""/>
+        <p:cNvGrpSpPr/>
+        <p:nvPr/>
+      </p:nvGrpSpPr>
+      <p:grpSpPr>
+        <a:xfrm>
+          <a:off x="0" y="0"/>
+          <a:ext cx="0" cy="0"/>
+          <a:chOff x="0" y="0"/>
+          <a:chExt cx="0" cy="0"/>
+        </a:xfrm>
+      </p:grpSpPr>
+      <p:pic>
+        <p:nvPicPr>
+          <p:cNvPr id="3" name="Picture 2">
+            <a:extLst>
+              <a:ext uri="{FF2B5EF4-FFF2-40B4-BE49-F238E27FC236}">
+                <a16:creationId xmlns:a16="http://schemas.microsoft.com/office/drawing/2014/main" id="{2E907B77-D313-4D25-B571-9E58C9A4A3F9}"/>
+              </a:ext>
+            </a:extLst>
+          </p:cNvPr>
+          <p:cNvPicPr>
+            <a:picLocks noChangeAspect="1"/>
+          </p:cNvPicPr>
+          <p:nvPr/>
+        </p:nvPicPr>
+        <p:blipFill>
+          <a:blip r:embed="rId2"/>
+          <a:stretch>
+            <a:fillRect/>
+          </a:stretch>
+        </p:blipFill>
+        <p:spPr>
+          <a:xfrm>
+            <a:off x="792479" y="715907"/>
+            <a:ext cx="10661227" cy="5453906"/>
+          </a:xfrm>
+          <a:prstGeom prst="rect">
+            <a:avLst/>
+          </a:prstGeom>
+        </p:spPr>
+      </p:pic>
+    </p:spTree>
+    <p:extLst>
+      <p:ext uri="{BB962C8B-B14F-4D97-AF65-F5344CB8AC3E}">
+        <p14:creationId xmlns:p14="http://schemas.microsoft.com/office/powerpoint/2010/main" val="1623244719"/>
+      </p:ext>
+    </p:extLst>
+  </p:cSld>
+  <p:clrMapOvr>
+    <a:masterClrMapping/>
+  </p:clrMapOvr>
+</p:sld>
+</file>
+
+<file path=ppt/slides/slide16.xml><?xml version="1.0" encoding="utf-8"?>
+<p:sld xmlns:a="http://schemas.openxmlformats.org/drawingml/2006/main" xmlns:r="http://schemas.openxmlformats.org/officeDocument/2006/relationships" xmlns:p="http://schemas.openxmlformats.org/presentationml/2006/main">
+  <p:cSld>
+    <p:spTree>
+      <p:nvGrpSpPr>
+        <p:cNvPr id="1" name=""/>
+        <p:cNvGrpSpPr/>
+        <p:nvPr/>
+      </p:nvGrpSpPr>
+      <p:grpSpPr>
+        <a:xfrm>
+          <a:off x="0" y="0"/>
+          <a:ext cx="0" cy="0"/>
+          <a:chOff x="0" y="0"/>
+          <a:chExt cx="0" cy="0"/>
+        </a:xfrm>
+      </p:grpSpPr>
+      <p:sp>
+        <p:nvSpPr>
+          <p:cNvPr id="2" name="Title 1">
+            <a:extLst>
+              <a:ext uri="{FF2B5EF4-FFF2-40B4-BE49-F238E27FC236}">
+                <a16:creationId xmlns:a16="http://schemas.microsoft.com/office/drawing/2014/main" id="{B2C5295C-465F-4C59-A940-828EFA707FF4}"/>
+              </a:ext>
+            </a:extLst>
+          </p:cNvPr>
+          <p:cNvSpPr>
+            <a:spLocks noGrp="1"/>
+          </p:cNvSpPr>
+          <p:nvPr>
+            <p:ph type="title"/>
+          </p:nvPr>
+        </p:nvSpPr>
+        <p:spPr/>
+        <p:txBody>
+          <a:bodyPr/>
+          <a:lstStyle/>
+          <a:p>
+            <a:r>
+              <a:rPr lang="en-US" dirty="0"/>
+              <a:t>Model Performance</a:t>
+            </a:r>
+          </a:p>
+        </p:txBody>
+      </p:sp>
+      <p:sp>
+        <p:nvSpPr>
+          <p:cNvPr id="3" name="Text Placeholder 2">
+            <a:extLst>
+              <a:ext uri="{FF2B5EF4-FFF2-40B4-BE49-F238E27FC236}">
+                <a16:creationId xmlns:a16="http://schemas.microsoft.com/office/drawing/2014/main" id="{93E438FB-23C3-4124-8F65-92277FECDDA9}"/>
+              </a:ext>
+            </a:extLst>
+          </p:cNvPr>
+          <p:cNvSpPr>
+            <a:spLocks noGrp="1"/>
+          </p:cNvSpPr>
+          <p:nvPr>
+            <p:ph type="body" idx="1"/>
+          </p:nvPr>
+        </p:nvSpPr>
+        <p:spPr/>
+        <p:txBody>
+          <a:bodyPr/>
+          <a:lstStyle/>
+          <a:p>
+            <a:endParaRPr lang="en-US" dirty="0"/>
+          </a:p>
+        </p:txBody>
+      </p:sp>
+    </p:spTree>
+    <p:extLst>
+      <p:ext uri="{BB962C8B-B14F-4D97-AF65-F5344CB8AC3E}">
+        <p14:creationId xmlns:p14="http://schemas.microsoft.com/office/powerpoint/2010/main" val="4012048795"/>
       </p:ext>
     </p:extLst>
   </p:cSld>
